--- a/Project 4.pptx
+++ b/Project 4.pptx
@@ -5,7 +5,7 @@
     <p:sldMasterId id="2147483672" r:id="rId1"/>
   </p:sldMasterIdLst>
   <p:notesMasterIdLst>
-    <p:notesMasterId r:id="rId15"/>
+    <p:notesMasterId r:id="rId16"/>
   </p:notesMasterIdLst>
   <p:sldIdLst>
     <p:sldId id="256" r:id="rId2"/>
@@ -13,14 +13,15 @@
     <p:sldId id="258" r:id="rId4"/>
     <p:sldId id="259" r:id="rId5"/>
     <p:sldId id="260" r:id="rId6"/>
-    <p:sldId id="261" r:id="rId7"/>
-    <p:sldId id="262" r:id="rId8"/>
-    <p:sldId id="263" r:id="rId9"/>
-    <p:sldId id="264" r:id="rId10"/>
-    <p:sldId id="265" r:id="rId11"/>
-    <p:sldId id="266" r:id="rId12"/>
-    <p:sldId id="267" r:id="rId13"/>
-    <p:sldId id="268" r:id="rId14"/>
+    <p:sldId id="262" r:id="rId7"/>
+    <p:sldId id="263" r:id="rId8"/>
+    <p:sldId id="264" r:id="rId9"/>
+    <p:sldId id="265" r:id="rId10"/>
+    <p:sldId id="266" r:id="rId11"/>
+    <p:sldId id="267" r:id="rId12"/>
+    <p:sldId id="268" r:id="rId13"/>
+    <p:sldId id="269" r:id="rId14"/>
+    <p:sldId id="270" r:id="rId15"/>
   </p:sldIdLst>
   <p:sldSz cx="12192000" cy="6858000"/>
   <p:notesSz cx="6858000" cy="9144000"/>
@@ -119,2878 +120,12 @@
       </a:defRPr>
     </a:lvl9pPr>
   </p:defaultTextStyle>
+  <p:extLst>
+    <p:ext uri="{EFAFB233-063F-42B5-8137-9DF3F51BA10A}">
+      <p15:sldGuideLst xmlns:p15="http://schemas.microsoft.com/office/powerpoint/2012/main"/>
+    </p:ext>
+  </p:extLst>
 </p:presentation>
-</file>
-
-<file path=ppt/diagrams/colors1.xml><?xml version="1.0" encoding="utf-8"?>
-<dgm:colorsDef xmlns:dgm="http://schemas.openxmlformats.org/drawingml/2006/diagram" xmlns:a="http://schemas.openxmlformats.org/drawingml/2006/main" uniqueId="urn:microsoft.com/office/officeart/2018/5/colors/Iconchunking_neutralbg_colorful1">
-  <dgm:title val=""/>
-  <dgm:desc val=""/>
-  <dgm:catLst>
-    <dgm:cat type="colorful" pri="10100"/>
-  </dgm:catLst>
-  <dgm:styleLbl name="node0">
-    <dgm:fillClrLst meth="repeat">
-      <a:schemeClr val="accent1"/>
-    </dgm:fillClrLst>
-    <dgm:linClrLst meth="repeat">
-      <a:schemeClr val="lt1"/>
-    </dgm:linClrLst>
-    <dgm:effectClrLst/>
-    <dgm:txLinClrLst/>
-    <dgm:txFillClrLst/>
-    <dgm:txEffectClrLst/>
-  </dgm:styleLbl>
-  <dgm:styleLbl name="node1">
-    <dgm:fillClrLst meth="repeat">
-      <a:schemeClr val="accent2"/>
-      <a:schemeClr val="accent3"/>
-      <a:schemeClr val="accent4"/>
-      <a:schemeClr val="accent5"/>
-      <a:schemeClr val="accent6"/>
-    </dgm:fillClrLst>
-    <dgm:linClrLst meth="repeat">
-      <a:schemeClr val="lt1">
-        <a:alpha val="0"/>
-      </a:schemeClr>
-    </dgm:linClrLst>
-    <dgm:effectClrLst/>
-    <dgm:txLinClrLst/>
-    <dgm:txFillClrLst/>
-    <dgm:txEffectClrLst/>
-  </dgm:styleLbl>
-  <dgm:styleLbl name="alignNode1">
-    <dgm:fillClrLst meth="repeat">
-      <a:schemeClr val="accent2"/>
-      <a:schemeClr val="accent3"/>
-      <a:schemeClr val="accent4"/>
-      <a:schemeClr val="accent5"/>
-      <a:schemeClr val="accent6"/>
-    </dgm:fillClrLst>
-    <dgm:linClrLst meth="repeat">
-      <a:schemeClr val="accent2"/>
-      <a:schemeClr val="accent3"/>
-      <a:schemeClr val="accent4"/>
-      <a:schemeClr val="accent5"/>
-      <a:schemeClr val="accent6"/>
-    </dgm:linClrLst>
-    <dgm:effectClrLst/>
-    <dgm:txLinClrLst/>
-    <dgm:txFillClrLst/>
-    <dgm:txEffectClrLst/>
-  </dgm:styleLbl>
-  <dgm:styleLbl name="lnNode1">
-    <dgm:fillClrLst meth="repeat">
-      <a:schemeClr val="accent2"/>
-      <a:schemeClr val="accent3"/>
-      <a:schemeClr val="accent4"/>
-      <a:schemeClr val="accent5"/>
-      <a:schemeClr val="accent6"/>
-    </dgm:fillClrLst>
-    <dgm:linClrLst meth="repeat">
-      <a:schemeClr val="lt1"/>
-    </dgm:linClrLst>
-    <dgm:effectClrLst/>
-    <dgm:txLinClrLst/>
-    <dgm:txFillClrLst/>
-    <dgm:txEffectClrLst/>
-  </dgm:styleLbl>
-  <dgm:styleLbl name="vennNode1">
-    <dgm:fillClrLst meth="repeat">
-      <a:schemeClr val="accent2">
-        <a:alpha val="50000"/>
-      </a:schemeClr>
-      <a:schemeClr val="accent3">
-        <a:alpha val="50000"/>
-      </a:schemeClr>
-      <a:schemeClr val="accent4">
-        <a:alpha val="50000"/>
-      </a:schemeClr>
-      <a:schemeClr val="accent5">
-        <a:alpha val="50000"/>
-      </a:schemeClr>
-      <a:schemeClr val="accent6">
-        <a:alpha val="50000"/>
-      </a:schemeClr>
-    </dgm:fillClrLst>
-    <dgm:linClrLst meth="repeat">
-      <a:schemeClr val="lt1"/>
-    </dgm:linClrLst>
-    <dgm:effectClrLst/>
-    <dgm:txLinClrLst/>
-    <dgm:txFillClrLst/>
-    <dgm:txEffectClrLst/>
-  </dgm:styleLbl>
-  <dgm:styleLbl name="node2">
-    <dgm:fillClrLst>
-      <a:schemeClr val="accent2"/>
-    </dgm:fillClrLst>
-    <dgm:linClrLst meth="repeat">
-      <a:schemeClr val="lt1"/>
-    </dgm:linClrLst>
-    <dgm:effectClrLst/>
-    <dgm:txLinClrLst/>
-    <dgm:txFillClrLst/>
-    <dgm:txEffectClrLst/>
-  </dgm:styleLbl>
-  <dgm:styleLbl name="node3">
-    <dgm:fillClrLst>
-      <a:schemeClr val="accent3"/>
-    </dgm:fillClrLst>
-    <dgm:linClrLst meth="repeat">
-      <a:schemeClr val="lt1"/>
-    </dgm:linClrLst>
-    <dgm:effectClrLst/>
-    <dgm:txLinClrLst/>
-    <dgm:txFillClrLst/>
-    <dgm:txEffectClrLst/>
-  </dgm:styleLbl>
-  <dgm:styleLbl name="node4">
-    <dgm:fillClrLst>
-      <a:schemeClr val="accent4"/>
-    </dgm:fillClrLst>
-    <dgm:linClrLst meth="repeat">
-      <a:schemeClr val="lt1"/>
-    </dgm:linClrLst>
-    <dgm:effectClrLst/>
-    <dgm:txLinClrLst/>
-    <dgm:txFillClrLst/>
-    <dgm:txEffectClrLst/>
-  </dgm:styleLbl>
-  <dgm:styleLbl name="fgImgPlace1">
-    <dgm:fillClrLst meth="repeat">
-      <a:schemeClr val="accent2">
-        <a:tint val="50000"/>
-      </a:schemeClr>
-      <a:schemeClr val="accent3">
-        <a:tint val="50000"/>
-      </a:schemeClr>
-      <a:schemeClr val="accent4">
-        <a:tint val="50000"/>
-      </a:schemeClr>
-      <a:schemeClr val="accent5">
-        <a:tint val="50000"/>
-      </a:schemeClr>
-      <a:schemeClr val="accent6">
-        <a:tint val="50000"/>
-      </a:schemeClr>
-    </dgm:fillClrLst>
-    <dgm:linClrLst meth="repeat">
-      <a:schemeClr val="lt1"/>
-    </dgm:linClrLst>
-    <dgm:effectClrLst/>
-    <dgm:txLinClrLst/>
-    <dgm:txFillClrLst meth="repeat">
-      <a:schemeClr val="lt1"/>
-    </dgm:txFillClrLst>
-    <dgm:txEffectClrLst/>
-  </dgm:styleLbl>
-  <dgm:styleLbl name="alignImgPlace1">
-    <dgm:fillClrLst>
-      <a:schemeClr val="accent1">
-        <a:tint val="50000"/>
-      </a:schemeClr>
-      <a:schemeClr val="accent2">
-        <a:tint val="20000"/>
-      </a:schemeClr>
-    </dgm:fillClrLst>
-    <dgm:linClrLst meth="repeat">
-      <a:schemeClr val="lt1"/>
-    </dgm:linClrLst>
-    <dgm:effectClrLst/>
-    <dgm:txLinClrLst/>
-    <dgm:txFillClrLst meth="repeat">
-      <a:schemeClr val="lt1"/>
-    </dgm:txFillClrLst>
-    <dgm:txEffectClrLst/>
-  </dgm:styleLbl>
-  <dgm:styleLbl name="bgImgPlace1">
-    <dgm:fillClrLst>
-      <a:schemeClr val="accent1">
-        <a:tint val="50000"/>
-      </a:schemeClr>
-      <a:schemeClr val="accent2">
-        <a:tint val="20000"/>
-      </a:schemeClr>
-    </dgm:fillClrLst>
-    <dgm:linClrLst meth="repeat">
-      <a:schemeClr val="lt1"/>
-    </dgm:linClrLst>
-    <dgm:effectClrLst/>
-    <dgm:txLinClrLst/>
-    <dgm:txFillClrLst meth="repeat">
-      <a:schemeClr val="lt1"/>
-    </dgm:txFillClrLst>
-    <dgm:txEffectClrLst/>
-  </dgm:styleLbl>
-  <dgm:styleLbl name="sibTrans2D1">
-    <dgm:fillClrLst meth="repeat">
-      <a:schemeClr val="accent2"/>
-      <a:schemeClr val="accent3"/>
-      <a:schemeClr val="accent4"/>
-      <a:schemeClr val="accent5"/>
-      <a:schemeClr val="accent6"/>
-    </dgm:fillClrLst>
-    <dgm:linClrLst meth="cycle">
-      <a:schemeClr val="lt1"/>
-    </dgm:linClrLst>
-    <dgm:effectClrLst/>
-    <dgm:txLinClrLst/>
-    <dgm:txFillClrLst/>
-    <dgm:txEffectClrLst/>
-  </dgm:styleLbl>
-  <dgm:styleLbl name="fgSibTrans2D1">
-    <dgm:fillClrLst meth="repeat">
-      <a:schemeClr val="accent2"/>
-      <a:schemeClr val="accent3"/>
-      <a:schemeClr val="accent4"/>
-      <a:schemeClr val="accent5"/>
-      <a:schemeClr val="accent6"/>
-    </dgm:fillClrLst>
-    <dgm:linClrLst meth="cycle">
-      <a:schemeClr val="lt1"/>
-    </dgm:linClrLst>
-    <dgm:effectClrLst/>
-    <dgm:txLinClrLst/>
-    <dgm:txFillClrLst meth="repeat">
-      <a:schemeClr val="lt1"/>
-    </dgm:txFillClrLst>
-    <dgm:txEffectClrLst/>
-  </dgm:styleLbl>
-  <dgm:styleLbl name="bgSibTrans2D1">
-    <dgm:fillClrLst meth="repeat">
-      <a:schemeClr val="accent2"/>
-      <a:schemeClr val="accent3"/>
-      <a:schemeClr val="accent4"/>
-      <a:schemeClr val="accent5"/>
-      <a:schemeClr val="accent6"/>
-    </dgm:fillClrLst>
-    <dgm:linClrLst meth="cycle">
-      <a:schemeClr val="lt1"/>
-    </dgm:linClrLst>
-    <dgm:effectClrLst/>
-    <dgm:txLinClrLst/>
-    <dgm:txFillClrLst meth="repeat">
-      <a:schemeClr val="lt1"/>
-    </dgm:txFillClrLst>
-    <dgm:txEffectClrLst/>
-  </dgm:styleLbl>
-  <dgm:styleLbl name="sibTrans1D1">
-    <dgm:fillClrLst meth="repeat">
-      <a:schemeClr val="accent2"/>
-      <a:schemeClr val="accent3"/>
-      <a:schemeClr val="accent4"/>
-      <a:schemeClr val="accent5"/>
-      <a:schemeClr val="accent6"/>
-    </dgm:fillClrLst>
-    <dgm:linClrLst meth="repeat">
-      <a:schemeClr val="accent2"/>
-      <a:schemeClr val="accent3"/>
-      <a:schemeClr val="accent4"/>
-      <a:schemeClr val="accent5"/>
-      <a:schemeClr val="accent6"/>
-    </dgm:linClrLst>
-    <dgm:effectClrLst/>
-    <dgm:txLinClrLst/>
-    <dgm:txFillClrLst meth="repeat">
-      <a:schemeClr val="tx1"/>
-    </dgm:txFillClrLst>
-    <dgm:txEffectClrLst/>
-  </dgm:styleLbl>
-  <dgm:styleLbl name="callout">
-    <dgm:fillClrLst meth="repeat">
-      <a:schemeClr val="accent2"/>
-    </dgm:fillClrLst>
-    <dgm:linClrLst meth="repeat">
-      <a:schemeClr val="accent2">
-        <a:tint val="50000"/>
-      </a:schemeClr>
-    </dgm:linClrLst>
-    <dgm:effectClrLst/>
-    <dgm:txLinClrLst/>
-    <dgm:txFillClrLst meth="repeat">
-      <a:schemeClr val="tx1"/>
-    </dgm:txFillClrLst>
-    <dgm:txEffectClrLst/>
-  </dgm:styleLbl>
-  <dgm:styleLbl name="asst0">
-    <dgm:fillClrLst meth="repeat">
-      <a:schemeClr val="accent1"/>
-    </dgm:fillClrLst>
-    <dgm:linClrLst meth="repeat">
-      <a:schemeClr val="lt1"/>
-    </dgm:linClrLst>
-    <dgm:effectClrLst/>
-    <dgm:txLinClrLst/>
-    <dgm:txFillClrLst/>
-    <dgm:txEffectClrLst/>
-  </dgm:styleLbl>
-  <dgm:styleLbl name="asst1">
-    <dgm:fillClrLst meth="repeat">
-      <a:schemeClr val="accent2"/>
-    </dgm:fillClrLst>
-    <dgm:linClrLst meth="repeat">
-      <a:schemeClr val="lt1"/>
-    </dgm:linClrLst>
-    <dgm:effectClrLst/>
-    <dgm:txLinClrLst/>
-    <dgm:txFillClrLst/>
-    <dgm:txEffectClrLst/>
-  </dgm:styleLbl>
-  <dgm:styleLbl name="asst2">
-    <dgm:fillClrLst>
-      <a:schemeClr val="accent3"/>
-    </dgm:fillClrLst>
-    <dgm:linClrLst meth="repeat">
-      <a:schemeClr val="lt1"/>
-    </dgm:linClrLst>
-    <dgm:effectClrLst/>
-    <dgm:txLinClrLst/>
-    <dgm:txFillClrLst/>
-    <dgm:txEffectClrLst/>
-  </dgm:styleLbl>
-  <dgm:styleLbl name="asst3">
-    <dgm:fillClrLst>
-      <a:schemeClr val="accent4"/>
-    </dgm:fillClrLst>
-    <dgm:linClrLst meth="repeat">
-      <a:schemeClr val="lt1"/>
-    </dgm:linClrLst>
-    <dgm:effectClrLst/>
-    <dgm:txLinClrLst/>
-    <dgm:txFillClrLst/>
-    <dgm:txEffectClrLst/>
-  </dgm:styleLbl>
-  <dgm:styleLbl name="asst4">
-    <dgm:fillClrLst>
-      <a:schemeClr val="accent5"/>
-    </dgm:fillClrLst>
-    <dgm:linClrLst meth="repeat">
-      <a:schemeClr val="lt1"/>
-    </dgm:linClrLst>
-    <dgm:effectClrLst/>
-    <dgm:txLinClrLst/>
-    <dgm:txFillClrLst/>
-    <dgm:txEffectClrLst/>
-  </dgm:styleLbl>
-  <dgm:styleLbl name="parChTrans2D1">
-    <dgm:fillClrLst meth="repeat">
-      <a:schemeClr val="accent2"/>
-    </dgm:fillClrLst>
-    <dgm:linClrLst meth="repeat">
-      <a:schemeClr val="lt1"/>
-    </dgm:linClrLst>
-    <dgm:effectClrLst/>
-    <dgm:txLinClrLst/>
-    <dgm:txFillClrLst meth="repeat">
-      <a:schemeClr val="lt1"/>
-    </dgm:txFillClrLst>
-    <dgm:txEffectClrLst/>
-  </dgm:styleLbl>
-  <dgm:styleLbl name="parChTrans2D2">
-    <dgm:fillClrLst meth="repeat">
-      <a:schemeClr val="accent3"/>
-    </dgm:fillClrLst>
-    <dgm:linClrLst meth="repeat">
-      <a:schemeClr val="lt1"/>
-    </dgm:linClrLst>
-    <dgm:effectClrLst/>
-    <dgm:txLinClrLst/>
-    <dgm:txFillClrLst/>
-    <dgm:txEffectClrLst/>
-  </dgm:styleLbl>
-  <dgm:styleLbl name="parChTrans2D3">
-    <dgm:fillClrLst meth="repeat">
-      <a:schemeClr val="accent4"/>
-    </dgm:fillClrLst>
-    <dgm:linClrLst meth="repeat">
-      <a:schemeClr val="lt1"/>
-    </dgm:linClrLst>
-    <dgm:effectClrLst/>
-    <dgm:txLinClrLst/>
-    <dgm:txFillClrLst/>
-    <dgm:txEffectClrLst/>
-  </dgm:styleLbl>
-  <dgm:styleLbl name="parChTrans2D4">
-    <dgm:fillClrLst meth="repeat">
-      <a:schemeClr val="accent5"/>
-    </dgm:fillClrLst>
-    <dgm:linClrLst meth="repeat">
-      <a:schemeClr val="lt1"/>
-    </dgm:linClrLst>
-    <dgm:effectClrLst/>
-    <dgm:txLinClrLst/>
-    <dgm:txFillClrLst meth="repeat">
-      <a:schemeClr val="lt1"/>
-    </dgm:txFillClrLst>
-    <dgm:txEffectClrLst/>
-  </dgm:styleLbl>
-  <dgm:styleLbl name="parChTrans1D1">
-    <dgm:fillClrLst meth="repeat">
-      <a:schemeClr val="accent2"/>
-    </dgm:fillClrLst>
-    <dgm:linClrLst meth="repeat">
-      <a:schemeClr val="accent1"/>
-    </dgm:linClrLst>
-    <dgm:effectClrLst/>
-    <dgm:txLinClrLst/>
-    <dgm:txFillClrLst meth="repeat">
-      <a:schemeClr val="tx1"/>
-    </dgm:txFillClrLst>
-    <dgm:txEffectClrLst/>
-  </dgm:styleLbl>
-  <dgm:styleLbl name="parChTrans1D2">
-    <dgm:fillClrLst meth="repeat">
-      <a:schemeClr val="accent3">
-        <a:tint val="90000"/>
-      </a:schemeClr>
-    </dgm:fillClrLst>
-    <dgm:linClrLst meth="repeat">
-      <a:schemeClr val="accent2"/>
-    </dgm:linClrLst>
-    <dgm:effectClrLst/>
-    <dgm:txLinClrLst/>
-    <dgm:txFillClrLst meth="repeat">
-      <a:schemeClr val="tx1"/>
-    </dgm:txFillClrLst>
-    <dgm:txEffectClrLst/>
-  </dgm:styleLbl>
-  <dgm:styleLbl name="parChTrans1D3">
-    <dgm:fillClrLst meth="repeat">
-      <a:schemeClr val="accent4">
-        <a:tint val="70000"/>
-      </a:schemeClr>
-    </dgm:fillClrLst>
-    <dgm:linClrLst meth="repeat">
-      <a:schemeClr val="accent3"/>
-    </dgm:linClrLst>
-    <dgm:effectClrLst/>
-    <dgm:txLinClrLst/>
-    <dgm:txFillClrLst meth="repeat">
-      <a:schemeClr val="tx1"/>
-    </dgm:txFillClrLst>
-    <dgm:txEffectClrLst/>
-  </dgm:styleLbl>
-  <dgm:styleLbl name="parChTrans1D4">
-    <dgm:fillClrLst meth="repeat">
-      <a:schemeClr val="accent5">
-        <a:tint val="50000"/>
-      </a:schemeClr>
-    </dgm:fillClrLst>
-    <dgm:linClrLst meth="repeat">
-      <a:schemeClr val="accent4"/>
-    </dgm:linClrLst>
-    <dgm:effectClrLst/>
-    <dgm:txLinClrLst/>
-    <dgm:txFillClrLst meth="repeat">
-      <a:schemeClr val="tx1"/>
-    </dgm:txFillClrLst>
-    <dgm:txEffectClrLst/>
-  </dgm:styleLbl>
-  <dgm:styleLbl name="fgAcc1">
-    <dgm:fillClrLst meth="repeat">
-      <a:schemeClr val="lt1">
-        <a:alpha val="90000"/>
-      </a:schemeClr>
-    </dgm:fillClrLst>
-    <dgm:linClrLst meth="repeat">
-      <a:schemeClr val="accent2"/>
-      <a:schemeClr val="accent3"/>
-      <a:schemeClr val="accent4"/>
-      <a:schemeClr val="accent5"/>
-      <a:schemeClr val="accent6"/>
-    </dgm:linClrLst>
-    <dgm:effectClrLst/>
-    <dgm:txLinClrLst/>
-    <dgm:txFillClrLst meth="repeat">
-      <a:schemeClr val="dk1"/>
-    </dgm:txFillClrLst>
-    <dgm:txEffectClrLst/>
-  </dgm:styleLbl>
-  <dgm:styleLbl name="conFgAcc1">
-    <dgm:fillClrLst meth="repeat">
-      <a:schemeClr val="lt1">
-        <a:alpha val="90000"/>
-      </a:schemeClr>
-    </dgm:fillClrLst>
-    <dgm:linClrLst meth="repeat">
-      <a:schemeClr val="accent2"/>
-      <a:schemeClr val="accent3"/>
-      <a:schemeClr val="accent4"/>
-      <a:schemeClr val="accent5"/>
-      <a:schemeClr val="accent6"/>
-    </dgm:linClrLst>
-    <dgm:effectClrLst/>
-    <dgm:txLinClrLst/>
-    <dgm:txFillClrLst meth="repeat">
-      <a:schemeClr val="dk1"/>
-    </dgm:txFillClrLst>
-    <dgm:txEffectClrLst/>
-  </dgm:styleLbl>
-  <dgm:styleLbl name="alignAcc1">
-    <dgm:fillClrLst meth="repeat">
-      <a:schemeClr val="lt1">
-        <a:alpha val="90000"/>
-      </a:schemeClr>
-    </dgm:fillClrLst>
-    <dgm:linClrLst meth="repeat">
-      <a:schemeClr val="accent2"/>
-      <a:schemeClr val="accent3"/>
-      <a:schemeClr val="accent4"/>
-      <a:schemeClr val="accent5"/>
-      <a:schemeClr val="accent6"/>
-    </dgm:linClrLst>
-    <dgm:effectClrLst/>
-    <dgm:txLinClrLst/>
-    <dgm:txFillClrLst meth="repeat">
-      <a:schemeClr val="dk1"/>
-    </dgm:txFillClrLst>
-    <dgm:txEffectClrLst/>
-  </dgm:styleLbl>
-  <dgm:styleLbl name="trAlignAcc1">
-    <dgm:fillClrLst meth="repeat">
-      <a:schemeClr val="lt1">
-        <a:alpha val="40000"/>
-      </a:schemeClr>
-    </dgm:fillClrLst>
-    <dgm:linClrLst meth="repeat">
-      <a:schemeClr val="accent1"/>
-    </dgm:linClrLst>
-    <dgm:effectClrLst/>
-    <dgm:txLinClrLst/>
-    <dgm:txFillClrLst meth="repeat">
-      <a:schemeClr val="dk1"/>
-    </dgm:txFillClrLst>
-    <dgm:txEffectClrLst/>
-  </dgm:styleLbl>
-  <dgm:styleLbl name="bgAcc1">
-    <dgm:fillClrLst meth="repeat">
-      <a:schemeClr val="lt1">
-        <a:alpha val="90000"/>
-      </a:schemeClr>
-    </dgm:fillClrLst>
-    <dgm:linClrLst meth="repeat">
-      <a:schemeClr val="accent2"/>
-      <a:schemeClr val="accent3"/>
-      <a:schemeClr val="accent4"/>
-      <a:schemeClr val="accent5"/>
-      <a:schemeClr val="accent6"/>
-    </dgm:linClrLst>
-    <dgm:effectClrLst/>
-    <dgm:txLinClrLst/>
-    <dgm:txFillClrLst meth="repeat">
-      <a:schemeClr val="dk1"/>
-    </dgm:txFillClrLst>
-    <dgm:txEffectClrLst/>
-  </dgm:styleLbl>
-  <dgm:styleLbl name="solidFgAcc1">
-    <dgm:fillClrLst meth="repeat">
-      <a:schemeClr val="lt1"/>
-    </dgm:fillClrLst>
-    <dgm:linClrLst meth="repeat">
-      <a:schemeClr val="accent2"/>
-      <a:schemeClr val="accent3"/>
-      <a:schemeClr val="accent4"/>
-      <a:schemeClr val="accent5"/>
-      <a:schemeClr val="accent6"/>
-    </dgm:linClrLst>
-    <dgm:effectClrLst/>
-    <dgm:txLinClrLst/>
-    <dgm:txFillClrLst meth="repeat">
-      <a:schemeClr val="dk1"/>
-    </dgm:txFillClrLst>
-    <dgm:txEffectClrLst/>
-  </dgm:styleLbl>
-  <dgm:styleLbl name="solidAlignAcc1">
-    <dgm:fillClrLst meth="repeat">
-      <a:schemeClr val="lt1"/>
-    </dgm:fillClrLst>
-    <dgm:linClrLst meth="repeat">
-      <a:schemeClr val="accent2"/>
-      <a:schemeClr val="accent3"/>
-      <a:schemeClr val="accent4"/>
-      <a:schemeClr val="accent5"/>
-      <a:schemeClr val="accent6"/>
-    </dgm:linClrLst>
-    <dgm:effectClrLst/>
-    <dgm:txLinClrLst/>
-    <dgm:txFillClrLst meth="repeat">
-      <a:schemeClr val="dk1"/>
-    </dgm:txFillClrLst>
-    <dgm:txEffectClrLst/>
-  </dgm:styleLbl>
-  <dgm:styleLbl name="solidBgAcc1">
-    <dgm:fillClrLst meth="repeat">
-      <a:schemeClr val="lt1"/>
-    </dgm:fillClrLst>
-    <dgm:linClrLst meth="repeat">
-      <a:schemeClr val="accent2"/>
-      <a:schemeClr val="accent3"/>
-      <a:schemeClr val="accent4"/>
-      <a:schemeClr val="accent5"/>
-      <a:schemeClr val="accent6"/>
-    </dgm:linClrLst>
-    <dgm:effectClrLst/>
-    <dgm:txLinClrLst/>
-    <dgm:txFillClrLst meth="repeat">
-      <a:schemeClr val="dk1"/>
-    </dgm:txFillClrLst>
-    <dgm:txEffectClrLst/>
-  </dgm:styleLbl>
-  <dgm:styleLbl name="fgAccFollowNode1">
-    <dgm:fillClrLst meth="repeat">
-      <a:schemeClr val="accent2">
-        <a:tint val="40000"/>
-        <a:alpha val="90000"/>
-      </a:schemeClr>
-      <a:schemeClr val="accent3">
-        <a:tint val="40000"/>
-        <a:alpha val="90000"/>
-      </a:schemeClr>
-      <a:schemeClr val="accent4">
-        <a:tint val="40000"/>
-        <a:alpha val="90000"/>
-      </a:schemeClr>
-      <a:schemeClr val="accent5">
-        <a:tint val="40000"/>
-        <a:alpha val="90000"/>
-      </a:schemeClr>
-      <a:schemeClr val="accent6">
-        <a:tint val="40000"/>
-        <a:alpha val="90000"/>
-      </a:schemeClr>
-    </dgm:fillClrLst>
-    <dgm:linClrLst meth="repeat">
-      <a:schemeClr val="accent2">
-        <a:tint val="40000"/>
-        <a:alpha val="90000"/>
-      </a:schemeClr>
-      <a:schemeClr val="accent3">
-        <a:tint val="40000"/>
-        <a:alpha val="90000"/>
-      </a:schemeClr>
-      <a:schemeClr val="accent4">
-        <a:tint val="40000"/>
-        <a:alpha val="90000"/>
-      </a:schemeClr>
-      <a:schemeClr val="accent5">
-        <a:tint val="40000"/>
-        <a:alpha val="90000"/>
-      </a:schemeClr>
-      <a:schemeClr val="accent6">
-        <a:tint val="40000"/>
-        <a:alpha val="90000"/>
-      </a:schemeClr>
-    </dgm:linClrLst>
-    <dgm:effectClrLst/>
-    <dgm:txLinClrLst/>
-    <dgm:txFillClrLst meth="repeat">
-      <a:schemeClr val="dk1"/>
-    </dgm:txFillClrLst>
-    <dgm:txEffectClrLst/>
-  </dgm:styleLbl>
-  <dgm:styleLbl name="alignAccFollowNode1">
-    <dgm:fillClrLst meth="repeat">
-      <a:schemeClr val="accent2">
-        <a:tint val="40000"/>
-        <a:alpha val="90000"/>
-      </a:schemeClr>
-      <a:schemeClr val="accent3">
-        <a:tint val="40000"/>
-        <a:alpha val="90000"/>
-      </a:schemeClr>
-      <a:schemeClr val="accent4">
-        <a:tint val="40000"/>
-        <a:alpha val="90000"/>
-      </a:schemeClr>
-      <a:schemeClr val="accent5">
-        <a:tint val="40000"/>
-        <a:alpha val="90000"/>
-      </a:schemeClr>
-      <a:schemeClr val="accent6">
-        <a:tint val="40000"/>
-        <a:alpha val="90000"/>
-      </a:schemeClr>
-    </dgm:fillClrLst>
-    <dgm:linClrLst meth="repeat">
-      <a:schemeClr val="accent2">
-        <a:tint val="40000"/>
-        <a:alpha val="90000"/>
-      </a:schemeClr>
-      <a:schemeClr val="accent3">
-        <a:tint val="40000"/>
-        <a:alpha val="90000"/>
-      </a:schemeClr>
-      <a:schemeClr val="accent4">
-        <a:tint val="40000"/>
-        <a:alpha val="90000"/>
-      </a:schemeClr>
-      <a:schemeClr val="accent5">
-        <a:tint val="40000"/>
-        <a:alpha val="90000"/>
-      </a:schemeClr>
-      <a:schemeClr val="accent6">
-        <a:tint val="40000"/>
-        <a:alpha val="90000"/>
-      </a:schemeClr>
-    </dgm:linClrLst>
-    <dgm:effectClrLst/>
-    <dgm:txLinClrLst/>
-    <dgm:txFillClrLst meth="repeat">
-      <a:schemeClr val="dk1"/>
-    </dgm:txFillClrLst>
-    <dgm:txEffectClrLst/>
-  </dgm:styleLbl>
-  <dgm:styleLbl name="bgAccFollowNode1">
-    <dgm:fillClrLst meth="repeat">
-      <a:schemeClr val="accent2">
-        <a:tint val="40000"/>
-        <a:alpha val="90000"/>
-      </a:schemeClr>
-      <a:schemeClr val="accent3">
-        <a:tint val="40000"/>
-        <a:alpha val="90000"/>
-      </a:schemeClr>
-      <a:schemeClr val="accent4">
-        <a:tint val="40000"/>
-        <a:alpha val="90000"/>
-      </a:schemeClr>
-      <a:schemeClr val="accent5">
-        <a:tint val="40000"/>
-        <a:alpha val="90000"/>
-      </a:schemeClr>
-      <a:schemeClr val="accent6">
-        <a:tint val="40000"/>
-        <a:alpha val="90000"/>
-      </a:schemeClr>
-    </dgm:fillClrLst>
-    <dgm:linClrLst meth="repeat">
-      <a:schemeClr val="accent2">
-        <a:tint val="40000"/>
-        <a:alpha val="90000"/>
-      </a:schemeClr>
-      <a:schemeClr val="accent3">
-        <a:tint val="40000"/>
-        <a:alpha val="90000"/>
-      </a:schemeClr>
-      <a:schemeClr val="accent4">
-        <a:tint val="40000"/>
-        <a:alpha val="90000"/>
-      </a:schemeClr>
-      <a:schemeClr val="accent5">
-        <a:tint val="40000"/>
-        <a:alpha val="90000"/>
-      </a:schemeClr>
-      <a:schemeClr val="accent6">
-        <a:tint val="40000"/>
-        <a:alpha val="90000"/>
-      </a:schemeClr>
-    </dgm:linClrLst>
-    <dgm:effectClrLst/>
-    <dgm:txLinClrLst/>
-    <dgm:txFillClrLst meth="repeat">
-      <a:schemeClr val="dk1"/>
-    </dgm:txFillClrLst>
-    <dgm:txEffectClrLst/>
-  </dgm:styleLbl>
-  <dgm:styleLbl name="fgAcc0">
-    <dgm:fillClrLst meth="repeat">
-      <a:schemeClr val="lt1">
-        <a:alpha val="90000"/>
-      </a:schemeClr>
-    </dgm:fillClrLst>
-    <dgm:linClrLst>
-      <a:schemeClr val="accent1"/>
-    </dgm:linClrLst>
-    <dgm:effectClrLst/>
-    <dgm:txLinClrLst/>
-    <dgm:txFillClrLst meth="repeat">
-      <a:schemeClr val="dk1"/>
-    </dgm:txFillClrLst>
-    <dgm:txEffectClrLst/>
-  </dgm:styleLbl>
-  <dgm:styleLbl name="fgAcc2">
-    <dgm:fillClrLst meth="repeat">
-      <a:schemeClr val="lt1">
-        <a:alpha val="90000"/>
-      </a:schemeClr>
-    </dgm:fillClrLst>
-    <dgm:linClrLst>
-      <a:schemeClr val="accent2"/>
-    </dgm:linClrLst>
-    <dgm:effectClrLst/>
-    <dgm:txLinClrLst/>
-    <dgm:txFillClrLst meth="repeat">
-      <a:schemeClr val="dk1"/>
-    </dgm:txFillClrLst>
-    <dgm:txEffectClrLst/>
-  </dgm:styleLbl>
-  <dgm:styleLbl name="fgAcc3">
-    <dgm:fillClrLst meth="repeat">
-      <a:schemeClr val="lt1">
-        <a:alpha val="90000"/>
-      </a:schemeClr>
-    </dgm:fillClrLst>
-    <dgm:linClrLst>
-      <a:schemeClr val="accent3"/>
-    </dgm:linClrLst>
-    <dgm:effectClrLst/>
-    <dgm:txLinClrLst/>
-    <dgm:txFillClrLst meth="repeat">
-      <a:schemeClr val="dk1"/>
-    </dgm:txFillClrLst>
-    <dgm:txEffectClrLst/>
-  </dgm:styleLbl>
-  <dgm:styleLbl name="fgAcc4">
-    <dgm:fillClrLst meth="repeat">
-      <a:schemeClr val="lt1">
-        <a:alpha val="90000"/>
-      </a:schemeClr>
-    </dgm:fillClrLst>
-    <dgm:linClrLst>
-      <a:schemeClr val="accent4"/>
-    </dgm:linClrLst>
-    <dgm:effectClrLst/>
-    <dgm:txLinClrLst/>
-    <dgm:txFillClrLst meth="repeat">
-      <a:schemeClr val="dk1"/>
-    </dgm:txFillClrLst>
-    <dgm:txEffectClrLst/>
-  </dgm:styleLbl>
-  <dgm:styleLbl name="bgShp">
-    <dgm:fillClrLst meth="repeat">
-      <a:schemeClr val="bg1">
-        <a:lumMod val="95000"/>
-      </a:schemeClr>
-    </dgm:fillClrLst>
-    <dgm:linClrLst meth="repeat">
-      <a:schemeClr val="dk1"/>
-    </dgm:linClrLst>
-    <dgm:effectClrLst/>
-    <dgm:txLinClrLst/>
-    <dgm:txFillClrLst meth="repeat">
-      <a:schemeClr val="dk1"/>
-    </dgm:txFillClrLst>
-    <dgm:txEffectClrLst/>
-  </dgm:styleLbl>
-  <dgm:styleLbl name="dkBgShp">
-    <dgm:fillClrLst meth="repeat">
-      <a:schemeClr val="accent2">
-        <a:shade val="90000"/>
-      </a:schemeClr>
-    </dgm:fillClrLst>
-    <dgm:linClrLst meth="repeat">
-      <a:schemeClr val="dk1"/>
-    </dgm:linClrLst>
-    <dgm:effectClrLst/>
-    <dgm:txLinClrLst/>
-    <dgm:txFillClrLst meth="repeat">
-      <a:schemeClr val="lt1"/>
-    </dgm:txFillClrLst>
-    <dgm:txEffectClrLst/>
-  </dgm:styleLbl>
-  <dgm:styleLbl name="trBgShp">
-    <dgm:fillClrLst meth="repeat">
-      <a:schemeClr val="accent1">
-        <a:tint val="50000"/>
-        <a:alpha val="40000"/>
-      </a:schemeClr>
-    </dgm:fillClrLst>
-    <dgm:linClrLst meth="repeat">
-      <a:schemeClr val="accent2"/>
-    </dgm:linClrLst>
-    <dgm:effectClrLst/>
-    <dgm:txLinClrLst/>
-    <dgm:txFillClrLst meth="repeat">
-      <a:schemeClr val="lt1"/>
-    </dgm:txFillClrLst>
-    <dgm:txEffectClrLst/>
-  </dgm:styleLbl>
-  <dgm:styleLbl name="fgShp">
-    <dgm:fillClrLst meth="repeat">
-      <a:schemeClr val="accent2">
-        <a:tint val="40000"/>
-      </a:schemeClr>
-    </dgm:fillClrLst>
-    <dgm:linClrLst meth="repeat">
-      <a:schemeClr val="lt1"/>
-    </dgm:linClrLst>
-    <dgm:effectClrLst/>
-    <dgm:txLinClrLst/>
-    <dgm:txFillClrLst meth="repeat">
-      <a:schemeClr val="dk1"/>
-    </dgm:txFillClrLst>
-    <dgm:txEffectClrLst/>
-  </dgm:styleLbl>
-  <dgm:styleLbl name="revTx">
-    <dgm:fillClrLst meth="repeat">
-      <a:schemeClr val="lt1">
-        <a:alpha val="0"/>
-      </a:schemeClr>
-    </dgm:fillClrLst>
-    <dgm:linClrLst meth="repeat">
-      <a:schemeClr val="dk1">
-        <a:alpha val="0"/>
-      </a:schemeClr>
-    </dgm:linClrLst>
-    <dgm:effectClrLst/>
-    <dgm:txLinClrLst/>
-    <dgm:txFillClrLst meth="repeat">
-      <a:schemeClr val="tx1"/>
-    </dgm:txFillClrLst>
-    <dgm:txEffectClrLst/>
-  </dgm:styleLbl>
-</dgm:colorsDef>
-</file>
-
-<file path=ppt/diagrams/data1.xml><?xml version="1.0" encoding="utf-8"?>
-<dgm:dataModel xmlns:dgm="http://schemas.openxmlformats.org/drawingml/2006/diagram" xmlns:a="http://schemas.openxmlformats.org/drawingml/2006/main">
-  <dgm:ptLst>
-    <dgm:pt modelId="{2C1C3DDD-FD5D-491E-97B2-A63031E23958}" type="doc">
-      <dgm:prSet loTypeId="urn:microsoft.com/office/officeart/2018/5/layout/CenteredIconLabelDescriptionList" loCatId="icon" qsTypeId="urn:microsoft.com/office/officeart/2005/8/quickstyle/simple1" qsCatId="simple" csTypeId="urn:microsoft.com/office/officeart/2018/5/colors/Iconchunking_neutralbg_colorful1" csCatId="colorful" phldr="1"/>
-      <dgm:spPr/>
-      <dgm:t>
-        <a:bodyPr/>
-        <a:lstStyle/>
-        <a:p>
-          <a:endParaRPr lang="en-US"/>
-        </a:p>
-      </dgm:t>
-    </dgm:pt>
-    <dgm:pt modelId="{8E479BF8-BBDF-4FE1-A859-9B6BD458F46C}">
-      <dgm:prSet/>
-      <dgm:spPr/>
-      <dgm:t>
-        <a:bodyPr/>
-        <a:lstStyle/>
-        <a:p>
-          <a:pPr>
-            <a:lnSpc>
-              <a:spcPct val="100000"/>
-            </a:lnSpc>
-            <a:defRPr b="1"/>
-          </a:pPr>
-          <a:r>
-            <a:rPr lang="en-US" dirty="0"/>
-            <a:t>Created categories of apartments for rent  based on the number of bedroom and bathroom for each unit.</a:t>
-          </a:r>
-        </a:p>
-      </dgm:t>
-    </dgm:pt>
-    <dgm:pt modelId="{EFC976D7-7383-47AD-89F2-8993BA57970C}" type="parTrans" cxnId="{45F7A749-59CB-425F-A32C-853720CB0BDE}">
-      <dgm:prSet/>
-      <dgm:spPr/>
-      <dgm:t>
-        <a:bodyPr/>
-        <a:lstStyle/>
-        <a:p>
-          <a:endParaRPr lang="en-US"/>
-        </a:p>
-      </dgm:t>
-    </dgm:pt>
-    <dgm:pt modelId="{1EA20F23-88B7-4491-A1CE-90AE3AD925F1}" type="sibTrans" cxnId="{45F7A749-59CB-425F-A32C-853720CB0BDE}">
-      <dgm:prSet/>
-      <dgm:spPr/>
-      <dgm:t>
-        <a:bodyPr/>
-        <a:lstStyle/>
-        <a:p>
-          <a:endParaRPr lang="en-US"/>
-        </a:p>
-      </dgm:t>
-    </dgm:pt>
-    <dgm:pt modelId="{EA0A2D2A-CDD6-4764-8C6E-B409314545CE}">
-      <dgm:prSet/>
-      <dgm:spPr/>
-      <dgm:t>
-        <a:bodyPr/>
-        <a:lstStyle/>
-        <a:p>
-          <a:pPr>
-            <a:lnSpc>
-              <a:spcPct val="100000"/>
-            </a:lnSpc>
-          </a:pPr>
-          <a:r>
-            <a:rPr lang="en-US" dirty="0"/>
-            <a:t>Broke down the amenities column into 4 distinct categories of amenities based on the number of occurrence (i.e. outdoor, sports, luxury, convenience ) and added 4 new column to the dataset.</a:t>
-          </a:r>
-        </a:p>
-      </dgm:t>
-    </dgm:pt>
-    <dgm:pt modelId="{98CCCA6D-2F1F-4404-A4E8-1E4BC79D6A11}" type="parTrans" cxnId="{F50A46B9-AC34-478B-897F-76DEBA5C87DB}">
-      <dgm:prSet/>
-      <dgm:spPr/>
-      <dgm:t>
-        <a:bodyPr/>
-        <a:lstStyle/>
-        <a:p>
-          <a:endParaRPr lang="en-US"/>
-        </a:p>
-      </dgm:t>
-    </dgm:pt>
-    <dgm:pt modelId="{462F00F9-B17C-4BEA-837D-06D3F77E21D9}" type="sibTrans" cxnId="{F50A46B9-AC34-478B-897F-76DEBA5C87DB}">
-      <dgm:prSet/>
-      <dgm:spPr/>
-      <dgm:t>
-        <a:bodyPr/>
-        <a:lstStyle/>
-        <a:p>
-          <a:endParaRPr lang="en-US"/>
-        </a:p>
-      </dgm:t>
-    </dgm:pt>
-    <dgm:pt modelId="{C7E9C96D-8F79-4C4C-965F-95433B84ABCD}">
-      <dgm:prSet/>
-      <dgm:spPr/>
-      <dgm:t>
-        <a:bodyPr/>
-        <a:lstStyle/>
-        <a:p>
-          <a:pPr>
-            <a:lnSpc>
-              <a:spcPct val="100000"/>
-            </a:lnSpc>
-          </a:pPr>
-          <a:r>
-            <a:rPr lang="en-US" dirty="0"/>
-            <a:t>Normalized the price column (converted weekly listings into monthly rental prices)</a:t>
-          </a:r>
-        </a:p>
-      </dgm:t>
-    </dgm:pt>
-    <dgm:pt modelId="{1811EADB-7B67-4648-8E3B-75804DAD7FDE}" type="parTrans" cxnId="{5B2E4F56-4F67-4649-8D07-EB47813EDCBD}">
-      <dgm:prSet/>
-      <dgm:spPr/>
-      <dgm:t>
-        <a:bodyPr/>
-        <a:lstStyle/>
-        <a:p>
-          <a:endParaRPr lang="en-US"/>
-        </a:p>
-      </dgm:t>
-    </dgm:pt>
-    <dgm:pt modelId="{A5C9BA0B-48D0-4438-B26A-4B53C6085230}" type="sibTrans" cxnId="{5B2E4F56-4F67-4649-8D07-EB47813EDCBD}">
-      <dgm:prSet/>
-      <dgm:spPr/>
-      <dgm:t>
-        <a:bodyPr/>
-        <a:lstStyle/>
-        <a:p>
-          <a:endParaRPr lang="en-US"/>
-        </a:p>
-      </dgm:t>
-    </dgm:pt>
-    <dgm:pt modelId="{5A8EE7B9-388F-43FD-B907-6957AD70643C}">
-      <dgm:prSet/>
-      <dgm:spPr/>
-      <dgm:t>
-        <a:bodyPr/>
-        <a:lstStyle/>
-        <a:p>
-          <a:pPr>
-            <a:lnSpc>
-              <a:spcPct val="100000"/>
-            </a:lnSpc>
-            <a:defRPr b="1"/>
-          </a:pPr>
-          <a:r>
-            <a:rPr lang="en-US" dirty="0"/>
-            <a:t>Created a feature </a:t>
-          </a:r>
-          <a:r>
-            <a:rPr lang="en-US" dirty="0" err="1"/>
-            <a:t>dataframe</a:t>
-          </a:r>
-          <a:endParaRPr lang="en-US" dirty="0"/>
-        </a:p>
-      </dgm:t>
-    </dgm:pt>
-    <dgm:pt modelId="{FB29B744-429C-4615-92A9-B446F3DA3384}" type="parTrans" cxnId="{3A19E5CB-E505-452F-AC6B-6B8E2F8CF50F}">
-      <dgm:prSet/>
-      <dgm:spPr/>
-      <dgm:t>
-        <a:bodyPr/>
-        <a:lstStyle/>
-        <a:p>
-          <a:endParaRPr lang="en-US"/>
-        </a:p>
-      </dgm:t>
-    </dgm:pt>
-    <dgm:pt modelId="{D4A010B2-C8B7-4C55-A4D2-E6DEFF7CEB6A}" type="sibTrans" cxnId="{3A19E5CB-E505-452F-AC6B-6B8E2F8CF50F}">
-      <dgm:prSet/>
-      <dgm:spPr/>
-      <dgm:t>
-        <a:bodyPr/>
-        <a:lstStyle/>
-        <a:p>
-          <a:endParaRPr lang="en-US"/>
-        </a:p>
-      </dgm:t>
-    </dgm:pt>
-    <dgm:pt modelId="{CD75EEBB-5C77-41DA-8BAD-580DA75BBCD9}">
-      <dgm:prSet/>
-      <dgm:spPr/>
-      <dgm:t>
-        <a:bodyPr/>
-        <a:lstStyle/>
-        <a:p>
-          <a:pPr>
-            <a:lnSpc>
-              <a:spcPct val="100000"/>
-            </a:lnSpc>
-          </a:pPr>
-          <a:r>
-            <a:rPr lang="en-US" dirty="0"/>
-            <a:t>Used encoding techniques to transform Boolean data such as “has Photo” or “has fee”</a:t>
-          </a:r>
-        </a:p>
-      </dgm:t>
-    </dgm:pt>
-    <dgm:pt modelId="{B34AE69E-3BBD-44EE-8D0D-1BE1AA60D804}" type="parTrans" cxnId="{420997E9-8F77-43B8-9F30-372C085E5693}">
-      <dgm:prSet/>
-      <dgm:spPr/>
-      <dgm:t>
-        <a:bodyPr/>
-        <a:lstStyle/>
-        <a:p>
-          <a:endParaRPr lang="en-US"/>
-        </a:p>
-      </dgm:t>
-    </dgm:pt>
-    <dgm:pt modelId="{6B8FC2AC-1C4A-450B-B522-9A37593BC620}" type="sibTrans" cxnId="{420997E9-8F77-43B8-9F30-372C085E5693}">
-      <dgm:prSet/>
-      <dgm:spPr/>
-      <dgm:t>
-        <a:bodyPr/>
-        <a:lstStyle/>
-        <a:p>
-          <a:endParaRPr lang="en-US"/>
-        </a:p>
-      </dgm:t>
-    </dgm:pt>
-    <dgm:pt modelId="{21962CC7-935B-45A9-B447-0EDEF4AE5A35}" type="pres">
-      <dgm:prSet presAssocID="{2C1C3DDD-FD5D-491E-97B2-A63031E23958}" presName="root" presStyleCnt="0">
-        <dgm:presLayoutVars>
-          <dgm:dir/>
-          <dgm:resizeHandles val="exact"/>
-        </dgm:presLayoutVars>
-      </dgm:prSet>
-      <dgm:spPr/>
-    </dgm:pt>
-    <dgm:pt modelId="{656A873D-8C26-8E48-8383-5B86960F1787}" type="pres">
-      <dgm:prSet presAssocID="{8E479BF8-BBDF-4FE1-A859-9B6BD458F46C}" presName="compNode" presStyleCnt="0"/>
-      <dgm:spPr/>
-    </dgm:pt>
-    <dgm:pt modelId="{52A8C70B-566F-6A4A-89E4-72A1E17057D0}" type="pres">
-      <dgm:prSet presAssocID="{8E479BF8-BBDF-4FE1-A859-9B6BD458F46C}" presName="iconRect" presStyleLbl="node1" presStyleIdx="0" presStyleCnt="2" custScaleX="71540" custScaleY="72201"/>
-      <dgm:spPr/>
-    </dgm:pt>
-    <dgm:pt modelId="{DF08B2C0-C155-364B-B15A-2AD3D1E1ABE3}" type="pres">
-      <dgm:prSet presAssocID="{8E479BF8-BBDF-4FE1-A859-9B6BD458F46C}" presName="iconSpace" presStyleCnt="0"/>
-      <dgm:spPr/>
-    </dgm:pt>
-    <dgm:pt modelId="{4B7059F2-2C95-E246-995D-5414503528A9}" type="pres">
-      <dgm:prSet presAssocID="{8E479BF8-BBDF-4FE1-A859-9B6BD458F46C}" presName="parTx" presStyleLbl="revTx" presStyleIdx="0" presStyleCnt="4">
-        <dgm:presLayoutVars>
-          <dgm:chMax val="0"/>
-          <dgm:chPref val="0"/>
-        </dgm:presLayoutVars>
-      </dgm:prSet>
-      <dgm:spPr/>
-    </dgm:pt>
-    <dgm:pt modelId="{B4B53D4C-0E96-6A45-8798-215598B10F91}" type="pres">
-      <dgm:prSet presAssocID="{8E479BF8-BBDF-4FE1-A859-9B6BD458F46C}" presName="txSpace" presStyleCnt="0"/>
-      <dgm:spPr/>
-    </dgm:pt>
-    <dgm:pt modelId="{673046D9-FD96-ED47-A719-EA43D48B748E}" type="pres">
-      <dgm:prSet presAssocID="{8E479BF8-BBDF-4FE1-A859-9B6BD458F46C}" presName="desTx" presStyleLbl="revTx" presStyleIdx="1" presStyleCnt="4">
-        <dgm:presLayoutVars/>
-      </dgm:prSet>
-      <dgm:spPr/>
-    </dgm:pt>
-    <dgm:pt modelId="{B5DA54E1-3A9C-3940-BB08-0067583140C0}" type="pres">
-      <dgm:prSet presAssocID="{1EA20F23-88B7-4491-A1CE-90AE3AD925F1}" presName="sibTrans" presStyleCnt="0"/>
-      <dgm:spPr/>
-    </dgm:pt>
-    <dgm:pt modelId="{58D8FF72-31F2-BD4C-902A-5460490C91D8}" type="pres">
-      <dgm:prSet presAssocID="{5A8EE7B9-388F-43FD-B907-6957AD70643C}" presName="compNode" presStyleCnt="0"/>
-      <dgm:spPr/>
-    </dgm:pt>
-    <dgm:pt modelId="{12B8A684-18E9-6448-A26C-AB2AAE0FCB00}" type="pres">
-      <dgm:prSet presAssocID="{5A8EE7B9-388F-43FD-B907-6957AD70643C}" presName="iconRect" presStyleLbl="node1" presStyleIdx="1" presStyleCnt="2" custScaleX="22803" custScaleY="27970"/>
-      <dgm:spPr/>
-    </dgm:pt>
-    <dgm:pt modelId="{54064B96-98EA-1A4B-A7A8-8BD5E5D1DAFA}" type="pres">
-      <dgm:prSet presAssocID="{5A8EE7B9-388F-43FD-B907-6957AD70643C}" presName="iconSpace" presStyleCnt="0"/>
-      <dgm:spPr/>
-    </dgm:pt>
-    <dgm:pt modelId="{6BA43826-D591-554F-ACE5-BCE79F1E8AF1}" type="pres">
-      <dgm:prSet presAssocID="{5A8EE7B9-388F-43FD-B907-6957AD70643C}" presName="parTx" presStyleLbl="revTx" presStyleIdx="2" presStyleCnt="4">
-        <dgm:presLayoutVars>
-          <dgm:chMax val="0"/>
-          <dgm:chPref val="0"/>
-        </dgm:presLayoutVars>
-      </dgm:prSet>
-      <dgm:spPr/>
-    </dgm:pt>
-    <dgm:pt modelId="{965E3B00-72E8-8747-A742-EA0BE36CF9EC}" type="pres">
-      <dgm:prSet presAssocID="{5A8EE7B9-388F-43FD-B907-6957AD70643C}" presName="txSpace" presStyleCnt="0"/>
-      <dgm:spPr/>
-    </dgm:pt>
-    <dgm:pt modelId="{EC56F3E9-AD44-CC42-9A99-B0CFB801747D}" type="pres">
-      <dgm:prSet presAssocID="{5A8EE7B9-388F-43FD-B907-6957AD70643C}" presName="desTx" presStyleLbl="revTx" presStyleIdx="3" presStyleCnt="4">
-        <dgm:presLayoutVars/>
-      </dgm:prSet>
-      <dgm:spPr/>
-    </dgm:pt>
-  </dgm:ptLst>
-  <dgm:cxnLst>
-    <dgm:cxn modelId="{89EAF60A-881D-9848-B7C7-4E68F3670E55}" type="presOf" srcId="{8E479BF8-BBDF-4FE1-A859-9B6BD458F46C}" destId="{4B7059F2-2C95-E246-995D-5414503528A9}" srcOrd="0" destOrd="0" presId="urn:microsoft.com/office/officeart/2018/5/layout/CenteredIconLabelDescriptionList"/>
-    <dgm:cxn modelId="{45F7A749-59CB-425F-A32C-853720CB0BDE}" srcId="{2C1C3DDD-FD5D-491E-97B2-A63031E23958}" destId="{8E479BF8-BBDF-4FE1-A859-9B6BD458F46C}" srcOrd="0" destOrd="0" parTransId="{EFC976D7-7383-47AD-89F2-8993BA57970C}" sibTransId="{1EA20F23-88B7-4491-A1CE-90AE3AD925F1}"/>
-    <dgm:cxn modelId="{5B2E4F56-4F67-4649-8D07-EB47813EDCBD}" srcId="{8E479BF8-BBDF-4FE1-A859-9B6BD458F46C}" destId="{C7E9C96D-8F79-4C4C-965F-95433B84ABCD}" srcOrd="1" destOrd="0" parTransId="{1811EADB-7B67-4648-8E3B-75804DAD7FDE}" sibTransId="{A5C9BA0B-48D0-4438-B26A-4B53C6085230}"/>
-    <dgm:cxn modelId="{F95A065B-8248-D346-9BB1-6E10ED32C284}" type="presOf" srcId="{EA0A2D2A-CDD6-4764-8C6E-B409314545CE}" destId="{673046D9-FD96-ED47-A719-EA43D48B748E}" srcOrd="0" destOrd="0" presId="urn:microsoft.com/office/officeart/2018/5/layout/CenteredIconLabelDescriptionList"/>
-    <dgm:cxn modelId="{E0652B8B-8518-4E1D-8A88-9B9BE088EA66}" type="presOf" srcId="{2C1C3DDD-FD5D-491E-97B2-A63031E23958}" destId="{21962CC7-935B-45A9-B447-0EDEF4AE5A35}" srcOrd="0" destOrd="0" presId="urn:microsoft.com/office/officeart/2018/5/layout/CenteredIconLabelDescriptionList"/>
-    <dgm:cxn modelId="{334D47AE-ABE9-F04F-A307-AE64D15F73D4}" type="presOf" srcId="{C7E9C96D-8F79-4C4C-965F-95433B84ABCD}" destId="{673046D9-FD96-ED47-A719-EA43D48B748E}" srcOrd="0" destOrd="1" presId="urn:microsoft.com/office/officeart/2018/5/layout/CenteredIconLabelDescriptionList"/>
-    <dgm:cxn modelId="{F50A46B9-AC34-478B-897F-76DEBA5C87DB}" srcId="{8E479BF8-BBDF-4FE1-A859-9B6BD458F46C}" destId="{EA0A2D2A-CDD6-4764-8C6E-B409314545CE}" srcOrd="0" destOrd="0" parTransId="{98CCCA6D-2F1F-4404-A4E8-1E4BC79D6A11}" sibTransId="{462F00F9-B17C-4BEA-837D-06D3F77E21D9}"/>
-    <dgm:cxn modelId="{CA4AA0C6-52DC-D04A-87FB-BCF31034A402}" type="presOf" srcId="{5A8EE7B9-388F-43FD-B907-6957AD70643C}" destId="{6BA43826-D591-554F-ACE5-BCE79F1E8AF1}" srcOrd="0" destOrd="0" presId="urn:microsoft.com/office/officeart/2018/5/layout/CenteredIconLabelDescriptionList"/>
-    <dgm:cxn modelId="{3A19E5CB-E505-452F-AC6B-6B8E2F8CF50F}" srcId="{2C1C3DDD-FD5D-491E-97B2-A63031E23958}" destId="{5A8EE7B9-388F-43FD-B907-6957AD70643C}" srcOrd="1" destOrd="0" parTransId="{FB29B744-429C-4615-92A9-B446F3DA3384}" sibTransId="{D4A010B2-C8B7-4C55-A4D2-E6DEFF7CEB6A}"/>
-    <dgm:cxn modelId="{420997E9-8F77-43B8-9F30-372C085E5693}" srcId="{5A8EE7B9-388F-43FD-B907-6957AD70643C}" destId="{CD75EEBB-5C77-41DA-8BAD-580DA75BBCD9}" srcOrd="0" destOrd="0" parTransId="{B34AE69E-3BBD-44EE-8D0D-1BE1AA60D804}" sibTransId="{6B8FC2AC-1C4A-450B-B522-9A37593BC620}"/>
-    <dgm:cxn modelId="{624C4BED-1714-044B-9DFB-E19E98961B35}" type="presOf" srcId="{CD75EEBB-5C77-41DA-8BAD-580DA75BBCD9}" destId="{EC56F3E9-AD44-CC42-9A99-B0CFB801747D}" srcOrd="0" destOrd="0" presId="urn:microsoft.com/office/officeart/2018/5/layout/CenteredIconLabelDescriptionList"/>
-    <dgm:cxn modelId="{F5134561-1C85-F34C-80F6-AA4A08315214}" type="presParOf" srcId="{21962CC7-935B-45A9-B447-0EDEF4AE5A35}" destId="{656A873D-8C26-8E48-8383-5B86960F1787}" srcOrd="0" destOrd="0" presId="urn:microsoft.com/office/officeart/2018/5/layout/CenteredIconLabelDescriptionList"/>
-    <dgm:cxn modelId="{E85282FA-F152-584F-A651-E00250CB4B1F}" type="presParOf" srcId="{656A873D-8C26-8E48-8383-5B86960F1787}" destId="{52A8C70B-566F-6A4A-89E4-72A1E17057D0}" srcOrd="0" destOrd="0" presId="urn:microsoft.com/office/officeart/2018/5/layout/CenteredIconLabelDescriptionList"/>
-    <dgm:cxn modelId="{9B38DB00-C533-9944-8F59-AEAD766346A7}" type="presParOf" srcId="{656A873D-8C26-8E48-8383-5B86960F1787}" destId="{DF08B2C0-C155-364B-B15A-2AD3D1E1ABE3}" srcOrd="1" destOrd="0" presId="urn:microsoft.com/office/officeart/2018/5/layout/CenteredIconLabelDescriptionList"/>
-    <dgm:cxn modelId="{4AB7AF70-313B-E34F-AE36-F597B60F8B57}" type="presParOf" srcId="{656A873D-8C26-8E48-8383-5B86960F1787}" destId="{4B7059F2-2C95-E246-995D-5414503528A9}" srcOrd="2" destOrd="0" presId="urn:microsoft.com/office/officeart/2018/5/layout/CenteredIconLabelDescriptionList"/>
-    <dgm:cxn modelId="{84CC8053-F391-154C-B07C-175FE5CA2422}" type="presParOf" srcId="{656A873D-8C26-8E48-8383-5B86960F1787}" destId="{B4B53D4C-0E96-6A45-8798-215598B10F91}" srcOrd="3" destOrd="0" presId="urn:microsoft.com/office/officeart/2018/5/layout/CenteredIconLabelDescriptionList"/>
-    <dgm:cxn modelId="{95D55049-4885-A447-9357-E0B468989F86}" type="presParOf" srcId="{656A873D-8C26-8E48-8383-5B86960F1787}" destId="{673046D9-FD96-ED47-A719-EA43D48B748E}" srcOrd="4" destOrd="0" presId="urn:microsoft.com/office/officeart/2018/5/layout/CenteredIconLabelDescriptionList"/>
-    <dgm:cxn modelId="{A138B661-FAFF-CF43-9D9F-86ABD1775FD2}" type="presParOf" srcId="{21962CC7-935B-45A9-B447-0EDEF4AE5A35}" destId="{B5DA54E1-3A9C-3940-BB08-0067583140C0}" srcOrd="1" destOrd="0" presId="urn:microsoft.com/office/officeart/2018/5/layout/CenteredIconLabelDescriptionList"/>
-    <dgm:cxn modelId="{A2BFA19B-BEF4-0B41-8740-C75F4C67BCAE}" type="presParOf" srcId="{21962CC7-935B-45A9-B447-0EDEF4AE5A35}" destId="{58D8FF72-31F2-BD4C-902A-5460490C91D8}" srcOrd="2" destOrd="0" presId="urn:microsoft.com/office/officeart/2018/5/layout/CenteredIconLabelDescriptionList"/>
-    <dgm:cxn modelId="{551677A8-6FAC-864B-8B21-2C66BEAE79FB}" type="presParOf" srcId="{58D8FF72-31F2-BD4C-902A-5460490C91D8}" destId="{12B8A684-18E9-6448-A26C-AB2AAE0FCB00}" srcOrd="0" destOrd="0" presId="urn:microsoft.com/office/officeart/2018/5/layout/CenteredIconLabelDescriptionList"/>
-    <dgm:cxn modelId="{F50D2286-F474-EF4B-BCE7-C675B23898B2}" type="presParOf" srcId="{58D8FF72-31F2-BD4C-902A-5460490C91D8}" destId="{54064B96-98EA-1A4B-A7A8-8BD5E5D1DAFA}" srcOrd="1" destOrd="0" presId="urn:microsoft.com/office/officeart/2018/5/layout/CenteredIconLabelDescriptionList"/>
-    <dgm:cxn modelId="{99A80E7A-6318-854D-B0EB-37CE2E31E32A}" type="presParOf" srcId="{58D8FF72-31F2-BD4C-902A-5460490C91D8}" destId="{6BA43826-D591-554F-ACE5-BCE79F1E8AF1}" srcOrd="2" destOrd="0" presId="urn:microsoft.com/office/officeart/2018/5/layout/CenteredIconLabelDescriptionList"/>
-    <dgm:cxn modelId="{87001D25-EC5C-724C-8514-C3D419289C1B}" type="presParOf" srcId="{58D8FF72-31F2-BD4C-902A-5460490C91D8}" destId="{965E3B00-72E8-8747-A742-EA0BE36CF9EC}" srcOrd="3" destOrd="0" presId="urn:microsoft.com/office/officeart/2018/5/layout/CenteredIconLabelDescriptionList"/>
-    <dgm:cxn modelId="{EA5CE250-0911-6E4E-9DDC-94F13C00397E}" type="presParOf" srcId="{58D8FF72-31F2-BD4C-902A-5460490C91D8}" destId="{EC56F3E9-AD44-CC42-9A99-B0CFB801747D}" srcOrd="4" destOrd="0" presId="urn:microsoft.com/office/officeart/2018/5/layout/CenteredIconLabelDescriptionList"/>
-  </dgm:cxnLst>
-  <dgm:bg/>
-  <dgm:whole/>
-  <dgm:extLst>
-    <a:ext uri="http://schemas.microsoft.com/office/drawing/2008/diagram">
-      <dsp:dataModelExt xmlns:dsp="http://schemas.microsoft.com/office/drawing/2008/diagram" relId="rId7" minVer="http://schemas.openxmlformats.org/drawingml/2006/diagram"/>
-    </a:ext>
-  </dgm:extLst>
-</dgm:dataModel>
-</file>
-
-<file path=ppt/diagrams/drawing1.xml><?xml version="1.0" encoding="utf-8"?>
-<dsp:drawing xmlns:dgm="http://schemas.openxmlformats.org/drawingml/2006/diagram" xmlns:dsp="http://schemas.microsoft.com/office/drawing/2008/diagram" xmlns:a="http://schemas.openxmlformats.org/drawingml/2006/main">
-  <dsp:spTree>
-    <dsp:nvGrpSpPr>
-      <dsp:cNvPr id="0" name=""/>
-      <dsp:cNvGrpSpPr/>
-    </dsp:nvGrpSpPr>
-    <dsp:grpSpPr/>
-    <dsp:sp modelId="{52A8C70B-566F-6A4A-89E4-72A1E17057D0}">
-      <dsp:nvSpPr>
-        <dsp:cNvPr id="0" name=""/>
-        <dsp:cNvSpPr/>
-      </dsp:nvSpPr>
-      <dsp:spPr>
-        <a:xfrm>
-          <a:off x="1879747" y="1232719"/>
-          <a:ext cx="773837" cy="788203"/>
-        </a:xfrm>
-        <a:prstGeom prst="rect">
-          <a:avLst/>
-        </a:prstGeom>
-        <a:solidFill>
-          <a:schemeClr val="accent2">
-            <a:hueOff val="0"/>
-            <a:satOff val="0"/>
-            <a:lumOff val="0"/>
-            <a:alphaOff val="0"/>
-          </a:schemeClr>
-        </a:solidFill>
-        <a:ln w="15875" cap="flat" cmpd="sng" algn="ctr">
-          <a:solidFill>
-            <a:schemeClr val="lt1">
-              <a:alpha val="0"/>
-              <a:hueOff val="0"/>
-              <a:satOff val="0"/>
-              <a:lumOff val="0"/>
-              <a:alphaOff val="0"/>
-            </a:schemeClr>
-          </a:solidFill>
-          <a:prstDash val="solid"/>
-        </a:ln>
-        <a:effectLst/>
-      </dsp:spPr>
-      <dsp:style>
-        <a:lnRef idx="2">
-          <a:scrgbClr r="0" g="0" b="0"/>
-        </a:lnRef>
-        <a:fillRef idx="1">
-          <a:scrgbClr r="0" g="0" b="0"/>
-        </a:fillRef>
-        <a:effectRef idx="0">
-          <a:scrgbClr r="0" g="0" b="0"/>
-        </a:effectRef>
-        <a:fontRef idx="minor">
-          <a:schemeClr val="lt1"/>
-        </a:fontRef>
-      </dsp:style>
-    </dsp:sp>
-    <dsp:sp modelId="{4B7059F2-2C95-E246-995D-5414503528A9}">
-      <dsp:nvSpPr>
-        <dsp:cNvPr id="0" name=""/>
-        <dsp:cNvSpPr/>
-      </dsp:nvSpPr>
-      <dsp:spPr>
-        <a:xfrm>
-          <a:off x="108775" y="2271861"/>
-          <a:ext cx="4315781" cy="647367"/>
-        </a:xfrm>
-        <a:prstGeom prst="rect">
-          <a:avLst/>
-        </a:prstGeom>
-        <a:noFill/>
-        <a:ln>
-          <a:noFill/>
-        </a:ln>
-        <a:effectLst/>
-      </dsp:spPr>
-      <dsp:style>
-        <a:lnRef idx="0">
-          <a:scrgbClr r="0" g="0" b="0"/>
-        </a:lnRef>
-        <a:fillRef idx="0">
-          <a:scrgbClr r="0" g="0" b="0"/>
-        </a:fillRef>
-        <a:effectRef idx="0">
-          <a:scrgbClr r="0" g="0" b="0"/>
-        </a:effectRef>
-        <a:fontRef idx="minor"/>
-      </dsp:style>
-      <dsp:txBody>
-        <a:bodyPr spcFirstLastPara="0" vert="horz" wrap="square" lIns="0" tIns="0" rIns="0" bIns="0" numCol="1" spcCol="1270" anchor="t" anchorCtr="0">
-          <a:noAutofit/>
-        </a:bodyPr>
-        <a:lstStyle/>
-        <a:p>
-          <a:pPr marL="0" lvl="0" indent="0" algn="ctr" defTabSz="622300">
-            <a:lnSpc>
-              <a:spcPct val="100000"/>
-            </a:lnSpc>
-            <a:spcBef>
-              <a:spcPct val="0"/>
-            </a:spcBef>
-            <a:spcAft>
-              <a:spcPct val="35000"/>
-            </a:spcAft>
-            <a:buNone/>
-            <a:defRPr b="1"/>
-          </a:pPr>
-          <a:r>
-            <a:rPr lang="en-US" sz="1400" kern="1200" dirty="0"/>
-            <a:t>Created categories of apartments for rent  based on the number of bedroom and bathroom for each unit.</a:t>
-          </a:r>
-        </a:p>
-      </dsp:txBody>
-      <dsp:txXfrm>
-        <a:off x="108775" y="2271861"/>
-        <a:ext cx="4315781" cy="647367"/>
-      </dsp:txXfrm>
-    </dsp:sp>
-    <dsp:sp modelId="{673046D9-FD96-ED47-A719-EA43D48B748E}">
-      <dsp:nvSpPr>
-        <dsp:cNvPr id="0" name=""/>
-        <dsp:cNvSpPr/>
-      </dsp:nvSpPr>
-      <dsp:spPr>
-        <a:xfrm>
-          <a:off x="108775" y="2965367"/>
-          <a:ext cx="4315781" cy="1639"/>
-        </a:xfrm>
-        <a:prstGeom prst="rect">
-          <a:avLst/>
-        </a:prstGeom>
-        <a:noFill/>
-        <a:ln>
-          <a:noFill/>
-        </a:ln>
-        <a:effectLst/>
-      </dsp:spPr>
-      <dsp:style>
-        <a:lnRef idx="0">
-          <a:scrgbClr r="0" g="0" b="0"/>
-        </a:lnRef>
-        <a:fillRef idx="0">
-          <a:scrgbClr r="0" g="0" b="0"/>
-        </a:fillRef>
-        <a:effectRef idx="0">
-          <a:scrgbClr r="0" g="0" b="0"/>
-        </a:effectRef>
-        <a:fontRef idx="minor"/>
-      </dsp:style>
-      <dsp:txBody>
-        <a:bodyPr spcFirstLastPara="0" vert="horz" wrap="square" lIns="0" tIns="0" rIns="0" bIns="0" numCol="1" spcCol="1270" anchor="t" anchorCtr="0">
-          <a:noAutofit/>
-        </a:bodyPr>
-        <a:lstStyle/>
-        <a:p>
-          <a:pPr marL="0" lvl="0" indent="0" algn="ctr" defTabSz="488950">
-            <a:lnSpc>
-              <a:spcPct val="100000"/>
-            </a:lnSpc>
-            <a:spcBef>
-              <a:spcPct val="0"/>
-            </a:spcBef>
-            <a:spcAft>
-              <a:spcPct val="35000"/>
-            </a:spcAft>
-            <a:buNone/>
-          </a:pPr>
-          <a:r>
-            <a:rPr lang="en-US" sz="1100" kern="1200" dirty="0"/>
-            <a:t>Broke down the amenities column into 4 distinct categories of amenities based on the number of occurrence (i.e. outdoor, sports, luxury, convenience ) and added 4 new column to the dataset.</a:t>
-          </a:r>
-        </a:p>
-        <a:p>
-          <a:pPr marL="0" lvl="0" indent="0" algn="ctr" defTabSz="488950">
-            <a:lnSpc>
-              <a:spcPct val="100000"/>
-            </a:lnSpc>
-            <a:spcBef>
-              <a:spcPct val="0"/>
-            </a:spcBef>
-            <a:spcAft>
-              <a:spcPct val="35000"/>
-            </a:spcAft>
-            <a:buNone/>
-          </a:pPr>
-          <a:r>
-            <a:rPr lang="en-US" sz="1100" kern="1200" dirty="0"/>
-            <a:t>Normalized the price column (converted weekly listings into monthly rental prices)</a:t>
-          </a:r>
-        </a:p>
-      </dsp:txBody>
-      <dsp:txXfrm>
-        <a:off x="108775" y="2965367"/>
-        <a:ext cx="4315781" cy="1639"/>
-      </dsp:txXfrm>
-    </dsp:sp>
-    <dsp:sp modelId="{12B8A684-18E9-6448-A26C-AB2AAE0FCB00}">
-      <dsp:nvSpPr>
-        <dsp:cNvPr id="0" name=""/>
-        <dsp:cNvSpPr/>
-      </dsp:nvSpPr>
-      <dsp:spPr>
-        <a:xfrm>
-          <a:off x="7298398" y="1567392"/>
-          <a:ext cx="78620" cy="118286"/>
-        </a:xfrm>
-        <a:prstGeom prst="rect">
-          <a:avLst/>
-        </a:prstGeom>
-        <a:solidFill>
-          <a:schemeClr val="accent3">
-            <a:hueOff val="0"/>
-            <a:satOff val="0"/>
-            <a:lumOff val="0"/>
-            <a:alphaOff val="0"/>
-          </a:schemeClr>
-        </a:solidFill>
-        <a:ln w="15875" cap="flat" cmpd="sng" algn="ctr">
-          <a:solidFill>
-            <a:schemeClr val="lt1">
-              <a:alpha val="0"/>
-              <a:hueOff val="0"/>
-              <a:satOff val="0"/>
-              <a:lumOff val="0"/>
-              <a:alphaOff val="0"/>
-            </a:schemeClr>
-          </a:solidFill>
-          <a:prstDash val="solid"/>
-        </a:ln>
-        <a:effectLst/>
-      </dsp:spPr>
-      <dsp:style>
-        <a:lnRef idx="2">
-          <a:scrgbClr r="0" g="0" b="0"/>
-        </a:lnRef>
-        <a:fillRef idx="1">
-          <a:scrgbClr r="0" g="0" b="0"/>
-        </a:fillRef>
-        <a:effectRef idx="0">
-          <a:scrgbClr r="0" g="0" b="0"/>
-        </a:effectRef>
-        <a:fontRef idx="minor">
-          <a:schemeClr val="lt1"/>
-        </a:fontRef>
-      </dsp:style>
-    </dsp:sp>
-    <dsp:sp modelId="{6BA43826-D591-554F-ACE5-BCE79F1E8AF1}">
-      <dsp:nvSpPr>
-        <dsp:cNvPr id="0" name=""/>
-        <dsp:cNvSpPr/>
-      </dsp:nvSpPr>
-      <dsp:spPr>
-        <a:xfrm>
-          <a:off x="5179818" y="1937188"/>
-          <a:ext cx="4315781" cy="647367"/>
-        </a:xfrm>
-        <a:prstGeom prst="rect">
-          <a:avLst/>
-        </a:prstGeom>
-        <a:noFill/>
-        <a:ln>
-          <a:noFill/>
-        </a:ln>
-        <a:effectLst/>
-      </dsp:spPr>
-      <dsp:style>
-        <a:lnRef idx="0">
-          <a:scrgbClr r="0" g="0" b="0"/>
-        </a:lnRef>
-        <a:fillRef idx="0">
-          <a:scrgbClr r="0" g="0" b="0"/>
-        </a:fillRef>
-        <a:effectRef idx="0">
-          <a:scrgbClr r="0" g="0" b="0"/>
-        </a:effectRef>
-        <a:fontRef idx="minor"/>
-      </dsp:style>
-      <dsp:txBody>
-        <a:bodyPr spcFirstLastPara="0" vert="horz" wrap="square" lIns="0" tIns="0" rIns="0" bIns="0" numCol="1" spcCol="1270" anchor="t" anchorCtr="0">
-          <a:noAutofit/>
-        </a:bodyPr>
-        <a:lstStyle/>
-        <a:p>
-          <a:pPr marL="0" lvl="0" indent="0" algn="ctr" defTabSz="622300">
-            <a:lnSpc>
-              <a:spcPct val="100000"/>
-            </a:lnSpc>
-            <a:spcBef>
-              <a:spcPct val="0"/>
-            </a:spcBef>
-            <a:spcAft>
-              <a:spcPct val="35000"/>
-            </a:spcAft>
-            <a:buNone/>
-            <a:defRPr b="1"/>
-          </a:pPr>
-          <a:r>
-            <a:rPr lang="en-US" sz="1400" kern="1200" dirty="0"/>
-            <a:t>Created a feature </a:t>
-          </a:r>
-          <a:r>
-            <a:rPr lang="en-US" sz="1400" kern="1200" dirty="0" err="1"/>
-            <a:t>dataframe</a:t>
-          </a:r>
-          <a:endParaRPr lang="en-US" sz="1400" kern="1200" dirty="0"/>
-        </a:p>
-      </dsp:txBody>
-      <dsp:txXfrm>
-        <a:off x="5179818" y="1937188"/>
-        <a:ext cx="4315781" cy="647367"/>
-      </dsp:txXfrm>
-    </dsp:sp>
-    <dsp:sp modelId="{EC56F3E9-AD44-CC42-9A99-B0CFB801747D}">
-      <dsp:nvSpPr>
-        <dsp:cNvPr id="0" name=""/>
-        <dsp:cNvSpPr/>
-      </dsp:nvSpPr>
-      <dsp:spPr>
-        <a:xfrm>
-          <a:off x="5179818" y="2630695"/>
-          <a:ext cx="4315781" cy="1639"/>
-        </a:xfrm>
-        <a:prstGeom prst="rect">
-          <a:avLst/>
-        </a:prstGeom>
-        <a:noFill/>
-        <a:ln>
-          <a:noFill/>
-        </a:ln>
-        <a:effectLst/>
-      </dsp:spPr>
-      <dsp:style>
-        <a:lnRef idx="0">
-          <a:scrgbClr r="0" g="0" b="0"/>
-        </a:lnRef>
-        <a:fillRef idx="0">
-          <a:scrgbClr r="0" g="0" b="0"/>
-        </a:fillRef>
-        <a:effectRef idx="0">
-          <a:scrgbClr r="0" g="0" b="0"/>
-        </a:effectRef>
-        <a:fontRef idx="minor"/>
-      </dsp:style>
-      <dsp:txBody>
-        <a:bodyPr spcFirstLastPara="0" vert="horz" wrap="square" lIns="0" tIns="0" rIns="0" bIns="0" numCol="1" spcCol="1270" anchor="t" anchorCtr="0">
-          <a:noAutofit/>
-        </a:bodyPr>
-        <a:lstStyle/>
-        <a:p>
-          <a:pPr marL="0" lvl="0" indent="0" algn="ctr" defTabSz="488950">
-            <a:lnSpc>
-              <a:spcPct val="100000"/>
-            </a:lnSpc>
-            <a:spcBef>
-              <a:spcPct val="0"/>
-            </a:spcBef>
-            <a:spcAft>
-              <a:spcPct val="35000"/>
-            </a:spcAft>
-            <a:buNone/>
-          </a:pPr>
-          <a:r>
-            <a:rPr lang="en-US" sz="1100" kern="1200" dirty="0"/>
-            <a:t>Used encoding techniques to transform Boolean data such as “has Photo” or “has fee”</a:t>
-          </a:r>
-        </a:p>
-      </dsp:txBody>
-      <dsp:txXfrm>
-        <a:off x="5179818" y="2630695"/>
-        <a:ext cx="4315781" cy="1639"/>
-      </dsp:txXfrm>
-    </dsp:sp>
-  </dsp:spTree>
-</dsp:drawing>
-</file>
-
-<file path=ppt/diagrams/layout1.xml><?xml version="1.0" encoding="utf-8"?>
-<dgm:layoutDef xmlns:dgm="http://schemas.openxmlformats.org/drawingml/2006/diagram" xmlns:a="http://schemas.openxmlformats.org/drawingml/2006/main" uniqueId="urn:microsoft.com/office/officeart/2018/5/layout/CenteredIconLabelDescriptionList">
-  <dgm:title val="Centered Icon Label Description List"/>
-  <dgm:desc val="Use to show non-sequential or grouped chunks of information. The placeholder holds an icon or small picture, and corresponding text boxes show Level 1 and Level 2 text respectively. Works well for minimal Level 1 text accompanied by lengthier Level two text."/>
-  <dgm:catLst>
-    <dgm:cat type="icon" pri="500"/>
-  </dgm:catLst>
-  <dgm:sampData useDef="1">
-    <dgm:dataModel>
-      <dgm:ptLst/>
-      <dgm:bg/>
-      <dgm:whole/>
-    </dgm:dataModel>
-  </dgm:sampData>
-  <dgm:styleData useDef="1">
-    <dgm:dataModel>
-      <dgm:ptLst/>
-      <dgm:bg/>
-      <dgm:whole/>
-    </dgm:dataModel>
-  </dgm:styleData>
-  <dgm:clrData useDef="1">
-    <dgm:dataModel>
-      <dgm:ptLst/>
-      <dgm:bg/>
-      <dgm:whole/>
-    </dgm:dataModel>
-  </dgm:clrData>
-  <dgm:layoutNode name="root">
-    <dgm:varLst>
-      <dgm:dir/>
-      <dgm:resizeHandles val="exact"/>
-    </dgm:varLst>
-    <dgm:choose name="Name0">
-      <dgm:if name="Name1" axis="self" func="var" arg="dir" op="equ" val="norm">
-        <dgm:alg type="lin"/>
-      </dgm:if>
-      <dgm:else name="Name2">
-        <dgm:alg type="lin">
-          <dgm:param type="linDir" val="fromR"/>
-        </dgm:alg>
-      </dgm:else>
-    </dgm:choose>
-    <dgm:shape xmlns:r="http://schemas.openxmlformats.org/officeDocument/2006/relationships" r:blip="">
-      <dgm:adjLst/>
-    </dgm:shape>
-    <dgm:presOf/>
-    <dgm:constrLst>
-      <dgm:constr type="h" for="ch" forName="compNode" refType="h" fact="0.45"/>
-      <dgm:constr type="w" for="ch" forName="compNode" val="120"/>
-      <dgm:constr type="w" for="ch" forName="sibTrans" refType="w" refFor="ch" refForName="compNode" fact="0.175"/>
-      <dgm:constr type="primFontSz" for="des" forName="parTx" val="36"/>
-      <dgm:constr type="primFontSz" for="des" forName="desTx" refType="primFontSz" refFor="des" refForName="parTx" op="lte" fact="0.75"/>
-      <dgm:constr type="h" for="des" forName="compNode" op="equ"/>
-      <dgm:constr type="h" for="des" forName="iconRect" op="equ"/>
-      <dgm:constr type="w" for="des" forName="iconRect" op="equ"/>
-      <dgm:constr type="h" for="des" forName="iconSpace" op="equ"/>
-      <dgm:constr type="h" for="des" forName="parTx" op="equ"/>
-      <dgm:constr type="h" for="des" forName="txSpace" op="equ"/>
-      <dgm:constr type="h" for="des" forName="desTx" op="equ"/>
-    </dgm:constrLst>
-    <dgm:ruleLst>
-      <dgm:rule type="w" for="ch" forName="compNode" val="0" fact="NaN" max="NaN"/>
-    </dgm:ruleLst>
-    <dgm:forEach name="Name3" axis="ch" ptType="node">
-      <dgm:layoutNode name="compNode">
-        <dgm:alg type="composite"/>
-        <dgm:shape xmlns:r="http://schemas.openxmlformats.org/officeDocument/2006/relationships" r:blip="">
-          <dgm:adjLst/>
-        </dgm:shape>
-        <dgm:presOf axis="self"/>
-        <dgm:constrLst>
-          <dgm:constr type="w" for="ch" forName="iconRect" refType="w" fact="0.35"/>
-          <dgm:constr type="h" for="ch" forName="iconRect" refType="w" refFor="ch" refForName="iconRect"/>
-          <dgm:constr type="ctrX" for="ch" forName="iconRect" refType="w" fact="0.5"/>
-          <dgm:constr type="t" for="ch" forName="iconRect"/>
-          <dgm:constr type="w" for="ch" forName="iconSpace" refType="w"/>
-          <dgm:constr type="h" for="ch" forName="iconSpace" refType="h" fact="0.043"/>
-          <dgm:constr type="l" for="ch" forName="iconSpace"/>
-          <dgm:constr type="t" for="ch" forName="iconSpace" refType="b" refFor="ch" refForName="iconRect"/>
-          <dgm:constr type="w" for="ch" forName="parTx" refType="w"/>
-          <dgm:constr type="h" for="ch" forName="parTx" refType="w" fact="0.15"/>
-          <dgm:constr type="l" for="ch" forName="parTx"/>
-          <dgm:constr type="t" for="ch" forName="parTx" refType="b" refFor="ch" refForName="iconSpace"/>
-          <dgm:constr type="h" for="ch" forName="txSpace" refType="h" fact="0.02"/>
-          <dgm:constr type="w" for="ch" forName="txSpace" refType="w"/>
-          <dgm:constr type="l" for="ch" forName="txSpace"/>
-          <dgm:constr type="t" for="ch" forName="txSpace" refType="b" refFor="ch" refForName="parTx"/>
-          <dgm:constr type="w" for="ch" forName="desTx" refType="w"/>
-          <dgm:constr type="l" for="ch" forName="desTx"/>
-          <dgm:constr type="t" for="ch" forName="desTx" refType="b" refFor="ch" refForName="txSpace"/>
-        </dgm:constrLst>
-        <dgm:ruleLst>
-          <dgm:rule type="h" val="INF" fact="NaN" max="NaN"/>
-        </dgm:ruleLst>
-        <dgm:layoutNode name="iconRect" styleLbl="node1">
-          <dgm:alg type="sp"/>
-          <dgm:shape xmlns:r="http://schemas.openxmlformats.org/officeDocument/2006/relationships" type="rect" r:blip="" blipPhldr="1">
-            <dgm:adjLst/>
-          </dgm:shape>
-          <dgm:presOf/>
-          <dgm:constrLst/>
-          <dgm:ruleLst/>
-        </dgm:layoutNode>
-        <dgm:layoutNode name="iconSpace">
-          <dgm:alg type="sp"/>
-          <dgm:shape xmlns:r="http://schemas.openxmlformats.org/officeDocument/2006/relationships" r:blip="">
-            <dgm:adjLst/>
-          </dgm:shape>
-          <dgm:presOf/>
-          <dgm:constrLst/>
-          <dgm:ruleLst/>
-        </dgm:layoutNode>
-        <dgm:layoutNode name="parTx" styleLbl="revTx">
-          <dgm:varLst>
-            <dgm:chMax val="0"/>
-            <dgm:chPref val="0"/>
-          </dgm:varLst>
-          <dgm:alg type="tx">
-            <dgm:param type="txAnchorVert" val="t"/>
-          </dgm:alg>
-          <dgm:shape xmlns:r="http://schemas.openxmlformats.org/officeDocument/2006/relationships" type="rect" r:blip="">
-            <dgm:adjLst/>
-          </dgm:shape>
-          <dgm:presOf axis="self" ptType="node"/>
-          <dgm:constrLst>
-            <dgm:constr type="lMarg"/>
-            <dgm:constr type="rMarg"/>
-            <dgm:constr type="tMarg"/>
-            <dgm:constr type="bMarg"/>
-          </dgm:constrLst>
-          <dgm:ruleLst>
-            <dgm:rule type="primFontSz" val="14" fact="NaN" max="NaN"/>
-            <dgm:rule type="h" val="INF" fact="NaN" max="NaN"/>
-          </dgm:ruleLst>
-        </dgm:layoutNode>
-        <dgm:layoutNode name="txSpace">
-          <dgm:alg type="sp"/>
-          <dgm:shape xmlns:r="http://schemas.openxmlformats.org/officeDocument/2006/relationships" r:blip="">
-            <dgm:adjLst/>
-          </dgm:shape>
-          <dgm:presOf/>
-          <dgm:constrLst/>
-          <dgm:ruleLst/>
-        </dgm:layoutNode>
-        <dgm:layoutNode name="desTx" styleLbl="revTx">
-          <dgm:varLst/>
-          <dgm:alg type="tx">
-            <dgm:param type="stBulletLvl" val="0"/>
-            <dgm:param type="txAnchorVert" val="t"/>
-          </dgm:alg>
-          <dgm:shape xmlns:r="http://schemas.openxmlformats.org/officeDocument/2006/relationships" type="rect" r:blip="">
-            <dgm:adjLst/>
-          </dgm:shape>
-          <dgm:presOf axis="des" ptType="node"/>
-          <dgm:constrLst>
-            <dgm:constr type="secFontSz" refType="primFontSz"/>
-            <dgm:constr type="lMarg"/>
-            <dgm:constr type="rMarg"/>
-            <dgm:constr type="tMarg"/>
-            <dgm:constr type="bMarg"/>
-          </dgm:constrLst>
-          <dgm:ruleLst>
-            <dgm:rule type="primFontSz" val="NaN" fact="NaN" max="17"/>
-            <dgm:rule type="h" val="INF" fact="NaN" max="NaN"/>
-          </dgm:ruleLst>
-        </dgm:layoutNode>
-      </dgm:layoutNode>
-      <dgm:forEach name="Name4" axis="followSib" ptType="sibTrans" cnt="1">
-        <dgm:layoutNode name="sibTrans">
-          <dgm:alg type="sp"/>
-          <dgm:shape xmlns:r="http://schemas.openxmlformats.org/officeDocument/2006/relationships" r:blip="">
-            <dgm:adjLst/>
-          </dgm:shape>
-          <dgm:presOf axis="self"/>
-          <dgm:constrLst/>
-          <dgm:ruleLst/>
-        </dgm:layoutNode>
-      </dgm:forEach>
-    </dgm:forEach>
-  </dgm:layoutNode>
-  <dgm:extLst>
-    <a:ext uri="{68A01E43-0DF5-4B5B-8FA6-DAF915123BFB}">
-      <dgm1612:lstStyle xmlns:dgm1612="http://schemas.microsoft.com/office/drawing/2016/12/diagram">
-        <a:lvl1pPr>
-          <a:lnSpc>
-            <a:spcPct val="100000"/>
-          </a:lnSpc>
-          <a:defRPr b="1"/>
-        </a:lvl1pPr>
-        <a:lvl2pPr>
-          <a:lnSpc>
-            <a:spcPct val="100000"/>
-          </a:lnSpc>
-        </a:lvl2pPr>
-      </dgm1612:lstStyle>
-    </a:ext>
-  </dgm:extLst>
-</dgm:layoutDef>
-</file>
-
-<file path=ppt/diagrams/quickStyle1.xml><?xml version="1.0" encoding="utf-8"?>
-<dgm:styleDef xmlns:dgm="http://schemas.openxmlformats.org/drawingml/2006/diagram" xmlns:a="http://schemas.openxmlformats.org/drawingml/2006/main" uniqueId="urn:microsoft.com/office/officeart/2005/8/quickstyle/simple1">
-  <dgm:title val=""/>
-  <dgm:desc val=""/>
-  <dgm:catLst>
-    <dgm:cat type="simple" pri="10100"/>
-  </dgm:catLst>
-  <dgm:scene3d>
-    <a:camera prst="orthographicFront"/>
-    <a:lightRig rig="threePt" dir="t"/>
-  </dgm:scene3d>
-  <dgm:styleLbl name="node0">
-    <dgm:scene3d>
-      <a:camera prst="orthographicFront"/>
-      <a:lightRig rig="threePt" dir="t"/>
-    </dgm:scene3d>
-    <dgm:sp3d/>
-    <dgm:txPr/>
-    <dgm:style>
-      <a:lnRef idx="2">
-        <a:scrgbClr r="0" g="0" b="0"/>
-      </a:lnRef>
-      <a:fillRef idx="1">
-        <a:scrgbClr r="0" g="0" b="0"/>
-      </a:fillRef>
-      <a:effectRef idx="0">
-        <a:scrgbClr r="0" g="0" b="0"/>
-      </a:effectRef>
-      <a:fontRef idx="minor">
-        <a:schemeClr val="lt1"/>
-      </a:fontRef>
-    </dgm:style>
-  </dgm:styleLbl>
-  <dgm:styleLbl name="lnNode1">
-    <dgm:scene3d>
-      <a:camera prst="orthographicFront"/>
-      <a:lightRig rig="threePt" dir="t"/>
-    </dgm:scene3d>
-    <dgm:sp3d/>
-    <dgm:txPr/>
-    <dgm:style>
-      <a:lnRef idx="2">
-        <a:scrgbClr r="0" g="0" b="0"/>
-      </a:lnRef>
-      <a:fillRef idx="1">
-        <a:scrgbClr r="0" g="0" b="0"/>
-      </a:fillRef>
-      <a:effectRef idx="0">
-        <a:scrgbClr r="0" g="0" b="0"/>
-      </a:effectRef>
-      <a:fontRef idx="minor">
-        <a:schemeClr val="lt1"/>
-      </a:fontRef>
-    </dgm:style>
-  </dgm:styleLbl>
-  <dgm:styleLbl name="vennNode1">
-    <dgm:scene3d>
-      <a:camera prst="orthographicFront"/>
-      <a:lightRig rig="threePt" dir="t"/>
-    </dgm:scene3d>
-    <dgm:sp3d/>
-    <dgm:txPr/>
-    <dgm:style>
-      <a:lnRef idx="2">
-        <a:scrgbClr r="0" g="0" b="0"/>
-      </a:lnRef>
-      <a:fillRef idx="1">
-        <a:scrgbClr r="0" g="0" b="0"/>
-      </a:fillRef>
-      <a:effectRef idx="0">
-        <a:scrgbClr r="0" g="0" b="0"/>
-      </a:effectRef>
-      <a:fontRef idx="minor">
-        <a:schemeClr val="tx1"/>
-      </a:fontRef>
-    </dgm:style>
-  </dgm:styleLbl>
-  <dgm:styleLbl name="alignNode1">
-    <dgm:scene3d>
-      <a:camera prst="orthographicFront"/>
-      <a:lightRig rig="threePt" dir="t"/>
-    </dgm:scene3d>
-    <dgm:sp3d/>
-    <dgm:txPr/>
-    <dgm:style>
-      <a:lnRef idx="2">
-        <a:scrgbClr r="0" g="0" b="0"/>
-      </a:lnRef>
-      <a:fillRef idx="1">
-        <a:scrgbClr r="0" g="0" b="0"/>
-      </a:fillRef>
-      <a:effectRef idx="0">
-        <a:scrgbClr r="0" g="0" b="0"/>
-      </a:effectRef>
-      <a:fontRef idx="minor">
-        <a:schemeClr val="lt1"/>
-      </a:fontRef>
-    </dgm:style>
-  </dgm:styleLbl>
-  <dgm:styleLbl name="node1">
-    <dgm:scene3d>
-      <a:camera prst="orthographicFront"/>
-      <a:lightRig rig="threePt" dir="t"/>
-    </dgm:scene3d>
-    <dgm:sp3d/>
-    <dgm:txPr/>
-    <dgm:style>
-      <a:lnRef idx="2">
-        <a:scrgbClr r="0" g="0" b="0"/>
-      </a:lnRef>
-      <a:fillRef idx="1">
-        <a:scrgbClr r="0" g="0" b="0"/>
-      </a:fillRef>
-      <a:effectRef idx="0">
-        <a:scrgbClr r="0" g="0" b="0"/>
-      </a:effectRef>
-      <a:fontRef idx="minor">
-        <a:schemeClr val="lt1"/>
-      </a:fontRef>
-    </dgm:style>
-  </dgm:styleLbl>
-  <dgm:styleLbl name="node2">
-    <dgm:scene3d>
-      <a:camera prst="orthographicFront"/>
-      <a:lightRig rig="threePt" dir="t"/>
-    </dgm:scene3d>
-    <dgm:sp3d/>
-    <dgm:txPr/>
-    <dgm:style>
-      <a:lnRef idx="2">
-        <a:scrgbClr r="0" g="0" b="0"/>
-      </a:lnRef>
-      <a:fillRef idx="1">
-        <a:scrgbClr r="0" g="0" b="0"/>
-      </a:fillRef>
-      <a:effectRef idx="0">
-        <a:scrgbClr r="0" g="0" b="0"/>
-      </a:effectRef>
-      <a:fontRef idx="minor">
-        <a:schemeClr val="lt1"/>
-      </a:fontRef>
-    </dgm:style>
-  </dgm:styleLbl>
-  <dgm:styleLbl name="node3">
-    <dgm:scene3d>
-      <a:camera prst="orthographicFront"/>
-      <a:lightRig rig="threePt" dir="t"/>
-    </dgm:scene3d>
-    <dgm:sp3d/>
-    <dgm:txPr/>
-    <dgm:style>
-      <a:lnRef idx="2">
-        <a:scrgbClr r="0" g="0" b="0"/>
-      </a:lnRef>
-      <a:fillRef idx="1">
-        <a:scrgbClr r="0" g="0" b="0"/>
-      </a:fillRef>
-      <a:effectRef idx="0">
-        <a:scrgbClr r="0" g="0" b="0"/>
-      </a:effectRef>
-      <a:fontRef idx="minor">
-        <a:schemeClr val="lt1"/>
-      </a:fontRef>
-    </dgm:style>
-  </dgm:styleLbl>
-  <dgm:styleLbl name="node4">
-    <dgm:scene3d>
-      <a:camera prst="orthographicFront"/>
-      <a:lightRig rig="threePt" dir="t"/>
-    </dgm:scene3d>
-    <dgm:sp3d/>
-    <dgm:txPr/>
-    <dgm:style>
-      <a:lnRef idx="2">
-        <a:scrgbClr r="0" g="0" b="0"/>
-      </a:lnRef>
-      <a:fillRef idx="1">
-        <a:scrgbClr r="0" g="0" b="0"/>
-      </a:fillRef>
-      <a:effectRef idx="0">
-        <a:scrgbClr r="0" g="0" b="0"/>
-      </a:effectRef>
-      <a:fontRef idx="minor">
-        <a:schemeClr val="lt1"/>
-      </a:fontRef>
-    </dgm:style>
-  </dgm:styleLbl>
-  <dgm:styleLbl name="fgImgPlace1">
-    <dgm:scene3d>
-      <a:camera prst="orthographicFront"/>
-      <a:lightRig rig="threePt" dir="t"/>
-    </dgm:scene3d>
-    <dgm:sp3d/>
-    <dgm:txPr/>
-    <dgm:style>
-      <a:lnRef idx="2">
-        <a:scrgbClr r="0" g="0" b="0"/>
-      </a:lnRef>
-      <a:fillRef idx="1">
-        <a:scrgbClr r="0" g="0" b="0"/>
-      </a:fillRef>
-      <a:effectRef idx="0">
-        <a:scrgbClr r="0" g="0" b="0"/>
-      </a:effectRef>
-      <a:fontRef idx="minor"/>
-    </dgm:style>
-  </dgm:styleLbl>
-  <dgm:styleLbl name="alignImgPlace1">
-    <dgm:scene3d>
-      <a:camera prst="orthographicFront"/>
-      <a:lightRig rig="threePt" dir="t"/>
-    </dgm:scene3d>
-    <dgm:sp3d/>
-    <dgm:txPr/>
-    <dgm:style>
-      <a:lnRef idx="2">
-        <a:scrgbClr r="0" g="0" b="0"/>
-      </a:lnRef>
-      <a:fillRef idx="1">
-        <a:scrgbClr r="0" g="0" b="0"/>
-      </a:fillRef>
-      <a:effectRef idx="0">
-        <a:scrgbClr r="0" g="0" b="0"/>
-      </a:effectRef>
-      <a:fontRef idx="minor"/>
-    </dgm:style>
-  </dgm:styleLbl>
-  <dgm:styleLbl name="bgImgPlace1">
-    <dgm:scene3d>
-      <a:camera prst="orthographicFront"/>
-      <a:lightRig rig="threePt" dir="t"/>
-    </dgm:scene3d>
-    <dgm:sp3d/>
-    <dgm:txPr/>
-    <dgm:style>
-      <a:lnRef idx="2">
-        <a:scrgbClr r="0" g="0" b="0"/>
-      </a:lnRef>
-      <a:fillRef idx="1">
-        <a:scrgbClr r="0" g="0" b="0"/>
-      </a:fillRef>
-      <a:effectRef idx="0">
-        <a:scrgbClr r="0" g="0" b="0"/>
-      </a:effectRef>
-      <a:fontRef idx="minor"/>
-    </dgm:style>
-  </dgm:styleLbl>
-  <dgm:styleLbl name="sibTrans2D1">
-    <dgm:scene3d>
-      <a:camera prst="orthographicFront"/>
-      <a:lightRig rig="threePt" dir="t"/>
-    </dgm:scene3d>
-    <dgm:sp3d/>
-    <dgm:txPr/>
-    <dgm:style>
-      <a:lnRef idx="0">
-        <a:scrgbClr r="0" g="0" b="0"/>
-      </a:lnRef>
-      <a:fillRef idx="1">
-        <a:scrgbClr r="0" g="0" b="0"/>
-      </a:fillRef>
-      <a:effectRef idx="0">
-        <a:scrgbClr r="0" g="0" b="0"/>
-      </a:effectRef>
-      <a:fontRef idx="minor">
-        <a:schemeClr val="lt1"/>
-      </a:fontRef>
-    </dgm:style>
-  </dgm:styleLbl>
-  <dgm:styleLbl name="fgSibTrans2D1">
-    <dgm:scene3d>
-      <a:camera prst="orthographicFront"/>
-      <a:lightRig rig="threePt" dir="t"/>
-    </dgm:scene3d>
-    <dgm:sp3d/>
-    <dgm:txPr/>
-    <dgm:style>
-      <a:lnRef idx="0">
-        <a:scrgbClr r="0" g="0" b="0"/>
-      </a:lnRef>
-      <a:fillRef idx="1">
-        <a:scrgbClr r="0" g="0" b="0"/>
-      </a:fillRef>
-      <a:effectRef idx="0">
-        <a:scrgbClr r="0" g="0" b="0"/>
-      </a:effectRef>
-      <a:fontRef idx="minor">
-        <a:schemeClr val="lt1"/>
-      </a:fontRef>
-    </dgm:style>
-  </dgm:styleLbl>
-  <dgm:styleLbl name="bgSibTrans2D1">
-    <dgm:scene3d>
-      <a:camera prst="orthographicFront"/>
-      <a:lightRig rig="threePt" dir="t"/>
-    </dgm:scene3d>
-    <dgm:sp3d/>
-    <dgm:txPr/>
-    <dgm:style>
-      <a:lnRef idx="0">
-        <a:scrgbClr r="0" g="0" b="0"/>
-      </a:lnRef>
-      <a:fillRef idx="1">
-        <a:scrgbClr r="0" g="0" b="0"/>
-      </a:fillRef>
-      <a:effectRef idx="0">
-        <a:scrgbClr r="0" g="0" b="0"/>
-      </a:effectRef>
-      <a:fontRef idx="minor">
-        <a:schemeClr val="lt1"/>
-      </a:fontRef>
-    </dgm:style>
-  </dgm:styleLbl>
-  <dgm:styleLbl name="sibTrans1D1">
-    <dgm:scene3d>
-      <a:camera prst="orthographicFront"/>
-      <a:lightRig rig="threePt" dir="t"/>
-    </dgm:scene3d>
-    <dgm:sp3d/>
-    <dgm:txPr/>
-    <dgm:style>
-      <a:lnRef idx="1">
-        <a:scrgbClr r="0" g="0" b="0"/>
-      </a:lnRef>
-      <a:fillRef idx="0">
-        <a:scrgbClr r="0" g="0" b="0"/>
-      </a:fillRef>
-      <a:effectRef idx="0">
-        <a:scrgbClr r="0" g="0" b="0"/>
-      </a:effectRef>
-      <a:fontRef idx="minor"/>
-    </dgm:style>
-  </dgm:styleLbl>
-  <dgm:styleLbl name="callout">
-    <dgm:scene3d>
-      <a:camera prst="orthographicFront"/>
-      <a:lightRig rig="threePt" dir="t"/>
-    </dgm:scene3d>
-    <dgm:sp3d/>
-    <dgm:txPr/>
-    <dgm:style>
-      <a:lnRef idx="2">
-        <a:scrgbClr r="0" g="0" b="0"/>
-      </a:lnRef>
-      <a:fillRef idx="1">
-        <a:scrgbClr r="0" g="0" b="0"/>
-      </a:fillRef>
-      <a:effectRef idx="0">
-        <a:scrgbClr r="0" g="0" b="0"/>
-      </a:effectRef>
-      <a:fontRef idx="minor"/>
-    </dgm:style>
-  </dgm:styleLbl>
-  <dgm:styleLbl name="asst0">
-    <dgm:scene3d>
-      <a:camera prst="orthographicFront"/>
-      <a:lightRig rig="threePt" dir="t"/>
-    </dgm:scene3d>
-    <dgm:sp3d/>
-    <dgm:txPr/>
-    <dgm:style>
-      <a:lnRef idx="2">
-        <a:scrgbClr r="0" g="0" b="0"/>
-      </a:lnRef>
-      <a:fillRef idx="1">
-        <a:scrgbClr r="0" g="0" b="0"/>
-      </a:fillRef>
-      <a:effectRef idx="0">
-        <a:scrgbClr r="0" g="0" b="0"/>
-      </a:effectRef>
-      <a:fontRef idx="minor">
-        <a:schemeClr val="lt1"/>
-      </a:fontRef>
-    </dgm:style>
-  </dgm:styleLbl>
-  <dgm:styleLbl name="asst1">
-    <dgm:scene3d>
-      <a:camera prst="orthographicFront"/>
-      <a:lightRig rig="threePt" dir="t"/>
-    </dgm:scene3d>
-    <dgm:sp3d/>
-    <dgm:txPr/>
-    <dgm:style>
-      <a:lnRef idx="2">
-        <a:scrgbClr r="0" g="0" b="0"/>
-      </a:lnRef>
-      <a:fillRef idx="1">
-        <a:scrgbClr r="0" g="0" b="0"/>
-      </a:fillRef>
-      <a:effectRef idx="0">
-        <a:scrgbClr r="0" g="0" b="0"/>
-      </a:effectRef>
-      <a:fontRef idx="minor">
-        <a:schemeClr val="lt1"/>
-      </a:fontRef>
-    </dgm:style>
-  </dgm:styleLbl>
-  <dgm:styleLbl name="asst2">
-    <dgm:scene3d>
-      <a:camera prst="orthographicFront"/>
-      <a:lightRig rig="threePt" dir="t"/>
-    </dgm:scene3d>
-    <dgm:sp3d/>
-    <dgm:txPr/>
-    <dgm:style>
-      <a:lnRef idx="2">
-        <a:scrgbClr r="0" g="0" b="0"/>
-      </a:lnRef>
-      <a:fillRef idx="1">
-        <a:scrgbClr r="0" g="0" b="0"/>
-      </a:fillRef>
-      <a:effectRef idx="0">
-        <a:scrgbClr r="0" g="0" b="0"/>
-      </a:effectRef>
-      <a:fontRef idx="minor">
-        <a:schemeClr val="lt1"/>
-      </a:fontRef>
-    </dgm:style>
-  </dgm:styleLbl>
-  <dgm:styleLbl name="asst3">
-    <dgm:scene3d>
-      <a:camera prst="orthographicFront"/>
-      <a:lightRig rig="threePt" dir="t"/>
-    </dgm:scene3d>
-    <dgm:sp3d/>
-    <dgm:txPr/>
-    <dgm:style>
-      <a:lnRef idx="2">
-        <a:scrgbClr r="0" g="0" b="0"/>
-      </a:lnRef>
-      <a:fillRef idx="1">
-        <a:scrgbClr r="0" g="0" b="0"/>
-      </a:fillRef>
-      <a:effectRef idx="0">
-        <a:scrgbClr r="0" g="0" b="0"/>
-      </a:effectRef>
-      <a:fontRef idx="minor">
-        <a:schemeClr val="lt1"/>
-      </a:fontRef>
-    </dgm:style>
-  </dgm:styleLbl>
-  <dgm:styleLbl name="asst4">
-    <dgm:scene3d>
-      <a:camera prst="orthographicFront"/>
-      <a:lightRig rig="threePt" dir="t"/>
-    </dgm:scene3d>
-    <dgm:sp3d/>
-    <dgm:txPr/>
-    <dgm:style>
-      <a:lnRef idx="2">
-        <a:scrgbClr r="0" g="0" b="0"/>
-      </a:lnRef>
-      <a:fillRef idx="1">
-        <a:scrgbClr r="0" g="0" b="0"/>
-      </a:fillRef>
-      <a:effectRef idx="0">
-        <a:scrgbClr r="0" g="0" b="0"/>
-      </a:effectRef>
-      <a:fontRef idx="minor">
-        <a:schemeClr val="lt1"/>
-      </a:fontRef>
-    </dgm:style>
-  </dgm:styleLbl>
-  <dgm:styleLbl name="parChTrans2D1">
-    <dgm:scene3d>
-      <a:camera prst="orthographicFront"/>
-      <a:lightRig rig="threePt" dir="t"/>
-    </dgm:scene3d>
-    <dgm:sp3d/>
-    <dgm:txPr/>
-    <dgm:style>
-      <a:lnRef idx="2">
-        <a:scrgbClr r="0" g="0" b="0"/>
-      </a:lnRef>
-      <a:fillRef idx="1">
-        <a:scrgbClr r="0" g="0" b="0"/>
-      </a:fillRef>
-      <a:effectRef idx="0">
-        <a:scrgbClr r="0" g="0" b="0"/>
-      </a:effectRef>
-      <a:fontRef idx="minor">
-        <a:schemeClr val="lt1"/>
-      </a:fontRef>
-    </dgm:style>
-  </dgm:styleLbl>
-  <dgm:styleLbl name="parChTrans2D2">
-    <dgm:scene3d>
-      <a:camera prst="orthographicFront"/>
-      <a:lightRig rig="threePt" dir="t"/>
-    </dgm:scene3d>
-    <dgm:sp3d/>
-    <dgm:txPr/>
-    <dgm:style>
-      <a:lnRef idx="2">
-        <a:scrgbClr r="0" g="0" b="0"/>
-      </a:lnRef>
-      <a:fillRef idx="1">
-        <a:scrgbClr r="0" g="0" b="0"/>
-      </a:fillRef>
-      <a:effectRef idx="0">
-        <a:scrgbClr r="0" g="0" b="0"/>
-      </a:effectRef>
-      <a:fontRef idx="minor">
-        <a:schemeClr val="lt1"/>
-      </a:fontRef>
-    </dgm:style>
-  </dgm:styleLbl>
-  <dgm:styleLbl name="parChTrans2D3">
-    <dgm:scene3d>
-      <a:camera prst="orthographicFront"/>
-      <a:lightRig rig="threePt" dir="t"/>
-    </dgm:scene3d>
-    <dgm:sp3d/>
-    <dgm:txPr/>
-    <dgm:style>
-      <a:lnRef idx="2">
-        <a:scrgbClr r="0" g="0" b="0"/>
-      </a:lnRef>
-      <a:fillRef idx="1">
-        <a:scrgbClr r="0" g="0" b="0"/>
-      </a:fillRef>
-      <a:effectRef idx="0">
-        <a:scrgbClr r="0" g="0" b="0"/>
-      </a:effectRef>
-      <a:fontRef idx="minor">
-        <a:schemeClr val="lt1"/>
-      </a:fontRef>
-    </dgm:style>
-  </dgm:styleLbl>
-  <dgm:styleLbl name="parChTrans2D4">
-    <dgm:scene3d>
-      <a:camera prst="orthographicFront"/>
-      <a:lightRig rig="threePt" dir="t"/>
-    </dgm:scene3d>
-    <dgm:sp3d/>
-    <dgm:txPr/>
-    <dgm:style>
-      <a:lnRef idx="2">
-        <a:scrgbClr r="0" g="0" b="0"/>
-      </a:lnRef>
-      <a:fillRef idx="1">
-        <a:scrgbClr r="0" g="0" b="0"/>
-      </a:fillRef>
-      <a:effectRef idx="0">
-        <a:scrgbClr r="0" g="0" b="0"/>
-      </a:effectRef>
-      <a:fontRef idx="minor">
-        <a:schemeClr val="lt1"/>
-      </a:fontRef>
-    </dgm:style>
-  </dgm:styleLbl>
-  <dgm:styleLbl name="parChTrans1D1">
-    <dgm:scene3d>
-      <a:camera prst="orthographicFront"/>
-      <a:lightRig rig="threePt" dir="t"/>
-    </dgm:scene3d>
-    <dgm:sp3d/>
-    <dgm:txPr/>
-    <dgm:style>
-      <a:lnRef idx="2">
-        <a:scrgbClr r="0" g="0" b="0"/>
-      </a:lnRef>
-      <a:fillRef idx="0">
-        <a:scrgbClr r="0" g="0" b="0"/>
-      </a:fillRef>
-      <a:effectRef idx="0">
-        <a:scrgbClr r="0" g="0" b="0"/>
-      </a:effectRef>
-      <a:fontRef idx="minor"/>
-    </dgm:style>
-  </dgm:styleLbl>
-  <dgm:styleLbl name="parChTrans1D2">
-    <dgm:scene3d>
-      <a:camera prst="orthographicFront"/>
-      <a:lightRig rig="threePt" dir="t"/>
-    </dgm:scene3d>
-    <dgm:sp3d/>
-    <dgm:txPr/>
-    <dgm:style>
-      <a:lnRef idx="2">
-        <a:scrgbClr r="0" g="0" b="0"/>
-      </a:lnRef>
-      <a:fillRef idx="0">
-        <a:scrgbClr r="0" g="0" b="0"/>
-      </a:fillRef>
-      <a:effectRef idx="0">
-        <a:scrgbClr r="0" g="0" b="0"/>
-      </a:effectRef>
-      <a:fontRef idx="minor"/>
-    </dgm:style>
-  </dgm:styleLbl>
-  <dgm:styleLbl name="parChTrans1D3">
-    <dgm:scene3d>
-      <a:camera prst="orthographicFront"/>
-      <a:lightRig rig="threePt" dir="t"/>
-    </dgm:scene3d>
-    <dgm:sp3d/>
-    <dgm:txPr/>
-    <dgm:style>
-      <a:lnRef idx="2">
-        <a:scrgbClr r="0" g="0" b="0"/>
-      </a:lnRef>
-      <a:fillRef idx="0">
-        <a:scrgbClr r="0" g="0" b="0"/>
-      </a:fillRef>
-      <a:effectRef idx="0">
-        <a:scrgbClr r="0" g="0" b="0"/>
-      </a:effectRef>
-      <a:fontRef idx="minor"/>
-    </dgm:style>
-  </dgm:styleLbl>
-  <dgm:styleLbl name="parChTrans1D4">
-    <dgm:scene3d>
-      <a:camera prst="orthographicFront"/>
-      <a:lightRig rig="threePt" dir="t"/>
-    </dgm:scene3d>
-    <dgm:sp3d/>
-    <dgm:txPr/>
-    <dgm:style>
-      <a:lnRef idx="2">
-        <a:scrgbClr r="0" g="0" b="0"/>
-      </a:lnRef>
-      <a:fillRef idx="0">
-        <a:scrgbClr r="0" g="0" b="0"/>
-      </a:fillRef>
-      <a:effectRef idx="0">
-        <a:scrgbClr r="0" g="0" b="0"/>
-      </a:effectRef>
-      <a:fontRef idx="minor"/>
-    </dgm:style>
-  </dgm:styleLbl>
-  <dgm:styleLbl name="fgAcc1">
-    <dgm:scene3d>
-      <a:camera prst="orthographicFront"/>
-      <a:lightRig rig="threePt" dir="t"/>
-    </dgm:scene3d>
-    <dgm:sp3d/>
-    <dgm:txPr/>
-    <dgm:style>
-      <a:lnRef idx="2">
-        <a:scrgbClr r="0" g="0" b="0"/>
-      </a:lnRef>
-      <a:fillRef idx="1">
-        <a:scrgbClr r="0" g="0" b="0"/>
-      </a:fillRef>
-      <a:effectRef idx="0">
-        <a:scrgbClr r="0" g="0" b="0"/>
-      </a:effectRef>
-      <a:fontRef idx="minor"/>
-    </dgm:style>
-  </dgm:styleLbl>
-  <dgm:styleLbl name="conFgAcc1">
-    <dgm:scene3d>
-      <a:camera prst="orthographicFront"/>
-      <a:lightRig rig="threePt" dir="t"/>
-    </dgm:scene3d>
-    <dgm:sp3d/>
-    <dgm:txPr/>
-    <dgm:style>
-      <a:lnRef idx="2">
-        <a:scrgbClr r="0" g="0" b="0"/>
-      </a:lnRef>
-      <a:fillRef idx="1">
-        <a:scrgbClr r="0" g="0" b="0"/>
-      </a:fillRef>
-      <a:effectRef idx="0">
-        <a:scrgbClr r="0" g="0" b="0"/>
-      </a:effectRef>
-      <a:fontRef idx="minor"/>
-    </dgm:style>
-  </dgm:styleLbl>
-  <dgm:styleLbl name="alignAcc1">
-    <dgm:scene3d>
-      <a:camera prst="orthographicFront"/>
-      <a:lightRig rig="threePt" dir="t"/>
-    </dgm:scene3d>
-    <dgm:sp3d/>
-    <dgm:txPr/>
-    <dgm:style>
-      <a:lnRef idx="2">
-        <a:scrgbClr r="0" g="0" b="0"/>
-      </a:lnRef>
-      <a:fillRef idx="1">
-        <a:scrgbClr r="0" g="0" b="0"/>
-      </a:fillRef>
-      <a:effectRef idx="0">
-        <a:scrgbClr r="0" g="0" b="0"/>
-      </a:effectRef>
-      <a:fontRef idx="minor"/>
-    </dgm:style>
-  </dgm:styleLbl>
-  <dgm:styleLbl name="trAlignAcc1">
-    <dgm:scene3d>
-      <a:camera prst="orthographicFront"/>
-      <a:lightRig rig="threePt" dir="t"/>
-    </dgm:scene3d>
-    <dgm:sp3d/>
-    <dgm:txPr/>
-    <dgm:style>
-      <a:lnRef idx="1">
-        <a:scrgbClr r="0" g="0" b="0"/>
-      </a:lnRef>
-      <a:fillRef idx="1">
-        <a:scrgbClr r="0" g="0" b="0"/>
-      </a:fillRef>
-      <a:effectRef idx="0">
-        <a:scrgbClr r="0" g="0" b="0"/>
-      </a:effectRef>
-      <a:fontRef idx="minor"/>
-    </dgm:style>
-  </dgm:styleLbl>
-  <dgm:styleLbl name="bgAcc1">
-    <dgm:scene3d>
-      <a:camera prst="orthographicFront"/>
-      <a:lightRig rig="threePt" dir="t"/>
-    </dgm:scene3d>
-    <dgm:sp3d/>
-    <dgm:txPr/>
-    <dgm:style>
-      <a:lnRef idx="2">
-        <a:scrgbClr r="0" g="0" b="0"/>
-      </a:lnRef>
-      <a:fillRef idx="1">
-        <a:scrgbClr r="0" g="0" b="0"/>
-      </a:fillRef>
-      <a:effectRef idx="0">
-        <a:scrgbClr r="0" g="0" b="0"/>
-      </a:effectRef>
-      <a:fontRef idx="minor"/>
-    </dgm:style>
-  </dgm:styleLbl>
-  <dgm:styleLbl name="solidFgAcc1">
-    <dgm:scene3d>
-      <a:camera prst="orthographicFront"/>
-      <a:lightRig rig="threePt" dir="t"/>
-    </dgm:scene3d>
-    <dgm:sp3d/>
-    <dgm:txPr/>
-    <dgm:style>
-      <a:lnRef idx="2">
-        <a:scrgbClr r="0" g="0" b="0"/>
-      </a:lnRef>
-      <a:fillRef idx="1">
-        <a:scrgbClr r="0" g="0" b="0"/>
-      </a:fillRef>
-      <a:effectRef idx="0">
-        <a:scrgbClr r="0" g="0" b="0"/>
-      </a:effectRef>
-      <a:fontRef idx="minor"/>
-    </dgm:style>
-  </dgm:styleLbl>
-  <dgm:styleLbl name="solidAlignAcc1">
-    <dgm:scene3d>
-      <a:camera prst="orthographicFront"/>
-      <a:lightRig rig="threePt" dir="t"/>
-    </dgm:scene3d>
-    <dgm:sp3d/>
-    <dgm:txPr/>
-    <dgm:style>
-      <a:lnRef idx="2">
-        <a:scrgbClr r="0" g="0" b="0"/>
-      </a:lnRef>
-      <a:fillRef idx="1">
-        <a:scrgbClr r="0" g="0" b="0"/>
-      </a:fillRef>
-      <a:effectRef idx="0">
-        <a:scrgbClr r="0" g="0" b="0"/>
-      </a:effectRef>
-      <a:fontRef idx="minor"/>
-    </dgm:style>
-  </dgm:styleLbl>
-  <dgm:styleLbl name="solidBgAcc1">
-    <dgm:scene3d>
-      <a:camera prst="orthographicFront"/>
-      <a:lightRig rig="threePt" dir="t"/>
-    </dgm:scene3d>
-    <dgm:sp3d/>
-    <dgm:txPr/>
-    <dgm:style>
-      <a:lnRef idx="2">
-        <a:scrgbClr r="0" g="0" b="0"/>
-      </a:lnRef>
-      <a:fillRef idx="1">
-        <a:scrgbClr r="0" g="0" b="0"/>
-      </a:fillRef>
-      <a:effectRef idx="0">
-        <a:scrgbClr r="0" g="0" b="0"/>
-      </a:effectRef>
-      <a:fontRef idx="minor"/>
-    </dgm:style>
-  </dgm:styleLbl>
-  <dgm:styleLbl name="fgAccFollowNode1">
-    <dgm:scene3d>
-      <a:camera prst="orthographicFront"/>
-      <a:lightRig rig="threePt" dir="t"/>
-    </dgm:scene3d>
-    <dgm:sp3d/>
-    <dgm:txPr/>
-    <dgm:style>
-      <a:lnRef idx="2">
-        <a:scrgbClr r="0" g="0" b="0"/>
-      </a:lnRef>
-      <a:fillRef idx="1">
-        <a:scrgbClr r="0" g="0" b="0"/>
-      </a:fillRef>
-      <a:effectRef idx="0">
-        <a:scrgbClr r="0" g="0" b="0"/>
-      </a:effectRef>
-      <a:fontRef idx="minor"/>
-    </dgm:style>
-  </dgm:styleLbl>
-  <dgm:styleLbl name="alignAccFollowNode1">
-    <dgm:scene3d>
-      <a:camera prst="orthographicFront"/>
-      <a:lightRig rig="threePt" dir="t"/>
-    </dgm:scene3d>
-    <dgm:sp3d/>
-    <dgm:txPr/>
-    <dgm:style>
-      <a:lnRef idx="2">
-        <a:scrgbClr r="0" g="0" b="0"/>
-      </a:lnRef>
-      <a:fillRef idx="1">
-        <a:scrgbClr r="0" g="0" b="0"/>
-      </a:fillRef>
-      <a:effectRef idx="0">
-        <a:scrgbClr r="0" g="0" b="0"/>
-      </a:effectRef>
-      <a:fontRef idx="minor"/>
-    </dgm:style>
-  </dgm:styleLbl>
-  <dgm:styleLbl name="bgAccFollowNode1">
-    <dgm:scene3d>
-      <a:camera prst="orthographicFront"/>
-      <a:lightRig rig="threePt" dir="t"/>
-    </dgm:scene3d>
-    <dgm:sp3d/>
-    <dgm:txPr/>
-    <dgm:style>
-      <a:lnRef idx="2">
-        <a:scrgbClr r="0" g="0" b="0"/>
-      </a:lnRef>
-      <a:fillRef idx="1">
-        <a:scrgbClr r="0" g="0" b="0"/>
-      </a:fillRef>
-      <a:effectRef idx="0">
-        <a:scrgbClr r="0" g="0" b="0"/>
-      </a:effectRef>
-      <a:fontRef idx="minor"/>
-    </dgm:style>
-  </dgm:styleLbl>
-  <dgm:styleLbl name="fgAcc0">
-    <dgm:scene3d>
-      <a:camera prst="orthographicFront"/>
-      <a:lightRig rig="threePt" dir="t"/>
-    </dgm:scene3d>
-    <dgm:sp3d/>
-    <dgm:txPr/>
-    <dgm:style>
-      <a:lnRef idx="2">
-        <a:scrgbClr r="0" g="0" b="0"/>
-      </a:lnRef>
-      <a:fillRef idx="1">
-        <a:scrgbClr r="0" g="0" b="0"/>
-      </a:fillRef>
-      <a:effectRef idx="0">
-        <a:scrgbClr r="0" g="0" b="0"/>
-      </a:effectRef>
-      <a:fontRef idx="minor"/>
-    </dgm:style>
-  </dgm:styleLbl>
-  <dgm:styleLbl name="fgAcc2">
-    <dgm:scene3d>
-      <a:camera prst="orthographicFront"/>
-      <a:lightRig rig="threePt" dir="t"/>
-    </dgm:scene3d>
-    <dgm:sp3d/>
-    <dgm:txPr/>
-    <dgm:style>
-      <a:lnRef idx="2">
-        <a:scrgbClr r="0" g="0" b="0"/>
-      </a:lnRef>
-      <a:fillRef idx="1">
-        <a:scrgbClr r="0" g="0" b="0"/>
-      </a:fillRef>
-      <a:effectRef idx="0">
-        <a:scrgbClr r="0" g="0" b="0"/>
-      </a:effectRef>
-      <a:fontRef idx="minor"/>
-    </dgm:style>
-  </dgm:styleLbl>
-  <dgm:styleLbl name="fgAcc3">
-    <dgm:scene3d>
-      <a:camera prst="orthographicFront"/>
-      <a:lightRig rig="threePt" dir="t"/>
-    </dgm:scene3d>
-    <dgm:sp3d/>
-    <dgm:txPr/>
-    <dgm:style>
-      <a:lnRef idx="2">
-        <a:scrgbClr r="0" g="0" b="0"/>
-      </a:lnRef>
-      <a:fillRef idx="1">
-        <a:scrgbClr r="0" g="0" b="0"/>
-      </a:fillRef>
-      <a:effectRef idx="0">
-        <a:scrgbClr r="0" g="0" b="0"/>
-      </a:effectRef>
-      <a:fontRef idx="minor"/>
-    </dgm:style>
-  </dgm:styleLbl>
-  <dgm:styleLbl name="fgAcc4">
-    <dgm:scene3d>
-      <a:camera prst="orthographicFront"/>
-      <a:lightRig rig="threePt" dir="t"/>
-    </dgm:scene3d>
-    <dgm:sp3d/>
-    <dgm:txPr/>
-    <dgm:style>
-      <a:lnRef idx="2">
-        <a:scrgbClr r="0" g="0" b="0"/>
-      </a:lnRef>
-      <a:fillRef idx="1">
-        <a:scrgbClr r="0" g="0" b="0"/>
-      </a:fillRef>
-      <a:effectRef idx="0">
-        <a:scrgbClr r="0" g="0" b="0"/>
-      </a:effectRef>
-      <a:fontRef idx="minor"/>
-    </dgm:style>
-  </dgm:styleLbl>
-  <dgm:styleLbl name="bgShp">
-    <dgm:scene3d>
-      <a:camera prst="orthographicFront"/>
-      <a:lightRig rig="threePt" dir="t"/>
-    </dgm:scene3d>
-    <dgm:sp3d/>
-    <dgm:txPr/>
-    <dgm:style>
-      <a:lnRef idx="0">
-        <a:scrgbClr r="0" g="0" b="0"/>
-      </a:lnRef>
-      <a:fillRef idx="1">
-        <a:scrgbClr r="0" g="0" b="0"/>
-      </a:fillRef>
-      <a:effectRef idx="0">
-        <a:scrgbClr r="0" g="0" b="0"/>
-      </a:effectRef>
-      <a:fontRef idx="minor"/>
-    </dgm:style>
-  </dgm:styleLbl>
-  <dgm:styleLbl name="dkBgShp">
-    <dgm:scene3d>
-      <a:camera prst="orthographicFront"/>
-      <a:lightRig rig="threePt" dir="t"/>
-    </dgm:scene3d>
-    <dgm:sp3d/>
-    <dgm:txPr/>
-    <dgm:style>
-      <a:lnRef idx="0">
-        <a:scrgbClr r="0" g="0" b="0"/>
-      </a:lnRef>
-      <a:fillRef idx="1">
-        <a:scrgbClr r="0" g="0" b="0"/>
-      </a:fillRef>
-      <a:effectRef idx="0">
-        <a:scrgbClr r="0" g="0" b="0"/>
-      </a:effectRef>
-      <a:fontRef idx="minor"/>
-    </dgm:style>
-  </dgm:styleLbl>
-  <dgm:styleLbl name="trBgShp">
-    <dgm:scene3d>
-      <a:camera prst="orthographicFront"/>
-      <a:lightRig rig="threePt" dir="t"/>
-    </dgm:scene3d>
-    <dgm:sp3d/>
-    <dgm:txPr/>
-    <dgm:style>
-      <a:lnRef idx="0">
-        <a:scrgbClr r="0" g="0" b="0"/>
-      </a:lnRef>
-      <a:fillRef idx="1">
-        <a:scrgbClr r="0" g="0" b="0"/>
-      </a:fillRef>
-      <a:effectRef idx="0">
-        <a:scrgbClr r="0" g="0" b="0"/>
-      </a:effectRef>
-      <a:fontRef idx="minor"/>
-    </dgm:style>
-  </dgm:styleLbl>
-  <dgm:styleLbl name="fgShp">
-    <dgm:scene3d>
-      <a:camera prst="orthographicFront"/>
-      <a:lightRig rig="threePt" dir="t"/>
-    </dgm:scene3d>
-    <dgm:sp3d/>
-    <dgm:txPr/>
-    <dgm:style>
-      <a:lnRef idx="2">
-        <a:scrgbClr r="0" g="0" b="0"/>
-      </a:lnRef>
-      <a:fillRef idx="1">
-        <a:scrgbClr r="0" g="0" b="0"/>
-      </a:fillRef>
-      <a:effectRef idx="0">
-        <a:scrgbClr r="0" g="0" b="0"/>
-      </a:effectRef>
-      <a:fontRef idx="minor"/>
-    </dgm:style>
-  </dgm:styleLbl>
-  <dgm:styleLbl name="revTx">
-    <dgm:scene3d>
-      <a:camera prst="orthographicFront"/>
-      <a:lightRig rig="threePt" dir="t"/>
-    </dgm:scene3d>
-    <dgm:sp3d/>
-    <dgm:txPr/>
-    <dgm:style>
-      <a:lnRef idx="0">
-        <a:scrgbClr r="0" g="0" b="0"/>
-      </a:lnRef>
-      <a:fillRef idx="0">
-        <a:scrgbClr r="0" g="0" b="0"/>
-      </a:fillRef>
-      <a:effectRef idx="0">
-        <a:scrgbClr r="0" g="0" b="0"/>
-      </a:effectRef>
-      <a:fontRef idx="minor"/>
-    </dgm:style>
-  </dgm:styleLbl>
-</dgm:styleDef>
 </file>
 
 <file path=ppt/notesMasters/notesMaster1.xml><?xml version="1.0" encoding="utf-8"?>
@@ -3075,7 +210,7 @@
           <a:p>
             <a:fld id="{D813B696-7300-B942-95CD-6BA9CF4A8F92}" type="datetimeFigureOut">
               <a:rPr lang="en-US" smtClean="0"/>
-              <a:t>11/24/23</a:t>
+              <a:t>11/27/23</a:t>
             </a:fld>
             <a:endParaRPr lang="en-US"/>
           </a:p>
@@ -4124,7 +1259,7 @@
           <a:p>
             <a:fld id="{FE25648A-C2B9-8645-80D9-3CB95398132C}" type="slidenum">
               <a:rPr lang="en-US" smtClean="0"/>
-              <a:t>12</a:t>
+              <a:t>11</a:t>
             </a:fld>
             <a:endParaRPr lang="en-US"/>
           </a:p>
@@ -4925,7 +2060,7 @@
           <a:p>
             <a:fld id="{FE25648A-C2B9-8645-80D9-3CB95398132C}" type="slidenum">
               <a:rPr lang="en-US" smtClean="0"/>
-              <a:t>13</a:t>
+              <a:t>12</a:t>
             </a:fld>
             <a:endParaRPr lang="en-US"/>
           </a:p>
@@ -5083,7 +2218,7 @@
           <a:p>
             <a:fld id="{0CC58D2E-84BF-0A44-9057-4674209F9D8F}" type="datetimeFigureOut">
               <a:rPr lang="en-US" smtClean="0"/>
-              <a:t>11/24/23</a:t>
+              <a:t>11/27/23</a:t>
             </a:fld>
             <a:endParaRPr lang="en-US"/>
           </a:p>
@@ -5294,7 +2429,7 @@
           <a:p>
             <a:fld id="{0CC58D2E-84BF-0A44-9057-4674209F9D8F}" type="datetimeFigureOut">
               <a:rPr lang="en-US" smtClean="0"/>
-              <a:t>11/24/23</a:t>
+              <a:t>11/27/23</a:t>
             </a:fld>
             <a:endParaRPr lang="en-US"/>
           </a:p>
@@ -5509,7 +2644,7 @@
           <a:p>
             <a:fld id="{0CC58D2E-84BF-0A44-9057-4674209F9D8F}" type="datetimeFigureOut">
               <a:rPr lang="en-US" smtClean="0"/>
-              <a:t>11/24/23</a:t>
+              <a:t>11/27/23</a:t>
             </a:fld>
             <a:endParaRPr lang="en-US"/>
           </a:p>
@@ -5710,7 +2845,7 @@
           <a:p>
             <a:fld id="{0CC58D2E-84BF-0A44-9057-4674209F9D8F}" type="datetimeFigureOut">
               <a:rPr lang="en-US" smtClean="0"/>
-              <a:t>11/24/23</a:t>
+              <a:t>11/27/23</a:t>
             </a:fld>
             <a:endParaRPr lang="en-US"/>
           </a:p>
@@ -5989,7 +3124,7 @@
           <a:p>
             <a:fld id="{0CC58D2E-84BF-0A44-9057-4674209F9D8F}" type="datetimeFigureOut">
               <a:rPr lang="en-US" smtClean="0"/>
-              <a:t>11/24/23</a:t>
+              <a:t>11/27/23</a:t>
             </a:fld>
             <a:endParaRPr lang="en-US"/>
           </a:p>
@@ -6257,7 +3392,7 @@
           <a:p>
             <a:fld id="{0CC58D2E-84BF-0A44-9057-4674209F9D8F}" type="datetimeFigureOut">
               <a:rPr lang="en-US" smtClean="0"/>
-              <a:t>11/24/23</a:t>
+              <a:t>11/27/23</a:t>
             </a:fld>
             <a:endParaRPr lang="en-US"/>
           </a:p>
@@ -6673,7 +3808,7 @@
           <a:p>
             <a:fld id="{0CC58D2E-84BF-0A44-9057-4674209F9D8F}" type="datetimeFigureOut">
               <a:rPr lang="en-US" smtClean="0"/>
-              <a:t>11/24/23</a:t>
+              <a:t>11/27/23</a:t>
             </a:fld>
             <a:endParaRPr lang="en-US"/>
           </a:p>
@@ -6822,7 +3957,7 @@
           <a:p>
             <a:fld id="{0CC58D2E-84BF-0A44-9057-4674209F9D8F}" type="datetimeFigureOut">
               <a:rPr lang="en-US" smtClean="0"/>
-              <a:t>11/24/23</a:t>
+              <a:t>11/27/23</a:t>
             </a:fld>
             <a:endParaRPr lang="en-US"/>
           </a:p>
@@ -6948,7 +4083,7 @@
           <a:p>
             <a:fld id="{0CC58D2E-84BF-0A44-9057-4674209F9D8F}" type="datetimeFigureOut">
               <a:rPr lang="en-US" smtClean="0"/>
-              <a:t>11/24/23</a:t>
+              <a:t>11/27/23</a:t>
             </a:fld>
             <a:endParaRPr lang="en-US"/>
           </a:p>
@@ -7199,7 +4334,7 @@
           <a:p>
             <a:fld id="{0CC58D2E-84BF-0A44-9057-4674209F9D8F}" type="datetimeFigureOut">
               <a:rPr lang="en-US" smtClean="0"/>
-              <a:t>11/24/23</a:t>
+              <a:t>11/27/23</a:t>
             </a:fld>
             <a:endParaRPr lang="en-US"/>
           </a:p>
@@ -7644,7 +4779,7 @@
           <a:p>
             <a:fld id="{0CC58D2E-84BF-0A44-9057-4674209F9D8F}" type="datetimeFigureOut">
               <a:rPr lang="en-US" smtClean="0"/>
-              <a:t>11/24/23</a:t>
+              <a:t>11/27/23</a:t>
             </a:fld>
             <a:endParaRPr lang="en-US"/>
           </a:p>
@@ -7971,7 +5106,7 @@
           <a:p>
             <a:fld id="{0CC58D2E-84BF-0A44-9057-4674209F9D8F}" type="datetimeFigureOut">
               <a:rPr lang="en-US" smtClean="0"/>
-              <a:t>11/24/23</a:t>
+              <a:t>11/27/23</a:t>
             </a:fld>
             <a:endParaRPr lang="en-US"/>
           </a:p>
@@ -8535,158 +5670,6 @@
 <file path=ppt/slides/slide10.xml><?xml version="1.0" encoding="utf-8"?>
 <p:sld xmlns:a="http://schemas.openxmlformats.org/drawingml/2006/main" xmlns:r="http://schemas.openxmlformats.org/officeDocument/2006/relationships" xmlns:p="http://schemas.openxmlformats.org/presentationml/2006/main">
   <p:cSld>
-    <p:spTree>
-      <p:nvGrpSpPr>
-        <p:cNvPr id="1" name=""/>
-        <p:cNvGrpSpPr/>
-        <p:nvPr/>
-      </p:nvGrpSpPr>
-      <p:grpSpPr>
-        <a:xfrm>
-          <a:off x="0" y="0"/>
-          <a:ext cx="0" cy="0"/>
-          <a:chOff x="0" y="0"/>
-          <a:chExt cx="0" cy="0"/>
-        </a:xfrm>
-      </p:grpSpPr>
-      <p:sp>
-        <p:nvSpPr>
-          <p:cNvPr id="2" name="Title 1">
-            <a:extLst>
-              <a:ext uri="{FF2B5EF4-FFF2-40B4-BE49-F238E27FC236}">
-                <a16:creationId xmlns:a16="http://schemas.microsoft.com/office/drawing/2014/main" id="{21D7AA9A-B7BD-E032-BB45-9DC322BA06FE}"/>
-              </a:ext>
-            </a:extLst>
-          </p:cNvPr>
-          <p:cNvSpPr>
-            <a:spLocks noGrp="1"/>
-          </p:cNvSpPr>
-          <p:nvPr>
-            <p:ph type="title"/>
-          </p:nvPr>
-        </p:nvSpPr>
-        <p:spPr/>
-        <p:txBody>
-          <a:bodyPr/>
-          <a:lstStyle/>
-          <a:p>
-            <a:r>
-              <a:rPr lang="en-US" dirty="0"/>
-              <a:t>Machine Learning Methods </a:t>
-            </a:r>
-            <a:r>
-              <a:rPr lang="en-US" sz="2000" dirty="0"/>
-              <a:t>cont’d</a:t>
-            </a:r>
-            <a:endParaRPr lang="en-US" dirty="0"/>
-          </a:p>
-        </p:txBody>
-      </p:sp>
-      <p:sp>
-        <p:nvSpPr>
-          <p:cNvPr id="6" name="Content Placeholder 5">
-            <a:extLst>
-              <a:ext uri="{FF2B5EF4-FFF2-40B4-BE49-F238E27FC236}">
-                <a16:creationId xmlns:a16="http://schemas.microsoft.com/office/drawing/2014/main" id="{834062A3-61C7-8A0A-FEA6-CD8ABB5DCE16}"/>
-              </a:ext>
-            </a:extLst>
-          </p:cNvPr>
-          <p:cNvSpPr>
-            <a:spLocks noGrp="1"/>
-          </p:cNvSpPr>
-          <p:nvPr>
-            <p:ph idx="1"/>
-          </p:nvPr>
-        </p:nvSpPr>
-        <p:spPr/>
-        <p:txBody>
-          <a:bodyPr/>
-          <a:lstStyle/>
-          <a:p>
-            <a:pPr>
-              <a:buFont typeface="Wingdings" pitchFamily="2" charset="2"/>
-              <a:buChar char="q"/>
-            </a:pPr>
-            <a:r>
-              <a:rPr lang="en-US" dirty="0" err="1"/>
-              <a:t>Pycaret</a:t>
-            </a:r>
-            <a:r>
-              <a:rPr lang="en-US" dirty="0"/>
-              <a:t> and </a:t>
-            </a:r>
-            <a:r>
-              <a:rPr lang="en-US" dirty="0" err="1"/>
-              <a:t>XgBoost</a:t>
-            </a:r>
-            <a:r>
-              <a:rPr lang="en-US" dirty="0"/>
-              <a:t> to determine feature importance on </a:t>
-            </a:r>
-            <a:r>
-              <a:rPr lang="en-US" dirty="0" err="1"/>
-              <a:t>KMeans</a:t>
-            </a:r>
-            <a:r>
-              <a:rPr lang="en-US" dirty="0"/>
-              <a:t> method</a:t>
-            </a:r>
-          </a:p>
-          <a:p>
-            <a:pPr>
-              <a:buFont typeface="Wingdings" pitchFamily="2" charset="2"/>
-              <a:buChar char="q"/>
-            </a:pPr>
-            <a:endParaRPr lang="en-US" dirty="0"/>
-          </a:p>
-        </p:txBody>
-      </p:sp>
-      <p:pic>
-        <p:nvPicPr>
-          <p:cNvPr id="7" name="Picture 6">
-            <a:extLst>
-              <a:ext uri="{FF2B5EF4-FFF2-40B4-BE49-F238E27FC236}">
-                <a16:creationId xmlns:a16="http://schemas.microsoft.com/office/drawing/2014/main" id="{361ED1AA-8F47-E204-99DF-A48F0F96AED9}"/>
-              </a:ext>
-            </a:extLst>
-          </p:cNvPr>
-          <p:cNvPicPr>
-            <a:picLocks noChangeAspect="1"/>
-          </p:cNvPicPr>
-          <p:nvPr/>
-        </p:nvPicPr>
-        <p:blipFill>
-          <a:blip r:embed="rId2"/>
-          <a:stretch>
-            <a:fillRect/>
-          </a:stretch>
-        </p:blipFill>
-        <p:spPr>
-          <a:xfrm>
-            <a:off x="2367016" y="2346751"/>
-            <a:ext cx="8012660" cy="3706730"/>
-          </a:xfrm>
-          <a:prstGeom prst="rect">
-            <a:avLst/>
-          </a:prstGeom>
-        </p:spPr>
-      </p:pic>
-    </p:spTree>
-    <p:extLst>
-      <p:ext uri="{BB962C8B-B14F-4D97-AF65-F5344CB8AC3E}">
-        <p14:creationId xmlns:p14="http://schemas.microsoft.com/office/powerpoint/2010/main" val="2908751785"/>
-      </p:ext>
-    </p:extLst>
-  </p:cSld>
-  <p:clrMapOvr>
-    <a:masterClrMapping/>
-  </p:clrMapOvr>
-</p:sld>
-</file>
-
-<file path=ppt/slides/slide11.xml><?xml version="1.0" encoding="utf-8"?>
-<p:sld xmlns:a="http://schemas.openxmlformats.org/drawingml/2006/main" xmlns:r="http://schemas.openxmlformats.org/officeDocument/2006/relationships" xmlns:p="http://schemas.openxmlformats.org/presentationml/2006/main">
-  <p:cSld>
     <p:bg>
       <p:bgPr>
         <a:gradFill rotWithShape="1">
@@ -9566,6 +6549,438 @@
 </p:sld>
 </file>
 
+<file path=ppt/slides/slide11.xml><?xml version="1.0" encoding="utf-8"?>
+<p:sld xmlns:a="http://schemas.openxmlformats.org/drawingml/2006/main" xmlns:r="http://schemas.openxmlformats.org/officeDocument/2006/relationships" xmlns:p="http://schemas.openxmlformats.org/presentationml/2006/main">
+  <p:cSld>
+    <p:spTree>
+      <p:nvGrpSpPr>
+        <p:cNvPr id="1" name=""/>
+        <p:cNvGrpSpPr/>
+        <p:nvPr/>
+      </p:nvGrpSpPr>
+      <p:grpSpPr>
+        <a:xfrm>
+          <a:off x="0" y="0"/>
+          <a:ext cx="0" cy="0"/>
+          <a:chOff x="0" y="0"/>
+          <a:chExt cx="0" cy="0"/>
+        </a:xfrm>
+      </p:grpSpPr>
+      <p:sp>
+        <p:nvSpPr>
+          <p:cNvPr id="2" name="Title 1">
+            <a:extLst>
+              <a:ext uri="{FF2B5EF4-FFF2-40B4-BE49-F238E27FC236}">
+                <a16:creationId xmlns:a16="http://schemas.microsoft.com/office/drawing/2014/main" id="{56E7DDB9-1B03-598B-641A-574737C1E621}"/>
+              </a:ext>
+            </a:extLst>
+          </p:cNvPr>
+          <p:cNvSpPr>
+            <a:spLocks noGrp="1"/>
+          </p:cNvSpPr>
+          <p:nvPr>
+            <p:ph type="title"/>
+          </p:nvPr>
+        </p:nvSpPr>
+        <p:spPr/>
+        <p:txBody>
+          <a:bodyPr/>
+          <a:lstStyle/>
+          <a:p>
+            <a:r>
+              <a:rPr lang="en-US" sz="3200" dirty="0"/>
+              <a:t>Results </a:t>
+            </a:r>
+            <a:r>
+              <a:rPr lang="en-US" sz="2000" dirty="0"/>
+              <a:t>cont’d    </a:t>
+            </a:r>
+            <a:r>
+              <a:rPr lang="en-US" sz="3600" dirty="0"/>
+              <a:t>CLUSTER 1 ANALYSIS </a:t>
+            </a:r>
+          </a:p>
+        </p:txBody>
+      </p:sp>
+      <p:sp>
+        <p:nvSpPr>
+          <p:cNvPr id="3" name="Content Placeholder 2">
+            <a:extLst>
+              <a:ext uri="{FF2B5EF4-FFF2-40B4-BE49-F238E27FC236}">
+                <a16:creationId xmlns:a16="http://schemas.microsoft.com/office/drawing/2014/main" id="{083E047B-EF3A-3F17-50EE-4BB171566932}"/>
+              </a:ext>
+            </a:extLst>
+          </p:cNvPr>
+          <p:cNvSpPr>
+            <a:spLocks noGrp="1"/>
+          </p:cNvSpPr>
+          <p:nvPr>
+            <p:ph sz="half" idx="1"/>
+          </p:nvPr>
+        </p:nvSpPr>
+        <p:spPr>
+          <a:xfrm>
+            <a:off x="1447331" y="2010878"/>
+            <a:ext cx="4645152" cy="4042233"/>
+          </a:xfrm>
+        </p:spPr>
+        <p:txBody>
+          <a:bodyPr numCol="1">
+            <a:normAutofit fontScale="62500" lnSpcReduction="20000"/>
+          </a:bodyPr>
+          <a:lstStyle/>
+          <a:p>
+            <a:pPr>
+              <a:lnSpc>
+                <a:spcPct val="100000"/>
+              </a:lnSpc>
+              <a:buFont typeface="Wingdings" pitchFamily="2" charset="2"/>
+              <a:buChar char="q"/>
+            </a:pPr>
+            <a:r>
+              <a:rPr lang="en-US" sz="1800" dirty="0"/>
+              <a:t> larger than cluster 0; which concurs with PCA analysis</a:t>
+            </a:r>
+          </a:p>
+          <a:p>
+            <a:pPr>
+              <a:buFont typeface="Wingdings" pitchFamily="2" charset="2"/>
+              <a:buChar char="q"/>
+            </a:pPr>
+            <a:r>
+              <a:rPr lang="en-US" sz="1800" dirty="0"/>
+              <a:t>Statistics:</a:t>
+            </a:r>
+          </a:p>
+          <a:p>
+            <a:pPr>
+              <a:buFont typeface="Wingdings" pitchFamily="2" charset="2"/>
+              <a:buChar char="Ø"/>
+            </a:pPr>
+            <a:r>
+              <a:rPr lang="en-US" sz="1800" dirty="0"/>
+              <a:t>Rental Price: </a:t>
+            </a:r>
+          </a:p>
+          <a:p>
+            <a:pPr lvl="1">
+              <a:buFont typeface="Courier New" panose="02070309020205020404" pitchFamily="49" charset="0"/>
+              <a:buChar char="o"/>
+            </a:pPr>
+            <a:r>
+              <a:rPr lang="en-US" dirty="0"/>
+              <a:t>Average: $1,555</a:t>
+            </a:r>
+          </a:p>
+          <a:p>
+            <a:pPr lvl="1">
+              <a:buFont typeface="Courier New" panose="02070309020205020404" pitchFamily="49" charset="0"/>
+              <a:buChar char="o"/>
+            </a:pPr>
+            <a:r>
+              <a:rPr lang="en-US" dirty="0"/>
+              <a:t>Median: $ 1,317</a:t>
+            </a:r>
+          </a:p>
+          <a:p>
+            <a:pPr lvl="1">
+              <a:buFont typeface="Courier New" panose="02070309020205020404" pitchFamily="49" charset="0"/>
+              <a:buChar char="o"/>
+            </a:pPr>
+            <a:r>
+              <a:rPr lang="en-US" dirty="0"/>
+              <a:t>Maximum: $52,500</a:t>
+            </a:r>
+          </a:p>
+          <a:p>
+            <a:pPr lvl="1">
+              <a:buFont typeface="Courier New" panose="02070309020205020404" pitchFamily="49" charset="0"/>
+              <a:buChar char="o"/>
+            </a:pPr>
+            <a:r>
+              <a:rPr lang="en-US" dirty="0"/>
+              <a:t>Minimum : $200             </a:t>
+            </a:r>
+          </a:p>
+          <a:p>
+            <a:pPr>
+              <a:buFont typeface="Wingdings" pitchFamily="2" charset="2"/>
+              <a:buChar char="Ø"/>
+            </a:pPr>
+            <a:r>
+              <a:rPr lang="en-US" sz="1800" dirty="0"/>
+              <a:t>Square Footage:</a:t>
+            </a:r>
+          </a:p>
+          <a:p>
+            <a:pPr lvl="1">
+              <a:buFont typeface="Courier New" panose="02070309020205020404" pitchFamily="49" charset="0"/>
+              <a:buChar char="o"/>
+            </a:pPr>
+            <a:r>
+              <a:rPr lang="en-US" dirty="0"/>
+              <a:t>Median: 843sq</a:t>
+            </a:r>
+          </a:p>
+          <a:p>
+            <a:pPr lvl="1">
+              <a:buFont typeface="Courier New" panose="02070309020205020404" pitchFamily="49" charset="0"/>
+              <a:buChar char="o"/>
+            </a:pPr>
+            <a:r>
+              <a:rPr lang="en-US" dirty="0"/>
+              <a:t>Maximum: 11,318 sq</a:t>
+            </a:r>
+          </a:p>
+          <a:p>
+            <a:pPr lvl="1">
+              <a:buFont typeface="Courier New" panose="02070309020205020404" pitchFamily="49" charset="0"/>
+              <a:buChar char="o"/>
+            </a:pPr>
+            <a:r>
+              <a:rPr lang="en-US" dirty="0"/>
+              <a:t>Minimum : 101sq            </a:t>
+            </a:r>
+          </a:p>
+          <a:p>
+            <a:pPr>
+              <a:buFont typeface="Wingdings" pitchFamily="2" charset="2"/>
+              <a:buChar char="Ø"/>
+            </a:pPr>
+            <a:r>
+              <a:rPr lang="en-US" sz="1800" dirty="0"/>
+              <a:t>Luxury Amenities Count :</a:t>
+            </a:r>
+          </a:p>
+          <a:p>
+            <a:pPr lvl="1">
+              <a:buFont typeface="Courier New" panose="02070309020205020404" pitchFamily="49" charset="0"/>
+              <a:buChar char="o"/>
+            </a:pPr>
+            <a:r>
+              <a:rPr lang="en-US" dirty="0"/>
+              <a:t>Median: 0</a:t>
+            </a:r>
+          </a:p>
+          <a:p>
+            <a:pPr lvl="1">
+              <a:buFont typeface="Courier New" panose="02070309020205020404" pitchFamily="49" charset="0"/>
+              <a:buChar char="o"/>
+            </a:pPr>
+            <a:r>
+              <a:rPr lang="en-US" dirty="0"/>
+              <a:t>Maximum:: 4</a:t>
+            </a:r>
+          </a:p>
+          <a:p>
+            <a:pPr lvl="1">
+              <a:buFont typeface="Courier New" panose="02070309020205020404" pitchFamily="49" charset="0"/>
+              <a:buChar char="o"/>
+            </a:pPr>
+            <a:r>
+              <a:rPr lang="en-US" dirty="0"/>
+              <a:t>Minimum : 0           </a:t>
+            </a:r>
+          </a:p>
+          <a:p>
+            <a:pPr>
+              <a:buFont typeface="Wingdings" pitchFamily="2" charset="2"/>
+              <a:buChar char="Ø"/>
+            </a:pPr>
+            <a:endParaRPr lang="en-US" sz="1600" dirty="0"/>
+          </a:p>
+          <a:p>
+            <a:pPr marL="0" indent="0">
+              <a:buNone/>
+            </a:pPr>
+            <a:endParaRPr lang="en-US" dirty="0"/>
+          </a:p>
+          <a:p>
+            <a:pPr>
+              <a:buFont typeface="Wingdings" pitchFamily="2" charset="2"/>
+              <a:buChar char="Ø"/>
+            </a:pPr>
+            <a:endParaRPr lang="en-US" dirty="0"/>
+          </a:p>
+        </p:txBody>
+      </p:sp>
+      <p:sp>
+        <p:nvSpPr>
+          <p:cNvPr id="4" name="Content Placeholder 3">
+            <a:extLst>
+              <a:ext uri="{FF2B5EF4-FFF2-40B4-BE49-F238E27FC236}">
+                <a16:creationId xmlns:a16="http://schemas.microsoft.com/office/drawing/2014/main" id="{909A9477-40A5-7AFC-3F0E-FB14BFDE57C0}"/>
+              </a:ext>
+            </a:extLst>
+          </p:cNvPr>
+          <p:cNvSpPr>
+            <a:spLocks noGrp="1"/>
+          </p:cNvSpPr>
+          <p:nvPr>
+            <p:ph sz="half" idx="2"/>
+          </p:nvPr>
+        </p:nvSpPr>
+        <p:spPr/>
+        <p:txBody>
+          <a:bodyPr>
+            <a:normAutofit fontScale="62500" lnSpcReduction="20000"/>
+          </a:bodyPr>
+          <a:lstStyle/>
+          <a:p>
+            <a:pPr>
+              <a:buFont typeface="Wingdings" pitchFamily="2" charset="2"/>
+              <a:buChar char="q"/>
+            </a:pPr>
+            <a:r>
+              <a:rPr lang="en-US" sz="1800" dirty="0"/>
+              <a:t>Statistics:</a:t>
+            </a:r>
+          </a:p>
+          <a:p>
+            <a:pPr>
+              <a:buFont typeface="Wingdings" pitchFamily="2" charset="2"/>
+              <a:buChar char="Ø"/>
+            </a:pPr>
+            <a:r>
+              <a:rPr lang="en-US" sz="1800" dirty="0"/>
+              <a:t>Sports amenities count:</a:t>
+            </a:r>
+          </a:p>
+          <a:p>
+            <a:pPr lvl="1">
+              <a:buFont typeface="Courier New" panose="02070309020205020404" pitchFamily="49" charset="0"/>
+              <a:buChar char="o"/>
+            </a:pPr>
+            <a:r>
+              <a:rPr lang="en-US" dirty="0"/>
+              <a:t>Median: 0</a:t>
+            </a:r>
+          </a:p>
+          <a:p>
+            <a:pPr lvl="1">
+              <a:buFont typeface="Courier New" panose="02070309020205020404" pitchFamily="49" charset="0"/>
+              <a:buChar char="o"/>
+            </a:pPr>
+            <a:r>
+              <a:rPr lang="en-US" dirty="0"/>
+              <a:t>Maximum: 4</a:t>
+            </a:r>
+          </a:p>
+          <a:p>
+            <a:pPr lvl="1">
+              <a:buFont typeface="Courier New" panose="02070309020205020404" pitchFamily="49" charset="0"/>
+              <a:buChar char="o"/>
+            </a:pPr>
+            <a:r>
+              <a:rPr lang="en-US" dirty="0"/>
+              <a:t>Minimum : 0           </a:t>
+            </a:r>
+          </a:p>
+          <a:p>
+            <a:pPr>
+              <a:buFont typeface="Wingdings" pitchFamily="2" charset="2"/>
+              <a:buChar char="Ø"/>
+            </a:pPr>
+            <a:r>
+              <a:rPr lang="en-US" sz="1800" dirty="0"/>
+              <a:t>Convenience Amenities count:</a:t>
+            </a:r>
+          </a:p>
+          <a:p>
+            <a:pPr lvl="1">
+              <a:buFont typeface="Courier New" panose="02070309020205020404" pitchFamily="49" charset="0"/>
+              <a:buChar char="o"/>
+            </a:pPr>
+            <a:r>
+              <a:rPr lang="en-US" dirty="0"/>
+              <a:t>Median: 0</a:t>
+            </a:r>
+          </a:p>
+          <a:p>
+            <a:pPr lvl="1">
+              <a:buFont typeface="Courier New" panose="02070309020205020404" pitchFamily="49" charset="0"/>
+              <a:buChar char="o"/>
+            </a:pPr>
+            <a:r>
+              <a:rPr lang="en-US" dirty="0"/>
+              <a:t>Maximum: 3</a:t>
+            </a:r>
+          </a:p>
+          <a:p>
+            <a:pPr lvl="1">
+              <a:buFont typeface="Courier New" panose="02070309020205020404" pitchFamily="49" charset="0"/>
+              <a:buChar char="o"/>
+            </a:pPr>
+            <a:r>
+              <a:rPr lang="en-US" dirty="0"/>
+              <a:t>Minimum : 0             </a:t>
+            </a:r>
+          </a:p>
+          <a:p>
+            <a:pPr>
+              <a:buFont typeface="Wingdings" pitchFamily="2" charset="2"/>
+              <a:buChar char="Ø"/>
+            </a:pPr>
+            <a:r>
+              <a:rPr lang="en-US" sz="1800" dirty="0"/>
+              <a:t>Outdoor Amenities Count:</a:t>
+            </a:r>
+          </a:p>
+          <a:p>
+            <a:pPr lvl="1">
+              <a:buFont typeface="Courier New" panose="02070309020205020404" pitchFamily="49" charset="0"/>
+              <a:buChar char="o"/>
+            </a:pPr>
+            <a:r>
+              <a:rPr lang="en-US" dirty="0"/>
+              <a:t>Median: 0</a:t>
+            </a:r>
+          </a:p>
+          <a:p>
+            <a:pPr lvl="1">
+              <a:buFont typeface="Courier New" panose="02070309020205020404" pitchFamily="49" charset="0"/>
+              <a:buChar char="o"/>
+            </a:pPr>
+            <a:r>
+              <a:rPr lang="en-US"/>
+              <a:t>Maximum: </a:t>
+            </a:r>
+            <a:r>
+              <a:rPr lang="en-US" dirty="0"/>
+              <a:t>3</a:t>
+            </a:r>
+          </a:p>
+          <a:p>
+            <a:pPr lvl="1">
+              <a:buFont typeface="Courier New" panose="02070309020205020404" pitchFamily="49" charset="0"/>
+              <a:buChar char="o"/>
+            </a:pPr>
+            <a:r>
+              <a:rPr lang="en-US" dirty="0"/>
+              <a:t>Minimum: 0              </a:t>
+            </a:r>
+          </a:p>
+          <a:p>
+            <a:pPr marL="0" indent="0">
+              <a:buNone/>
+            </a:pPr>
+            <a:endParaRPr lang="en-US" dirty="0"/>
+          </a:p>
+        </p:txBody>
+      </p:sp>
+    </p:spTree>
+    <p:extLst>
+      <p:ext uri="{BB962C8B-B14F-4D97-AF65-F5344CB8AC3E}">
+        <p14:creationId xmlns:p14="http://schemas.microsoft.com/office/powerpoint/2010/main" val="3682599740"/>
+      </p:ext>
+    </p:extLst>
+  </p:cSld>
+  <p:clrMapOvr>
+    <a:masterClrMapping/>
+  </p:clrMapOvr>
+</p:sld>
+</file>
+
 <file path=ppt/slides/slide12.xml><?xml version="1.0" encoding="utf-8"?>
 <p:sld xmlns:a="http://schemas.openxmlformats.org/drawingml/2006/main" xmlns:r="http://schemas.openxmlformats.org/officeDocument/2006/relationships" xmlns:p="http://schemas.openxmlformats.org/presentationml/2006/main">
   <p:cSld>
@@ -9614,7 +7029,7 @@
             </a:r>
             <a:r>
               <a:rPr lang="en-US" sz="3600" dirty="0"/>
-              <a:t>CLUSTER 1 ANALYSIS </a:t>
+              <a:t>CLUSTER 0 ANALYSIS </a:t>
             </a:r>
           </a:p>
         </p:txBody>
@@ -9656,7 +7071,7 @@
             </a:pPr>
             <a:r>
               <a:rPr lang="en-US" sz="1800" dirty="0"/>
-              <a:t> larger than cluster 0; which concurs with PCA analysis</a:t>
+              <a:t> smaller than cluster 1; which concurs with PCA analysis</a:t>
             </a:r>
           </a:p>
           <a:p>
@@ -9686,7 +7101,7 @@
             </a:pPr>
             <a:r>
               <a:rPr lang="en-US" dirty="0"/>
-              <a:t>Average: $1,555</a:t>
+              <a:t>Average: $1,299</a:t>
             </a:r>
           </a:p>
           <a:p>
@@ -9696,7 +7111,7 @@
             </a:pPr>
             <a:r>
               <a:rPr lang="en-US" dirty="0"/>
-              <a:t>Median: $ 1,317</a:t>
+              <a:t>Median: $ 1,173</a:t>
             </a:r>
           </a:p>
           <a:p>
@@ -9706,7 +7121,7 @@
             </a:pPr>
             <a:r>
               <a:rPr lang="en-US" dirty="0"/>
-              <a:t>Maximum: $52,500</a:t>
+              <a:t>Maximum: $11,000</a:t>
             </a:r>
           </a:p>
           <a:p>
@@ -9716,7 +7131,7 @@
             </a:pPr>
             <a:r>
               <a:rPr lang="en-US" dirty="0"/>
-              <a:t>Minimum : $200             </a:t>
+              <a:t>Minimum : $300             </a:t>
             </a:r>
           </a:p>
           <a:p>
@@ -9736,7 +7151,7 @@
             </a:pPr>
             <a:r>
               <a:rPr lang="en-US" dirty="0"/>
-              <a:t>Median: 843sq</a:t>
+              <a:t>Median: 750sq</a:t>
             </a:r>
           </a:p>
           <a:p>
@@ -9746,7 +7161,7 @@
             </a:pPr>
             <a:r>
               <a:rPr lang="en-US" dirty="0"/>
-              <a:t>Maximum: 11,318 sq</a:t>
+              <a:t>Maximum: 40,000 sq</a:t>
             </a:r>
           </a:p>
           <a:p>
@@ -9756,7 +7171,7 @@
             </a:pPr>
             <a:r>
               <a:rPr lang="en-US" dirty="0"/>
-              <a:t>Minimum : 101sq            </a:t>
+              <a:t>Minimum : 130sq            </a:t>
             </a:r>
           </a:p>
           <a:p>
@@ -9870,7 +7285,7 @@
             </a:pPr>
             <a:r>
               <a:rPr lang="en-US" dirty="0"/>
-              <a:t>Median: 0</a:t>
+              <a:t>Median: 1</a:t>
             </a:r>
           </a:p>
           <a:p>
@@ -9910,7 +7325,7 @@
             </a:pPr>
             <a:r>
               <a:rPr lang="en-US" dirty="0"/>
-              <a:t>Median: 0</a:t>
+              <a:t>Median: 5</a:t>
             </a:r>
           </a:p>
           <a:p>
@@ -9920,7 +7335,7 @@
             </a:pPr>
             <a:r>
               <a:rPr lang="en-US" dirty="0"/>
-              <a:t>Maximum: 3</a:t>
+              <a:t>Maximum: 10</a:t>
             </a:r>
           </a:p>
           <a:p>
@@ -9930,7 +7345,7 @@
             </a:pPr>
             <a:r>
               <a:rPr lang="en-US" dirty="0"/>
-              <a:t>Minimum : 0             </a:t>
+              <a:t>Minimum : 3             </a:t>
             </a:r>
           </a:p>
           <a:p>
@@ -9950,7 +7365,7 @@
             </a:pPr>
             <a:r>
               <a:rPr lang="en-US" dirty="0"/>
-              <a:t>Median: 0</a:t>
+              <a:t>Median: 1</a:t>
             </a:r>
           </a:p>
           <a:p>
@@ -9959,12 +7374,8 @@
               <a:buChar char="o"/>
             </a:pPr>
             <a:r>
-              <a:rPr lang="en-US"/>
-              <a:t>Maximum: </a:t>
-            </a:r>
-            <a:r>
               <a:rPr lang="en-US" dirty="0"/>
-              <a:t>3</a:t>
+              <a:t>Maximum: 3</a:t>
             </a:r>
           </a:p>
           <a:p>
@@ -9988,7 +7399,7 @@
     </p:spTree>
     <p:extLst>
       <p:ext uri="{BB962C8B-B14F-4D97-AF65-F5344CB8AC3E}">
-        <p14:creationId xmlns:p14="http://schemas.microsoft.com/office/powerpoint/2010/main" val="3682599740"/>
+        <p14:creationId xmlns:p14="http://schemas.microsoft.com/office/powerpoint/2010/main" val="714742306"/>
       </p:ext>
     </p:extLst>
   </p:cSld>
@@ -10017,10 +7428,10 @@
       </p:grpSpPr>
       <p:sp>
         <p:nvSpPr>
-          <p:cNvPr id="2" name="Title 1">
+          <p:cNvPr id="5" name="Title 4">
             <a:extLst>
               <a:ext uri="{FF2B5EF4-FFF2-40B4-BE49-F238E27FC236}">
-                <a16:creationId xmlns:a16="http://schemas.microsoft.com/office/drawing/2014/main" id="{56E7DDB9-1B03-598B-641A-574737C1E621}"/>
+                <a16:creationId xmlns:a16="http://schemas.microsoft.com/office/drawing/2014/main" id="{491F57C3-C01F-8882-524F-F05411F821F8}"/>
               </a:ext>
             </a:extLst>
           </p:cNvPr>
@@ -10037,26 +7448,18 @@
           <a:lstStyle/>
           <a:p>
             <a:r>
-              <a:rPr lang="en-US" sz="3200" dirty="0"/>
-              <a:t>Results </a:t>
-            </a:r>
-            <a:r>
-              <a:rPr lang="en-US" sz="2000" dirty="0"/>
-              <a:t>cont’d    </a:t>
-            </a:r>
-            <a:r>
-              <a:rPr lang="en-US" sz="3600" dirty="0"/>
-              <a:t>CLUSTER 0 ANALYSIS </a:t>
-            </a:r>
-          </a:p>
-        </p:txBody>
-      </p:sp>
-      <p:sp>
-        <p:nvSpPr>
-          <p:cNvPr id="3" name="Content Placeholder 2">
+              <a:rPr lang="en-US" dirty="0"/>
+              <a:t>Conclusion</a:t>
+            </a:r>
+          </a:p>
+        </p:txBody>
+      </p:sp>
+      <p:sp>
+        <p:nvSpPr>
+          <p:cNvPr id="6" name="Content Placeholder 5">
             <a:extLst>
               <a:ext uri="{FF2B5EF4-FFF2-40B4-BE49-F238E27FC236}">
-                <a16:creationId xmlns:a16="http://schemas.microsoft.com/office/drawing/2014/main" id="{083E047B-EF3A-3F17-50EE-4BB171566932}"/>
+                <a16:creationId xmlns:a16="http://schemas.microsoft.com/office/drawing/2014/main" id="{43CCF2E2-45AD-8BEA-F7FC-1AB49B06CD2A}"/>
               </a:ext>
             </a:extLst>
           </p:cNvPr>
@@ -10064,41 +7467,23 @@
             <a:spLocks noGrp="1"/>
           </p:cNvSpPr>
           <p:nvPr>
-            <p:ph sz="half" idx="1"/>
-          </p:nvPr>
-        </p:nvSpPr>
-        <p:spPr>
-          <a:xfrm>
-            <a:off x="1447331" y="2010878"/>
-            <a:ext cx="4645152" cy="4042233"/>
-          </a:xfrm>
-        </p:spPr>
-        <p:txBody>
-          <a:bodyPr numCol="1">
-            <a:normAutofit fontScale="62500" lnSpcReduction="20000"/>
+            <p:ph idx="1"/>
+          </p:nvPr>
+        </p:nvSpPr>
+        <p:spPr/>
+        <p:txBody>
+          <a:bodyPr>
+            <a:normAutofit fontScale="92500" lnSpcReduction="20000"/>
           </a:bodyPr>
           <a:lstStyle/>
-          <a:p>
-            <a:pPr>
-              <a:lnSpc>
-                <a:spcPct val="100000"/>
-              </a:lnSpc>
-              <a:buFont typeface="Wingdings" pitchFamily="2" charset="2"/>
-              <a:buChar char="q"/>
-            </a:pPr>
-            <a:r>
-              <a:rPr lang="en-US" sz="1800" dirty="0"/>
-              <a:t> smaller than cluster 1; which concurs with PCA analysis</a:t>
-            </a:r>
-          </a:p>
           <a:p>
             <a:pPr>
               <a:buFont typeface="Wingdings" pitchFamily="2" charset="2"/>
               <a:buChar char="q"/>
             </a:pPr>
             <a:r>
-              <a:rPr lang="en-US" sz="1800" dirty="0"/>
-              <a:t>Statistics:</a:t>
+              <a:rPr lang="en-US" dirty="0"/>
+              <a:t>American rental markets can be broken into 2 segments:</a:t>
             </a:r>
           </a:p>
           <a:p>
@@ -10107,48 +7492,8 @@
               <a:buChar char="Ø"/>
             </a:pPr>
             <a:r>
-              <a:rPr lang="en-US" sz="1800" dirty="0"/>
-              <a:t>Rental Price: </a:t>
-            </a:r>
-          </a:p>
-          <a:p>
-            <a:pPr lvl="1">
-              <a:buFont typeface="Courier New" panose="02070309020205020404" pitchFamily="49" charset="0"/>
-              <a:buChar char="o"/>
-            </a:pPr>
-            <a:r>
               <a:rPr lang="en-US" dirty="0"/>
-              <a:t>Average: $1,299</a:t>
-            </a:r>
-          </a:p>
-          <a:p>
-            <a:pPr lvl="1">
-              <a:buFont typeface="Courier New" panose="02070309020205020404" pitchFamily="49" charset="0"/>
-              <a:buChar char="o"/>
-            </a:pPr>
-            <a:r>
-              <a:rPr lang="en-US" dirty="0"/>
-              <a:t>Median: $ 1,173</a:t>
-            </a:r>
-          </a:p>
-          <a:p>
-            <a:pPr lvl="1">
-              <a:buFont typeface="Courier New" panose="02070309020205020404" pitchFamily="49" charset="0"/>
-              <a:buChar char="o"/>
-            </a:pPr>
-            <a:r>
-              <a:rPr lang="en-US" dirty="0"/>
-              <a:t>Maximum: $11,000</a:t>
-            </a:r>
-          </a:p>
-          <a:p>
-            <a:pPr lvl="1">
-              <a:buFont typeface="Courier New" panose="02070309020205020404" pitchFamily="49" charset="0"/>
-              <a:buChar char="o"/>
-            </a:pPr>
-            <a:r>
-              <a:rPr lang="en-US" dirty="0"/>
-              <a:t>Minimum : $300             </a:t>
+              <a:t> spacious apartments - Cluster 1</a:t>
             </a:r>
           </a:p>
           <a:p>
@@ -10157,38 +7502,38 @@
               <a:buChar char="Ø"/>
             </a:pPr>
             <a:r>
-              <a:rPr lang="en-US" sz="1800" dirty="0"/>
-              <a:t>Square Footage:</a:t>
-            </a:r>
-          </a:p>
-          <a:p>
-            <a:pPr lvl="1">
-              <a:buFont typeface="Courier New" panose="02070309020205020404" pitchFamily="49" charset="0"/>
-              <a:buChar char="o"/>
-            </a:pPr>
-            <a:r>
               <a:rPr lang="en-US" dirty="0"/>
-              <a:t>Median: 750sq</a:t>
-            </a:r>
-          </a:p>
-          <a:p>
-            <a:pPr lvl="1">
-              <a:buFont typeface="Courier New" panose="02070309020205020404" pitchFamily="49" charset="0"/>
-              <a:buChar char="o"/>
+              <a:t>Smaller apartments with several amenities – Cluster 0</a:t>
+            </a:r>
+          </a:p>
+          <a:p>
+            <a:pPr>
+              <a:buFont typeface="Wingdings" pitchFamily="2" charset="2"/>
+              <a:buChar char="q"/>
             </a:pPr>
             <a:r>
               <a:rPr lang="en-US" dirty="0"/>
-              <a:t>Maximum: 40,000 sq</a:t>
-            </a:r>
-          </a:p>
-          <a:p>
-            <a:pPr lvl="1">
-              <a:buFont typeface="Courier New" panose="02070309020205020404" pitchFamily="49" charset="0"/>
-              <a:buChar char="o"/>
+              <a:t>Large metropolitan areas represent both segments based on neighborhoods</a:t>
+            </a:r>
+          </a:p>
+          <a:p>
+            <a:pPr>
+              <a:buFont typeface="Wingdings" pitchFamily="2" charset="2"/>
+              <a:buChar char="q"/>
             </a:pPr>
             <a:r>
               <a:rPr lang="en-US" dirty="0"/>
-              <a:t>Minimum : 130sq            </a:t>
+              <a:t>Smaller apartments are concentrated on the upper East side of the country</a:t>
+            </a:r>
+          </a:p>
+          <a:p>
+            <a:pPr>
+              <a:buFont typeface="Wingdings" pitchFamily="2" charset="2"/>
+              <a:buChar char="q"/>
+            </a:pPr>
+            <a:r>
+              <a:rPr lang="en-US" dirty="0"/>
+              <a:t>Some cities represent one segment exclusively:</a:t>
             </a:r>
           </a:p>
           <a:p>
@@ -10197,38 +7542,8 @@
               <a:buChar char="Ø"/>
             </a:pPr>
             <a:r>
-              <a:rPr lang="en-US" sz="1800" dirty="0"/>
-              <a:t>Luxury Amenities Count :</a:t>
-            </a:r>
-          </a:p>
-          <a:p>
-            <a:pPr lvl="1">
-              <a:buFont typeface="Courier New" panose="02070309020205020404" pitchFamily="49" charset="0"/>
-              <a:buChar char="o"/>
-            </a:pPr>
-            <a:r>
               <a:rPr lang="en-US" dirty="0"/>
-              <a:t>Median: 0</a:t>
-            </a:r>
-          </a:p>
-          <a:p>
-            <a:pPr lvl="1">
-              <a:buFont typeface="Courier New" panose="02070309020205020404" pitchFamily="49" charset="0"/>
-              <a:buChar char="o"/>
-            </a:pPr>
-            <a:r>
-              <a:rPr lang="en-US" dirty="0"/>
-              <a:t>Maximum:: 4</a:t>
-            </a:r>
-          </a:p>
-          <a:p>
-            <a:pPr lvl="1">
-              <a:buFont typeface="Courier New" panose="02070309020205020404" pitchFamily="49" charset="0"/>
-              <a:buChar char="o"/>
-            </a:pPr>
-            <a:r>
-              <a:rPr lang="en-US" dirty="0"/>
-              <a:t>Minimum : 0           </a:t>
+              <a:t>Honolulu, HI – Cluster 1</a:t>
             </a:r>
           </a:p>
           <a:p>
@@ -10236,178 +7551,47 @@
               <a:buFont typeface="Wingdings" pitchFamily="2" charset="2"/>
               <a:buChar char="Ø"/>
             </a:pPr>
-            <a:endParaRPr lang="en-US" sz="1600" dirty="0"/>
-          </a:p>
-          <a:p>
-            <a:pPr marL="0" indent="0">
-              <a:buNone/>
-            </a:pPr>
-            <a:endParaRPr lang="en-US" dirty="0"/>
-          </a:p>
-          <a:p>
-            <a:pPr>
-              <a:buFont typeface="Wingdings" pitchFamily="2" charset="2"/>
-              <a:buChar char="Ø"/>
-            </a:pPr>
-            <a:endParaRPr lang="en-US" dirty="0"/>
-          </a:p>
-        </p:txBody>
-      </p:sp>
-      <p:sp>
-        <p:nvSpPr>
-          <p:cNvPr id="4" name="Content Placeholder 3">
-            <a:extLst>
-              <a:ext uri="{FF2B5EF4-FFF2-40B4-BE49-F238E27FC236}">
-                <a16:creationId xmlns:a16="http://schemas.microsoft.com/office/drawing/2014/main" id="{909A9477-40A5-7AFC-3F0E-FB14BFDE57C0}"/>
-              </a:ext>
-            </a:extLst>
-          </p:cNvPr>
-          <p:cNvSpPr>
-            <a:spLocks noGrp="1"/>
-          </p:cNvSpPr>
-          <p:nvPr>
-            <p:ph sz="half" idx="2"/>
-          </p:nvPr>
-        </p:nvSpPr>
-        <p:spPr/>
-        <p:txBody>
-          <a:bodyPr>
-            <a:normAutofit fontScale="62500" lnSpcReduction="20000"/>
-          </a:bodyPr>
-          <a:lstStyle/>
+            <a:r>
+              <a:rPr lang="en-US" dirty="0"/>
+              <a:t>Madison, WI –</a:t>
+            </a:r>
+            <a:r>
+              <a:rPr lang="en-US" sz="2100" dirty="0"/>
+              <a:t> Cluster 0</a:t>
+            </a:r>
+          </a:p>
           <a:p>
             <a:pPr>
               <a:buFont typeface="Wingdings" pitchFamily="2" charset="2"/>
               <a:buChar char="q"/>
             </a:pPr>
-            <a:r>
-              <a:rPr lang="en-US" sz="1800" dirty="0"/>
-              <a:t>Statistics:</a:t>
-            </a:r>
+            <a:endParaRPr lang="en-US" dirty="0"/>
           </a:p>
           <a:p>
             <a:pPr>
               <a:buFont typeface="Wingdings" pitchFamily="2" charset="2"/>
-              <a:buChar char="Ø"/>
-            </a:pPr>
-            <a:r>
-              <a:rPr lang="en-US" sz="1800" dirty="0"/>
-              <a:t>Sports amenities count:</a:t>
-            </a:r>
-          </a:p>
-          <a:p>
-            <a:pPr lvl="1">
-              <a:buFont typeface="Courier New" panose="02070309020205020404" pitchFamily="49" charset="0"/>
-              <a:buChar char="o"/>
-            </a:pPr>
-            <a:r>
-              <a:rPr lang="en-US" dirty="0"/>
-              <a:t>Median: 1</a:t>
-            </a:r>
-          </a:p>
-          <a:p>
-            <a:pPr lvl="1">
-              <a:buFont typeface="Courier New" panose="02070309020205020404" pitchFamily="49" charset="0"/>
-              <a:buChar char="o"/>
-            </a:pPr>
-            <a:r>
-              <a:rPr lang="en-US" dirty="0"/>
-              <a:t>Maximum: 4</a:t>
-            </a:r>
-          </a:p>
-          <a:p>
-            <a:pPr lvl="1">
-              <a:buFont typeface="Courier New" panose="02070309020205020404" pitchFamily="49" charset="0"/>
-              <a:buChar char="o"/>
-            </a:pPr>
-            <a:r>
-              <a:rPr lang="en-US" dirty="0"/>
-              <a:t>Minimum : 0           </a:t>
-            </a:r>
+              <a:buChar char="q"/>
+            </a:pPr>
+            <a:endParaRPr lang="en-US" dirty="0"/>
           </a:p>
           <a:p>
             <a:pPr>
               <a:buFont typeface="Wingdings" pitchFamily="2" charset="2"/>
-              <a:buChar char="Ø"/>
-            </a:pPr>
-            <a:r>
-              <a:rPr lang="en-US" sz="1800" dirty="0"/>
-              <a:t>Convenience Amenities count:</a:t>
-            </a:r>
-          </a:p>
-          <a:p>
-            <a:pPr lvl="1">
-              <a:buFont typeface="Courier New" panose="02070309020205020404" pitchFamily="49" charset="0"/>
-              <a:buChar char="o"/>
-            </a:pPr>
-            <a:r>
-              <a:rPr lang="en-US" dirty="0"/>
-              <a:t>Median: 5</a:t>
-            </a:r>
-          </a:p>
-          <a:p>
-            <a:pPr lvl="1">
-              <a:buFont typeface="Courier New" panose="02070309020205020404" pitchFamily="49" charset="0"/>
-              <a:buChar char="o"/>
-            </a:pPr>
-            <a:r>
-              <a:rPr lang="en-US" dirty="0"/>
-              <a:t>Maximum: 10</a:t>
-            </a:r>
-          </a:p>
-          <a:p>
-            <a:pPr lvl="1">
-              <a:buFont typeface="Courier New" panose="02070309020205020404" pitchFamily="49" charset="0"/>
-              <a:buChar char="o"/>
-            </a:pPr>
-            <a:r>
-              <a:rPr lang="en-US" dirty="0"/>
-              <a:t>Minimum : 3             </a:t>
-            </a:r>
+              <a:buChar char="q"/>
+            </a:pPr>
+            <a:endParaRPr lang="en-US" dirty="0"/>
           </a:p>
           <a:p>
             <a:pPr>
               <a:buFont typeface="Wingdings" pitchFamily="2" charset="2"/>
-              <a:buChar char="Ø"/>
-            </a:pPr>
-            <a:r>
-              <a:rPr lang="en-US" sz="1800" dirty="0"/>
-              <a:t>Outdoor Amenities Count:</a:t>
-            </a:r>
-          </a:p>
-          <a:p>
-            <a:pPr lvl="1">
-              <a:buFont typeface="Courier New" panose="02070309020205020404" pitchFamily="49" charset="0"/>
-              <a:buChar char="o"/>
-            </a:pPr>
-            <a:r>
-              <a:rPr lang="en-US" dirty="0"/>
-              <a:t>Median: 1</a:t>
-            </a:r>
-          </a:p>
-          <a:p>
-            <a:pPr lvl="1">
-              <a:buFont typeface="Courier New" panose="02070309020205020404" pitchFamily="49" charset="0"/>
-              <a:buChar char="o"/>
-            </a:pPr>
-            <a:r>
-              <a:rPr lang="en-US" dirty="0"/>
-              <a:t>Maximum: 3</a:t>
-            </a:r>
-          </a:p>
-          <a:p>
-            <a:pPr lvl="1">
-              <a:buFont typeface="Courier New" panose="02070309020205020404" pitchFamily="49" charset="0"/>
-              <a:buChar char="o"/>
-            </a:pPr>
-            <a:r>
-              <a:rPr lang="en-US" dirty="0"/>
-              <a:t>Minimum: 0              </a:t>
-            </a:r>
-          </a:p>
-          <a:p>
-            <a:pPr marL="0" indent="0">
-              <a:buNone/>
+              <a:buChar char="q"/>
+            </a:pPr>
+            <a:endParaRPr lang="en-US" dirty="0"/>
+          </a:p>
+          <a:p>
+            <a:pPr>
+              <a:buFont typeface="Wingdings" pitchFamily="2" charset="2"/>
+              <a:buChar char="q"/>
             </a:pPr>
             <a:endParaRPr lang="en-US" dirty="0"/>
           </a:p>
@@ -10416,7 +7600,7 @@
     </p:spTree>
     <p:extLst>
       <p:ext uri="{BB962C8B-B14F-4D97-AF65-F5344CB8AC3E}">
-        <p14:creationId xmlns:p14="http://schemas.microsoft.com/office/powerpoint/2010/main" val="714742306"/>
+        <p14:creationId xmlns:p14="http://schemas.microsoft.com/office/powerpoint/2010/main" val="3593818357"/>
       </p:ext>
     </p:extLst>
   </p:cSld>
@@ -10426,672 +7610,7 @@
 </p:sld>
 </file>
 
-<file path=ppt/slides/slide2.xml><?xml version="1.0" encoding="utf-8"?>
-<p:sld xmlns:a="http://schemas.openxmlformats.org/drawingml/2006/main" xmlns:r="http://schemas.openxmlformats.org/officeDocument/2006/relationships" xmlns:p="http://schemas.openxmlformats.org/presentationml/2006/main">
-  <p:cSld>
-    <p:spTree>
-      <p:nvGrpSpPr>
-        <p:cNvPr id="1" name=""/>
-        <p:cNvGrpSpPr/>
-        <p:nvPr/>
-      </p:nvGrpSpPr>
-      <p:grpSpPr>
-        <a:xfrm>
-          <a:off x="0" y="0"/>
-          <a:ext cx="0" cy="0"/>
-          <a:chOff x="0" y="0"/>
-          <a:chExt cx="0" cy="0"/>
-        </a:xfrm>
-      </p:grpSpPr>
-      <p:sp>
-        <p:nvSpPr>
-          <p:cNvPr id="2" name="Title 1">
-            <a:extLst>
-              <a:ext uri="{FF2B5EF4-FFF2-40B4-BE49-F238E27FC236}">
-                <a16:creationId xmlns:a16="http://schemas.microsoft.com/office/drawing/2014/main" id="{343A6A5F-696D-CD1C-0947-C59AEB5AEF0A}"/>
-              </a:ext>
-            </a:extLst>
-          </p:cNvPr>
-          <p:cNvSpPr>
-            <a:spLocks noGrp="1"/>
-          </p:cNvSpPr>
-          <p:nvPr>
-            <p:ph type="title"/>
-          </p:nvPr>
-        </p:nvSpPr>
-        <p:spPr/>
-        <p:txBody>
-          <a:bodyPr/>
-          <a:lstStyle/>
-          <a:p>
-            <a:r>
-              <a:rPr lang="en-US" dirty="0"/>
-              <a:t>Overview</a:t>
-            </a:r>
-          </a:p>
-        </p:txBody>
-      </p:sp>
-      <p:sp>
-        <p:nvSpPr>
-          <p:cNvPr id="3" name="Content Placeholder 2">
-            <a:extLst>
-              <a:ext uri="{FF2B5EF4-FFF2-40B4-BE49-F238E27FC236}">
-                <a16:creationId xmlns:a16="http://schemas.microsoft.com/office/drawing/2014/main" id="{029F19D2-69DB-9D47-1A74-8BA84E143849}"/>
-              </a:ext>
-            </a:extLst>
-          </p:cNvPr>
-          <p:cNvSpPr>
-            <a:spLocks noGrp="1"/>
-          </p:cNvSpPr>
-          <p:nvPr>
-            <p:ph idx="1"/>
-          </p:nvPr>
-        </p:nvSpPr>
-        <p:spPr/>
-        <p:txBody>
-          <a:bodyPr>
-            <a:normAutofit/>
-          </a:bodyPr>
-          <a:lstStyle/>
-          <a:p>
-            <a:pPr>
-              <a:buFont typeface="Wingdings" pitchFamily="2" charset="2"/>
-              <a:buChar char="q"/>
-            </a:pPr>
-            <a:r>
-              <a:rPr lang="en-US" dirty="0"/>
-              <a:t>Objectives</a:t>
-            </a:r>
-          </a:p>
-          <a:p>
-            <a:pPr>
-              <a:buFont typeface="Wingdings" pitchFamily="2" charset="2"/>
-              <a:buChar char="q"/>
-            </a:pPr>
-            <a:r>
-              <a:rPr lang="en-US" dirty="0"/>
-              <a:t>Data Source</a:t>
-            </a:r>
-          </a:p>
-          <a:p>
-            <a:pPr>
-              <a:buFont typeface="Wingdings" pitchFamily="2" charset="2"/>
-              <a:buChar char="q"/>
-            </a:pPr>
-            <a:r>
-              <a:rPr lang="en-US" dirty="0"/>
-              <a:t>Feature Engineering</a:t>
-            </a:r>
-          </a:p>
-          <a:p>
-            <a:pPr>
-              <a:buFont typeface="Wingdings" pitchFamily="2" charset="2"/>
-              <a:buChar char="q"/>
-            </a:pPr>
-            <a:r>
-              <a:rPr lang="en-US" dirty="0"/>
-              <a:t>Machine Learning Methods: </a:t>
-            </a:r>
-            <a:r>
-              <a:rPr lang="en-US" dirty="0" err="1"/>
-              <a:t>KMeans</a:t>
-            </a:r>
-            <a:r>
-              <a:rPr lang="en-US" dirty="0"/>
-              <a:t> Clustering, PCA analysis and </a:t>
-            </a:r>
-            <a:r>
-              <a:rPr lang="en-US" dirty="0" err="1"/>
-              <a:t>XGboost</a:t>
-            </a:r>
-            <a:r>
-              <a:rPr lang="en-US" dirty="0"/>
-              <a:t> </a:t>
-            </a:r>
-          </a:p>
-          <a:p>
-            <a:pPr>
-              <a:buFont typeface="Wingdings" pitchFamily="2" charset="2"/>
-              <a:buChar char="q"/>
-            </a:pPr>
-            <a:r>
-              <a:rPr lang="en-US" dirty="0"/>
-              <a:t>Methodology Analysis </a:t>
-            </a:r>
-          </a:p>
-          <a:p>
-            <a:pPr>
-              <a:buFont typeface="Wingdings" pitchFamily="2" charset="2"/>
-              <a:buChar char="q"/>
-            </a:pPr>
-            <a:r>
-              <a:rPr lang="en-US" dirty="0"/>
-              <a:t>Results and Business Insights</a:t>
-            </a:r>
-          </a:p>
-          <a:p>
-            <a:pPr>
-              <a:buFont typeface="Wingdings" pitchFamily="2" charset="2"/>
-              <a:buChar char="q"/>
-            </a:pPr>
-            <a:r>
-              <a:rPr lang="en-US" dirty="0"/>
-              <a:t> Q&amp;A session</a:t>
-            </a:r>
-          </a:p>
-        </p:txBody>
-      </p:sp>
-    </p:spTree>
-    <p:extLst>
-      <p:ext uri="{BB962C8B-B14F-4D97-AF65-F5344CB8AC3E}">
-        <p14:creationId xmlns:p14="http://schemas.microsoft.com/office/powerpoint/2010/main" val="1043071764"/>
-      </p:ext>
-    </p:extLst>
-  </p:cSld>
-  <p:clrMapOvr>
-    <a:masterClrMapping/>
-  </p:clrMapOvr>
-</p:sld>
-</file>
-
-<file path=ppt/slides/slide3.xml><?xml version="1.0" encoding="utf-8"?>
-<p:sld xmlns:a="http://schemas.openxmlformats.org/drawingml/2006/main" xmlns:r="http://schemas.openxmlformats.org/officeDocument/2006/relationships" xmlns:p="http://schemas.openxmlformats.org/presentationml/2006/main">
-  <p:cSld>
-    <p:spTree>
-      <p:nvGrpSpPr>
-        <p:cNvPr id="1" name=""/>
-        <p:cNvGrpSpPr/>
-        <p:nvPr/>
-      </p:nvGrpSpPr>
-      <p:grpSpPr>
-        <a:xfrm>
-          <a:off x="0" y="0"/>
-          <a:ext cx="0" cy="0"/>
-          <a:chOff x="0" y="0"/>
-          <a:chExt cx="0" cy="0"/>
-        </a:xfrm>
-      </p:grpSpPr>
-      <p:sp>
-        <p:nvSpPr>
-          <p:cNvPr id="2" name="Title 1">
-            <a:extLst>
-              <a:ext uri="{FF2B5EF4-FFF2-40B4-BE49-F238E27FC236}">
-                <a16:creationId xmlns:a16="http://schemas.microsoft.com/office/drawing/2014/main" id="{2E92CC32-6F2F-7665-4622-793A0AAA43C1}"/>
-              </a:ext>
-            </a:extLst>
-          </p:cNvPr>
-          <p:cNvSpPr>
-            <a:spLocks noGrp="1"/>
-          </p:cNvSpPr>
-          <p:nvPr>
-            <p:ph type="title"/>
-          </p:nvPr>
-        </p:nvSpPr>
-        <p:spPr/>
-        <p:txBody>
-          <a:bodyPr/>
-          <a:lstStyle/>
-          <a:p>
-            <a:r>
-              <a:rPr lang="en-US" dirty="0"/>
-              <a:t>Objectives</a:t>
-            </a:r>
-          </a:p>
-        </p:txBody>
-      </p:sp>
-      <p:sp>
-        <p:nvSpPr>
-          <p:cNvPr id="3" name="Content Placeholder 2">
-            <a:extLst>
-              <a:ext uri="{FF2B5EF4-FFF2-40B4-BE49-F238E27FC236}">
-                <a16:creationId xmlns:a16="http://schemas.microsoft.com/office/drawing/2014/main" id="{70BBA8E7-01F4-74E7-E5A2-119468BB417E}"/>
-              </a:ext>
-            </a:extLst>
-          </p:cNvPr>
-          <p:cNvSpPr>
-            <a:spLocks noGrp="1"/>
-          </p:cNvSpPr>
-          <p:nvPr>
-            <p:ph idx="1"/>
-          </p:nvPr>
-        </p:nvSpPr>
-        <p:spPr>
-          <a:xfrm>
-            <a:off x="1451579" y="2015732"/>
-            <a:ext cx="9603275" cy="3259653"/>
-          </a:xfrm>
-        </p:spPr>
-        <p:txBody>
-          <a:bodyPr>
-            <a:normAutofit/>
-          </a:bodyPr>
-          <a:lstStyle/>
-          <a:p>
-            <a:pPr>
-              <a:buFont typeface="Wingdings" pitchFamily="2" charset="2"/>
-              <a:buChar char="q"/>
-            </a:pPr>
-            <a:r>
-              <a:rPr lang="en-US" dirty="0"/>
-              <a:t>Understand the US apartment rental market to uncover rental segments and their features.</a:t>
-            </a:r>
-          </a:p>
-          <a:p>
-            <a:pPr>
-              <a:buFont typeface="Wingdings" pitchFamily="2" charset="2"/>
-              <a:buChar char="q"/>
-            </a:pPr>
-            <a:r>
-              <a:rPr lang="en-US" dirty="0"/>
-              <a:t>Provide insights to real estate developers and investors about:</a:t>
-            </a:r>
-          </a:p>
-          <a:p>
-            <a:pPr lvl="1">
-              <a:buFont typeface="Courier New" panose="02070309020205020404" pitchFamily="49" charset="0"/>
-              <a:buChar char="o"/>
-            </a:pPr>
-            <a:r>
-              <a:rPr lang="en-US" dirty="0"/>
-              <a:t>Consumer demands (i.e. desired price and amenities)</a:t>
-            </a:r>
-          </a:p>
-          <a:p>
-            <a:pPr lvl="1">
-              <a:buFont typeface="Courier New" panose="02070309020205020404" pitchFamily="49" charset="0"/>
-              <a:buChar char="o"/>
-            </a:pPr>
-            <a:r>
-              <a:rPr lang="en-US" dirty="0"/>
-              <a:t>Future investments for each segment ( i.e. new constructions, existing modifications)</a:t>
-            </a:r>
-          </a:p>
-          <a:p>
-            <a:pPr marL="457200" lvl="1" indent="0">
-              <a:buNone/>
-            </a:pPr>
-            <a:endParaRPr lang="en-US" dirty="0"/>
-          </a:p>
-        </p:txBody>
-      </p:sp>
-    </p:spTree>
-    <p:extLst>
-      <p:ext uri="{BB962C8B-B14F-4D97-AF65-F5344CB8AC3E}">
-        <p14:creationId xmlns:p14="http://schemas.microsoft.com/office/powerpoint/2010/main" val="2291594329"/>
-      </p:ext>
-    </p:extLst>
-  </p:cSld>
-  <p:clrMapOvr>
-    <a:masterClrMapping/>
-  </p:clrMapOvr>
-</p:sld>
-</file>
-
-<file path=ppt/slides/slide4.xml><?xml version="1.0" encoding="utf-8"?>
-<p:sld xmlns:a="http://schemas.openxmlformats.org/drawingml/2006/main" xmlns:r="http://schemas.openxmlformats.org/officeDocument/2006/relationships" xmlns:p="http://schemas.openxmlformats.org/presentationml/2006/main">
-  <p:cSld>
-    <p:spTree>
-      <p:nvGrpSpPr>
-        <p:cNvPr id="1" name=""/>
-        <p:cNvGrpSpPr/>
-        <p:nvPr/>
-      </p:nvGrpSpPr>
-      <p:grpSpPr>
-        <a:xfrm>
-          <a:off x="0" y="0"/>
-          <a:ext cx="0" cy="0"/>
-          <a:chOff x="0" y="0"/>
-          <a:chExt cx="0" cy="0"/>
-        </a:xfrm>
-      </p:grpSpPr>
-      <p:sp>
-        <p:nvSpPr>
-          <p:cNvPr id="2" name="Title 1">
-            <a:extLst>
-              <a:ext uri="{FF2B5EF4-FFF2-40B4-BE49-F238E27FC236}">
-                <a16:creationId xmlns:a16="http://schemas.microsoft.com/office/drawing/2014/main" id="{F0896559-9ACD-04C2-7A19-18089A06485A}"/>
-              </a:ext>
-            </a:extLst>
-          </p:cNvPr>
-          <p:cNvSpPr>
-            <a:spLocks noGrp="1"/>
-          </p:cNvSpPr>
-          <p:nvPr>
-            <p:ph type="title"/>
-          </p:nvPr>
-        </p:nvSpPr>
-        <p:spPr/>
-        <p:txBody>
-          <a:bodyPr/>
-          <a:lstStyle/>
-          <a:p>
-            <a:r>
-              <a:rPr lang="en-US" dirty="0"/>
-              <a:t>Data Source </a:t>
-            </a:r>
-          </a:p>
-        </p:txBody>
-      </p:sp>
-      <p:sp>
-        <p:nvSpPr>
-          <p:cNvPr id="3" name="Content Placeholder 2">
-            <a:extLst>
-              <a:ext uri="{FF2B5EF4-FFF2-40B4-BE49-F238E27FC236}">
-                <a16:creationId xmlns:a16="http://schemas.microsoft.com/office/drawing/2014/main" id="{CDB00038-D520-D607-A176-E1761607FB9A}"/>
-              </a:ext>
-            </a:extLst>
-          </p:cNvPr>
-          <p:cNvSpPr>
-            <a:spLocks noGrp="1"/>
-          </p:cNvSpPr>
-          <p:nvPr>
-            <p:ph idx="1"/>
-          </p:nvPr>
-        </p:nvSpPr>
-        <p:spPr/>
-        <p:txBody>
-          <a:bodyPr/>
-          <a:lstStyle/>
-          <a:p>
-            <a:pPr>
-              <a:buFont typeface="Wingdings" pitchFamily="2" charset="2"/>
-              <a:buChar char="q"/>
-            </a:pPr>
-            <a:r>
-              <a:rPr lang="en-US" dirty="0"/>
-              <a:t>University of Irvine, Machine Learning repository.</a:t>
-            </a:r>
-          </a:p>
-          <a:p>
-            <a:pPr>
-              <a:buFont typeface="Wingdings" pitchFamily="2" charset="2"/>
-              <a:buChar char="q"/>
-            </a:pPr>
-            <a:r>
-              <a:rPr lang="en-US" dirty="0"/>
-              <a:t>The dataset consists of a listing of apartments for rent in the United States in Pre-Pandemic era(i.e. as of 12/25/2019)</a:t>
-            </a:r>
-          </a:p>
-          <a:p>
-            <a:pPr marL="0" indent="0">
-              <a:buNone/>
-            </a:pPr>
-            <a:endParaRPr lang="en-US" dirty="0"/>
-          </a:p>
-          <a:p>
-            <a:pPr marL="0" indent="0">
-              <a:buNone/>
-            </a:pPr>
-            <a:endParaRPr lang="en-US" dirty="0"/>
-          </a:p>
-          <a:p>
-            <a:pPr marL="0" indent="0">
-              <a:buNone/>
-            </a:pPr>
-            <a:r>
-              <a:rPr lang="en-US" dirty="0">
-                <a:solidFill>
-                  <a:srgbClr val="0432FF"/>
-                </a:solidFill>
-              </a:rPr>
-              <a:t>Source</a:t>
-            </a:r>
-            <a:r>
-              <a:rPr lang="en-US" dirty="0"/>
-              <a:t>: https://</a:t>
-            </a:r>
-            <a:r>
-              <a:rPr lang="en-US" dirty="0" err="1"/>
-              <a:t>archive.ics.uci.edu</a:t>
-            </a:r>
-            <a:r>
-              <a:rPr lang="en-US" dirty="0"/>
-              <a:t>/dataset/555/</a:t>
-            </a:r>
-            <a:r>
-              <a:rPr lang="en-US" dirty="0" err="1"/>
-              <a:t>apartment+for+rent+classified</a:t>
-            </a:r>
-            <a:endParaRPr lang="en-US" dirty="0"/>
-          </a:p>
-        </p:txBody>
-      </p:sp>
-    </p:spTree>
-    <p:extLst>
-      <p:ext uri="{BB962C8B-B14F-4D97-AF65-F5344CB8AC3E}">
-        <p14:creationId xmlns:p14="http://schemas.microsoft.com/office/powerpoint/2010/main" val="4081790504"/>
-      </p:ext>
-    </p:extLst>
-  </p:cSld>
-  <p:clrMapOvr>
-    <a:masterClrMapping/>
-  </p:clrMapOvr>
-</p:sld>
-</file>
-
-<file path=ppt/slides/slide5.xml><?xml version="1.0" encoding="utf-8"?>
-<p:sld xmlns:a="http://schemas.openxmlformats.org/drawingml/2006/main" xmlns:r="http://schemas.openxmlformats.org/officeDocument/2006/relationships" xmlns:p="http://schemas.openxmlformats.org/presentationml/2006/main">
-  <p:cSld>
-    <p:bg>
-      <p:bgRef idx="1003">
-        <a:schemeClr val="bg2"/>
-      </p:bgRef>
-    </p:bg>
-    <p:spTree>
-      <p:nvGrpSpPr>
-        <p:cNvPr id="1" name=""/>
-        <p:cNvGrpSpPr/>
-        <p:nvPr/>
-      </p:nvGrpSpPr>
-      <p:grpSpPr>
-        <a:xfrm>
-          <a:off x="0" y="0"/>
-          <a:ext cx="0" cy="0"/>
-          <a:chOff x="0" y="0"/>
-          <a:chExt cx="0" cy="0"/>
-        </a:xfrm>
-      </p:grpSpPr>
-      <p:sp>
-        <p:nvSpPr>
-          <p:cNvPr id="2" name="Title 1">
-            <a:extLst>
-              <a:ext uri="{FF2B5EF4-FFF2-40B4-BE49-F238E27FC236}">
-                <a16:creationId xmlns:a16="http://schemas.microsoft.com/office/drawing/2014/main" id="{BA379FF7-D0DA-F23E-59D4-EFE9996320D9}"/>
-              </a:ext>
-            </a:extLst>
-          </p:cNvPr>
-          <p:cNvSpPr>
-            <a:spLocks noGrp="1"/>
-          </p:cNvSpPr>
-          <p:nvPr>
-            <p:ph type="title"/>
-          </p:nvPr>
-        </p:nvSpPr>
-        <p:spPr/>
-        <p:txBody>
-          <a:bodyPr>
-            <a:normAutofit/>
-          </a:bodyPr>
-          <a:lstStyle/>
-          <a:p>
-            <a:r>
-              <a:rPr lang="en-US" dirty="0"/>
-              <a:t>Feature Engineering</a:t>
-            </a:r>
-          </a:p>
-        </p:txBody>
-      </p:sp>
-      <p:graphicFrame>
-        <p:nvGraphicFramePr>
-          <p:cNvPr id="5" name="Content Placeholder 2">
-            <a:extLst>
-              <a:ext uri="{FF2B5EF4-FFF2-40B4-BE49-F238E27FC236}">
-                <a16:creationId xmlns:a16="http://schemas.microsoft.com/office/drawing/2014/main" id="{5D78064A-441E-2689-67DE-076FB828015A}"/>
-              </a:ext>
-            </a:extLst>
-          </p:cNvPr>
-          <p:cNvGraphicFramePr>
-            <a:graphicFrameLocks noGrp="1"/>
-          </p:cNvGraphicFramePr>
-          <p:nvPr>
-            <p:ph idx="1"/>
-            <p:extLst>
-              <p:ext uri="{D42A27DB-BD31-4B8C-83A1-F6EECF244321}">
-                <p14:modId xmlns:p14="http://schemas.microsoft.com/office/powerpoint/2010/main" val="2796978070"/>
-              </p:ext>
-            </p:extLst>
-          </p:nvPr>
-        </p:nvGraphicFramePr>
-        <p:xfrm>
-          <a:off x="946883" y="1689631"/>
-          <a:ext cx="9604375" cy="4199727"/>
-        </p:xfrm>
-        <a:graphic>
-          <a:graphicData uri="http://schemas.openxmlformats.org/drawingml/2006/diagram">
-            <dgm:relIds xmlns:dgm="http://schemas.openxmlformats.org/drawingml/2006/diagram" xmlns:r="http://schemas.openxmlformats.org/officeDocument/2006/relationships" r:dm="rId3" r:lo="rId4" r:qs="rId5" r:cs="rId6"/>
-          </a:graphicData>
-        </a:graphic>
-      </p:graphicFrame>
-    </p:spTree>
-    <p:extLst>
-      <p:ext uri="{BB962C8B-B14F-4D97-AF65-F5344CB8AC3E}">
-        <p14:creationId xmlns:p14="http://schemas.microsoft.com/office/powerpoint/2010/main" val="2160180033"/>
-      </p:ext>
-    </p:extLst>
-  </p:cSld>
-  <p:clrMapOvr>
-    <a:overrideClrMapping bg1="lt1" tx1="dk1" bg2="lt2" tx2="dk2" accent1="accent1" accent2="accent2" accent3="accent3" accent4="accent4" accent5="accent5" accent6="accent6" hlink="hlink" folHlink="folHlink"/>
-  </p:clrMapOvr>
-</p:sld>
-</file>
-
-<file path=ppt/slides/slide6.xml><?xml version="1.0" encoding="utf-8"?>
-<p:sld xmlns:a="http://schemas.openxmlformats.org/drawingml/2006/main" xmlns:r="http://schemas.openxmlformats.org/officeDocument/2006/relationships" xmlns:p="http://schemas.openxmlformats.org/presentationml/2006/main">
-  <p:cSld>
-    <p:spTree>
-      <p:nvGrpSpPr>
-        <p:cNvPr id="1" name=""/>
-        <p:cNvGrpSpPr/>
-        <p:nvPr/>
-      </p:nvGrpSpPr>
-      <p:grpSpPr>
-        <a:xfrm>
-          <a:off x="0" y="0"/>
-          <a:ext cx="0" cy="0"/>
-          <a:chOff x="0" y="0"/>
-          <a:chExt cx="0" cy="0"/>
-        </a:xfrm>
-      </p:grpSpPr>
-      <p:sp>
-        <p:nvSpPr>
-          <p:cNvPr id="2" name="Title 1">
-            <a:extLst>
-              <a:ext uri="{FF2B5EF4-FFF2-40B4-BE49-F238E27FC236}">
-                <a16:creationId xmlns:a16="http://schemas.microsoft.com/office/drawing/2014/main" id="{C0E85EB8-1427-EC92-BB47-8F189E26AAD6}"/>
-              </a:ext>
-            </a:extLst>
-          </p:cNvPr>
-          <p:cNvSpPr>
-            <a:spLocks noGrp="1"/>
-          </p:cNvSpPr>
-          <p:nvPr>
-            <p:ph type="title"/>
-          </p:nvPr>
-        </p:nvSpPr>
-        <p:spPr/>
-        <p:txBody>
-          <a:bodyPr/>
-          <a:lstStyle/>
-          <a:p>
-            <a:r>
-              <a:rPr lang="en-US" dirty="0"/>
-              <a:t>Feature Engineering </a:t>
-            </a:r>
-            <a:r>
-              <a:rPr lang="en-US" sz="2000" dirty="0"/>
-              <a:t>cont’d</a:t>
-            </a:r>
-            <a:r>
-              <a:rPr lang="en-US" dirty="0"/>
-              <a:t> </a:t>
-            </a:r>
-          </a:p>
-        </p:txBody>
-      </p:sp>
-      <p:sp>
-        <p:nvSpPr>
-          <p:cNvPr id="3" name="Content Placeholder 2">
-            <a:extLst>
-              <a:ext uri="{FF2B5EF4-FFF2-40B4-BE49-F238E27FC236}">
-                <a16:creationId xmlns:a16="http://schemas.microsoft.com/office/drawing/2014/main" id="{757A7E77-381A-2A57-D090-E699EB93E9C8}"/>
-              </a:ext>
-            </a:extLst>
-          </p:cNvPr>
-          <p:cNvSpPr>
-            <a:spLocks noGrp="1"/>
-          </p:cNvSpPr>
-          <p:nvPr>
-            <p:ph idx="1"/>
-          </p:nvPr>
-        </p:nvSpPr>
-        <p:spPr/>
-        <p:txBody>
-          <a:bodyPr/>
-          <a:lstStyle/>
-          <a:p>
-            <a:pPr lvl="1">
-              <a:buFont typeface="Courier New" panose="02070309020205020404" pitchFamily="49" charset="0"/>
-              <a:buChar char="o"/>
-            </a:pPr>
-            <a:r>
-              <a:rPr lang="en-US" dirty="0"/>
-              <a:t>Used “Get dummies” technique to transform apartment category column</a:t>
-            </a:r>
-          </a:p>
-          <a:p>
-            <a:pPr lvl="2">
-              <a:buFont typeface="Wingdings" pitchFamily="2" charset="2"/>
-              <a:buChar char="Ø"/>
-            </a:pPr>
-            <a:r>
-              <a:rPr lang="en-US" dirty="0"/>
-              <a:t>The dataset generated 60 distinctive apartment categories</a:t>
-            </a:r>
-          </a:p>
-          <a:p>
-            <a:pPr lvl="1">
-              <a:buFont typeface="Courier New" panose="02070309020205020404" pitchFamily="49" charset="0"/>
-              <a:buChar char="o"/>
-            </a:pPr>
-            <a:r>
-              <a:rPr lang="en-US" dirty="0"/>
-              <a:t> Used </a:t>
-            </a:r>
-            <a:r>
-              <a:rPr lang="en-US" dirty="0" err="1"/>
-              <a:t>StandardScaler</a:t>
-            </a:r>
-            <a:r>
-              <a:rPr lang="en-US" dirty="0"/>
-              <a:t> method to scale numerical columns such as price, square feet, latitude and longitude</a:t>
-            </a:r>
-          </a:p>
-        </p:txBody>
-      </p:sp>
-    </p:spTree>
-    <p:extLst>
-      <p:ext uri="{BB962C8B-B14F-4D97-AF65-F5344CB8AC3E}">
-        <p14:creationId xmlns:p14="http://schemas.microsoft.com/office/powerpoint/2010/main" val="3724323817"/>
-      </p:ext>
-    </p:extLst>
-  </p:cSld>
-  <p:clrMapOvr>
-    <a:masterClrMapping/>
-  </p:clrMapOvr>
-</p:sld>
-</file>
-
-<file path=ppt/slides/slide7.xml><?xml version="1.0" encoding="utf-8"?>
+<file path=ppt/slides/slide14.xml><?xml version="1.0" encoding="utf-8"?>
 <p:sld xmlns:a="http://schemas.openxmlformats.org/drawingml/2006/main" xmlns:r="http://schemas.openxmlformats.org/officeDocument/2006/relationships" xmlns:p="http://schemas.openxmlformats.org/presentationml/2006/main">
   <p:cSld>
     <p:bg>
@@ -11132,6 +7651,1163 @@
           <a:chExt cx="0" cy="0"/>
         </a:xfrm>
       </p:grpSpPr>
+      <p:sp useBgFill="1">
+        <p:nvSpPr>
+          <p:cNvPr id="10" name="Rectangle 9">
+            <a:extLst>
+              <a:ext uri="{FF2B5EF4-FFF2-40B4-BE49-F238E27FC236}">
+                <a16:creationId xmlns:a16="http://schemas.microsoft.com/office/drawing/2014/main" id="{8D095B41-7312-4603-9F0F-93387C353134}"/>
+              </a:ext>
+              <a:ext uri="{C183D7F6-B498-43B3-948B-1728B52AA6E4}">
+                <adec:decorative xmlns:adec="http://schemas.microsoft.com/office/drawing/2017/decorative" val="1"/>
+              </a:ext>
+            </a:extLst>
+          </p:cNvPr>
+          <p:cNvSpPr>
+            <a:spLocks noGrp="1" noRot="1" noChangeAspect="1" noMove="1" noResize="1" noEditPoints="1" noAdjustHandles="1" noChangeArrowheads="1" noChangeShapeType="1" noTextEdit="1"/>
+          </p:cNvSpPr>
+          <p:nvPr>
+            <p:extLst>
+              <p:ext uri="{386F3935-93C4-4BCD-93E2-E3B085C9AB24}">
+                <p16:designElem xmlns:p16="http://schemas.microsoft.com/office/powerpoint/2015/main" val="1"/>
+              </p:ext>
+            </p:extLst>
+          </p:nvPr>
+        </p:nvSpPr>
+        <p:spPr>
+          <a:xfrm>
+            <a:off x="2" y="0"/>
+            <a:ext cx="12191695" cy="6858000"/>
+          </a:xfrm>
+          <a:prstGeom prst="rect">
+            <a:avLst/>
+          </a:prstGeom>
+          <a:ln>
+            <a:noFill/>
+          </a:ln>
+        </p:spPr>
+        <p:style>
+          <a:lnRef idx="2">
+            <a:schemeClr val="accent1">
+              <a:shade val="50000"/>
+            </a:schemeClr>
+          </a:lnRef>
+          <a:fillRef idx="1">
+            <a:schemeClr val="accent1"/>
+          </a:fillRef>
+          <a:effectRef idx="0">
+            <a:schemeClr val="accent1"/>
+          </a:effectRef>
+          <a:fontRef idx="minor">
+            <a:schemeClr val="lt1"/>
+          </a:fontRef>
+        </p:style>
+        <p:txBody>
+          <a:bodyPr rtlCol="0" anchor="ctr"/>
+          <a:lstStyle/>
+          <a:p>
+            <a:pPr algn="ctr"/>
+            <a:endParaRPr lang="en-US"/>
+          </a:p>
+        </p:txBody>
+      </p:sp>
+      <p:pic>
+        <p:nvPicPr>
+          <p:cNvPr id="6" name="Picture 5" descr="Question mark against red wall">
+            <a:extLst>
+              <a:ext uri="{FF2B5EF4-FFF2-40B4-BE49-F238E27FC236}">
+                <a16:creationId xmlns:a16="http://schemas.microsoft.com/office/drawing/2014/main" id="{FDC57CD6-4B4A-8D02-20FD-805782F9DDAF}"/>
+              </a:ext>
+            </a:extLst>
+          </p:cNvPr>
+          <p:cNvPicPr>
+            <a:picLocks noChangeAspect="1"/>
+          </p:cNvPicPr>
+          <p:nvPr/>
+        </p:nvPicPr>
+        <p:blipFill rotWithShape="1">
+          <a:blip r:embed="rId2">
+            <a:duotone>
+              <a:schemeClr val="bg2">
+                <a:shade val="45000"/>
+                <a:satMod val="135000"/>
+              </a:schemeClr>
+              <a:prstClr val="white"/>
+            </a:duotone>
+            <a:alphaModFix amt="50000"/>
+          </a:blip>
+          <a:srcRect r="-1" b="7022"/>
+          <a:stretch/>
+        </p:blipFill>
+        <p:spPr>
+          <a:xfrm>
+            <a:off x="305" y="10"/>
+            <a:ext cx="12191695" cy="6857990"/>
+          </a:xfrm>
+          <a:prstGeom prst="rect">
+            <a:avLst/>
+          </a:prstGeom>
+        </p:spPr>
+      </p:pic>
+      <p:sp>
+        <p:nvSpPr>
+          <p:cNvPr id="12" name="Rectangle 11">
+            <a:extLst>
+              <a:ext uri="{FF2B5EF4-FFF2-40B4-BE49-F238E27FC236}">
+                <a16:creationId xmlns:a16="http://schemas.microsoft.com/office/drawing/2014/main" id="{1042C936-444C-4F0D-9737-291EAFE1E7E4}"/>
+              </a:ext>
+              <a:ext uri="{C183D7F6-B498-43B3-948B-1728B52AA6E4}">
+                <adec:decorative xmlns:adec="http://schemas.microsoft.com/office/drawing/2017/decorative" val="1"/>
+              </a:ext>
+            </a:extLst>
+          </p:cNvPr>
+          <p:cNvSpPr>
+            <a:spLocks noGrp="1" noRot="1" noChangeAspect="1" noMove="1" noResize="1" noEditPoints="1" noAdjustHandles="1" noChangeArrowheads="1" noChangeShapeType="1" noTextEdit="1"/>
+          </p:cNvSpPr>
+          <p:nvPr>
+            <p:extLst>
+              <p:ext uri="{386F3935-93C4-4BCD-93E2-E3B085C9AB24}">
+                <p16:designElem xmlns:p16="http://schemas.microsoft.com/office/powerpoint/2015/main" val="1"/>
+              </p:ext>
+            </p:extLst>
+          </p:nvPr>
+        </p:nvSpPr>
+        <p:spPr>
+          <a:xfrm>
+            <a:off x="0" y="2019476"/>
+            <a:ext cx="12192000" cy="4105941"/>
+          </a:xfrm>
+          <a:prstGeom prst="rect">
+            <a:avLst/>
+          </a:prstGeom>
+          <a:gradFill flip="none" rotWithShape="1">
+            <a:gsLst>
+              <a:gs pos="0">
+                <a:schemeClr val="bg2">
+                  <a:alpha val="0"/>
+                </a:schemeClr>
+              </a:gs>
+              <a:gs pos="100000">
+                <a:schemeClr val="bg2">
+                  <a:alpha val="80000"/>
+                </a:schemeClr>
+              </a:gs>
+            </a:gsLst>
+            <a:lin ang="5400000" scaled="0"/>
+            <a:tileRect/>
+          </a:gradFill>
+          <a:ln>
+            <a:noFill/>
+          </a:ln>
+        </p:spPr>
+        <p:style>
+          <a:lnRef idx="2">
+            <a:schemeClr val="accent1">
+              <a:shade val="50000"/>
+            </a:schemeClr>
+          </a:lnRef>
+          <a:fillRef idx="1">
+            <a:schemeClr val="accent1"/>
+          </a:fillRef>
+          <a:effectRef idx="0">
+            <a:schemeClr val="accent1"/>
+          </a:effectRef>
+          <a:fontRef idx="minor">
+            <a:schemeClr val="lt1"/>
+          </a:fontRef>
+        </p:style>
+        <p:txBody>
+          <a:bodyPr rtlCol="0" anchor="ctr"/>
+          <a:lstStyle/>
+          <a:p>
+            <a:pPr algn="ctr"/>
+            <a:endParaRPr lang="en-US"/>
+          </a:p>
+        </p:txBody>
+      </p:sp>
+      <p:sp>
+        <p:nvSpPr>
+          <p:cNvPr id="2" name="Title 1">
+            <a:extLst>
+              <a:ext uri="{FF2B5EF4-FFF2-40B4-BE49-F238E27FC236}">
+                <a16:creationId xmlns:a16="http://schemas.microsoft.com/office/drawing/2014/main" id="{AF9E84BC-BB88-ECDE-AD01-C12DD1E1CC32}"/>
+              </a:ext>
+            </a:extLst>
+          </p:cNvPr>
+          <p:cNvSpPr>
+            <a:spLocks noGrp="1"/>
+          </p:cNvSpPr>
+          <p:nvPr>
+            <p:ph type="ctrTitle"/>
+          </p:nvPr>
+        </p:nvSpPr>
+        <p:spPr>
+          <a:xfrm>
+            <a:off x="2417779" y="802298"/>
+            <a:ext cx="8637073" cy="2541431"/>
+          </a:xfrm>
+        </p:spPr>
+        <p:txBody>
+          <a:bodyPr>
+            <a:normAutofit/>
+          </a:bodyPr>
+          <a:lstStyle/>
+          <a:p>
+            <a:r>
+              <a:rPr lang="en-US"/>
+              <a:t>Q&amp;A</a:t>
+            </a:r>
+            <a:endParaRPr lang="en-US" dirty="0"/>
+          </a:p>
+        </p:txBody>
+      </p:sp>
+      <p:sp>
+        <p:nvSpPr>
+          <p:cNvPr id="4" name="Subtitle 3">
+            <a:extLst>
+              <a:ext uri="{FF2B5EF4-FFF2-40B4-BE49-F238E27FC236}">
+                <a16:creationId xmlns:a16="http://schemas.microsoft.com/office/drawing/2014/main" id="{F1B529B8-1AD1-327F-EB02-1B3BA1632AD5}"/>
+              </a:ext>
+            </a:extLst>
+          </p:cNvPr>
+          <p:cNvSpPr>
+            <a:spLocks noGrp="1"/>
+          </p:cNvSpPr>
+          <p:nvPr>
+            <p:ph type="subTitle" idx="1"/>
+          </p:nvPr>
+        </p:nvSpPr>
+        <p:spPr>
+          <a:xfrm>
+            <a:off x="2417780" y="3531204"/>
+            <a:ext cx="8637072" cy="977621"/>
+          </a:xfrm>
+        </p:spPr>
+        <p:txBody>
+          <a:bodyPr>
+            <a:normAutofit/>
+          </a:bodyPr>
+          <a:lstStyle/>
+          <a:p>
+            <a:endParaRPr lang="en-US"/>
+          </a:p>
+        </p:txBody>
+      </p:sp>
+      <p:cxnSp>
+        <p:nvCxnSpPr>
+          <p:cNvPr id="23" name="Straight Connector 22">
+            <a:extLst>
+              <a:ext uri="{FF2B5EF4-FFF2-40B4-BE49-F238E27FC236}">
+                <a16:creationId xmlns:a16="http://schemas.microsoft.com/office/drawing/2014/main" id="{B61C4D9F-F4AF-4ED2-9310-56EB2E19C084}"/>
+              </a:ext>
+              <a:ext uri="{C183D7F6-B498-43B3-948B-1728B52AA6E4}">
+                <adec:decorative xmlns:adec="http://schemas.microsoft.com/office/drawing/2017/decorative" val="1"/>
+              </a:ext>
+            </a:extLst>
+          </p:cNvPr>
+          <p:cNvCxnSpPr>
+            <a:cxnSpLocks noGrp="1" noRot="1" noChangeAspect="1" noMove="1" noResize="1" noEditPoints="1" noAdjustHandles="1" noChangeArrowheads="1" noChangeShapeType="1"/>
+          </p:cNvCxnSpPr>
+          <p:nvPr>
+            <p:extLst>
+              <p:ext uri="{386F3935-93C4-4BCD-93E2-E3B085C9AB24}">
+                <p16:designElem xmlns:p16="http://schemas.microsoft.com/office/powerpoint/2015/main" val="1"/>
+              </p:ext>
+            </p:extLst>
+          </p:nvPr>
+        </p:nvCxnSpPr>
+        <p:spPr>
+          <a:xfrm>
+            <a:off x="2417780" y="3528543"/>
+            <a:ext cx="8637072" cy="0"/>
+          </a:xfrm>
+          <a:prstGeom prst="line">
+            <a:avLst/>
+          </a:prstGeom>
+          <a:ln w="31750"/>
+        </p:spPr>
+        <p:style>
+          <a:lnRef idx="3">
+            <a:schemeClr val="accent1"/>
+          </a:lnRef>
+          <a:fillRef idx="0">
+            <a:schemeClr val="accent1"/>
+          </a:fillRef>
+          <a:effectRef idx="2">
+            <a:schemeClr val="accent1"/>
+          </a:effectRef>
+          <a:fontRef idx="minor">
+            <a:schemeClr val="tx1"/>
+          </a:fontRef>
+        </p:style>
+      </p:cxnSp>
+      <p:pic>
+        <p:nvPicPr>
+          <p:cNvPr id="16" name="Picture 15">
+            <a:extLst>
+              <a:ext uri="{FF2B5EF4-FFF2-40B4-BE49-F238E27FC236}">
+                <a16:creationId xmlns:a16="http://schemas.microsoft.com/office/drawing/2014/main" id="{419FDB25-3050-4009-9806-3000DDD1C083}"/>
+              </a:ext>
+              <a:ext uri="{C183D7F6-B498-43B3-948B-1728B52AA6E4}">
+                <adec:decorative xmlns:adec="http://schemas.microsoft.com/office/drawing/2017/decorative" val="1"/>
+              </a:ext>
+            </a:extLst>
+          </p:cNvPr>
+          <p:cNvPicPr>
+            <a:picLocks noGrp="1" noRot="1" noChangeAspect="1" noMove="1" noResize="1" noEditPoints="1" noAdjustHandles="1" noChangeArrowheads="1" noChangeShapeType="1" noCrop="1"/>
+          </p:cNvPicPr>
+          <p:nvPr>
+            <p:extLst>
+              <p:ext uri="{386F3935-93C4-4BCD-93E2-E3B085C9AB24}">
+                <p16:designElem xmlns:p16="http://schemas.microsoft.com/office/powerpoint/2015/main" val="1"/>
+              </p:ext>
+            </p:extLst>
+          </p:nvPr>
+        </p:nvPicPr>
+        <p:blipFill rotWithShape="1">
+          <a:blip r:embed="rId3">
+            <a:extLst>
+              <a:ext uri="{28A0092B-C50C-407E-A947-70E740481C1C}">
+                <a14:useLocalDpi xmlns:a14="http://schemas.microsoft.com/office/drawing/2010/main" val="0"/>
+              </a:ext>
+            </a:extLst>
+          </a:blip>
+          <a:srcRect t="1538" b="-1538"/>
+          <a:stretch/>
+        </p:blipFill>
+        <p:spPr bwMode="black">
+          <a:xfrm>
+            <a:off x="0" y="6126480"/>
+            <a:ext cx="12192000" cy="742950"/>
+          </a:xfrm>
+          <a:prstGeom prst="rect">
+            <a:avLst/>
+          </a:prstGeom>
+        </p:spPr>
+      </p:pic>
+      <p:cxnSp>
+        <p:nvCxnSpPr>
+          <p:cNvPr id="18" name="Straight Connector 17">
+            <a:extLst>
+              <a:ext uri="{FF2B5EF4-FFF2-40B4-BE49-F238E27FC236}">
+                <a16:creationId xmlns:a16="http://schemas.microsoft.com/office/drawing/2014/main" id="{8063EF0F-7BC0-4CFB-AB98-20A8DD91D70F}"/>
+              </a:ext>
+              <a:ext uri="{C183D7F6-B498-43B3-948B-1728B52AA6E4}">
+                <adec:decorative xmlns:adec="http://schemas.microsoft.com/office/drawing/2017/decorative" val="1"/>
+              </a:ext>
+            </a:extLst>
+          </p:cNvPr>
+          <p:cNvCxnSpPr>
+            <a:cxnSpLocks noGrp="1" noRot="1" noChangeAspect="1" noMove="1" noResize="1" noEditPoints="1" noAdjustHandles="1" noChangeArrowheads="1" noChangeShapeType="1"/>
+          </p:cNvCxnSpPr>
+          <p:nvPr>
+            <p:extLst>
+              <p:ext uri="{386F3935-93C4-4BCD-93E2-E3B085C9AB24}">
+                <p16:designElem xmlns:p16="http://schemas.microsoft.com/office/powerpoint/2015/main" val="1"/>
+              </p:ext>
+            </p:extLst>
+          </p:nvPr>
+        </p:nvCxnSpPr>
+        <p:spPr>
+          <a:xfrm>
+            <a:off x="0" y="6128413"/>
+            <a:ext cx="12192000" cy="0"/>
+          </a:xfrm>
+          <a:prstGeom prst="line">
+            <a:avLst/>
+          </a:prstGeom>
+          <a:ln w="12700">
+            <a:solidFill>
+              <a:srgbClr val="000001">
+                <a:alpha val="20000"/>
+              </a:srgbClr>
+            </a:solidFill>
+          </a:ln>
+        </p:spPr>
+        <p:style>
+          <a:lnRef idx="1">
+            <a:schemeClr val="accent1"/>
+          </a:lnRef>
+          <a:fillRef idx="0">
+            <a:schemeClr val="accent1"/>
+          </a:fillRef>
+          <a:effectRef idx="0">
+            <a:schemeClr val="accent1"/>
+          </a:effectRef>
+          <a:fontRef idx="minor">
+            <a:schemeClr val="tx1"/>
+          </a:fontRef>
+        </p:style>
+      </p:cxnSp>
+    </p:spTree>
+    <p:extLst>
+      <p:ext uri="{BB962C8B-B14F-4D97-AF65-F5344CB8AC3E}">
+        <p14:creationId xmlns:p14="http://schemas.microsoft.com/office/powerpoint/2010/main" val="2812380849"/>
+      </p:ext>
+    </p:extLst>
+  </p:cSld>
+  <p:clrMapOvr>
+    <a:masterClrMapping/>
+  </p:clrMapOvr>
+  <p:timing>
+    <p:tnLst>
+      <p:par>
+        <p:cTn id="1" dur="indefinite" restart="never" nodeType="tmRoot">
+          <p:childTnLst>
+            <p:seq concurrent="1" nextAc="seek">
+              <p:cTn id="2" dur="indefinite" nodeType="mainSeq">
+                <p:childTnLst>
+                  <p:par>
+                    <p:cTn id="3" fill="hold">
+                      <p:stCondLst>
+                        <p:cond delay="indefinite"/>
+                        <p:cond evt="onBegin" delay="0">
+                          <p:tn val="2"/>
+                        </p:cond>
+                      </p:stCondLst>
+                      <p:childTnLst>
+                        <p:par>
+                          <p:cTn id="4" fill="hold">
+                            <p:stCondLst>
+                              <p:cond delay="0"/>
+                            </p:stCondLst>
+                            <p:childTnLst>
+                              <p:par>
+                                <p:cTn id="5" presetID="10" presetClass="entr" presetSubtype="0" fill="hold" grpId="0" nodeType="withEffect">
+                                  <p:stCondLst>
+                                    <p:cond delay="1000"/>
+                                  </p:stCondLst>
+                                  <p:iterate type="lt">
+                                    <p:tmPct val="10000"/>
+                                  </p:iterate>
+                                  <p:childTnLst>
+                                    <p:set>
+                                      <p:cBhvr>
+                                        <p:cTn id="6" dur="1" fill="hold">
+                                          <p:stCondLst>
+                                            <p:cond delay="0"/>
+                                          </p:stCondLst>
+                                        </p:cTn>
+                                        <p:tgtEl>
+                                          <p:spTgt spid="2"/>
+                                        </p:tgtEl>
+                                        <p:attrNameLst>
+                                          <p:attrName>style.visibility</p:attrName>
+                                        </p:attrNameLst>
+                                      </p:cBhvr>
+                                      <p:to>
+                                        <p:strVal val="visible"/>
+                                      </p:to>
+                                    </p:set>
+                                    <p:animEffect transition="in" filter="fade">
+                                      <p:cBhvr>
+                                        <p:cTn id="7" dur="400"/>
+                                        <p:tgtEl>
+                                          <p:spTgt spid="2"/>
+                                        </p:tgtEl>
+                                      </p:cBhvr>
+                                    </p:animEffect>
+                                  </p:childTnLst>
+                                </p:cTn>
+                              </p:par>
+                            </p:childTnLst>
+                          </p:cTn>
+                        </p:par>
+                      </p:childTnLst>
+                    </p:cTn>
+                  </p:par>
+                </p:childTnLst>
+              </p:cTn>
+              <p:prevCondLst>
+                <p:cond evt="onPrev" delay="0">
+                  <p:tgtEl>
+                    <p:sldTgt/>
+                  </p:tgtEl>
+                </p:cond>
+              </p:prevCondLst>
+              <p:nextCondLst>
+                <p:cond evt="onNext" delay="0">
+                  <p:tgtEl>
+                    <p:sldTgt/>
+                  </p:tgtEl>
+                </p:cond>
+              </p:nextCondLst>
+            </p:seq>
+          </p:childTnLst>
+        </p:cTn>
+      </p:par>
+    </p:tnLst>
+    <p:bldLst>
+      <p:bldP spid="2" grpId="0"/>
+    </p:bldLst>
+  </p:timing>
+</p:sld>
+</file>
+
+<file path=ppt/slides/slide2.xml><?xml version="1.0" encoding="utf-8"?>
+<p:sld xmlns:a="http://schemas.openxmlformats.org/drawingml/2006/main" xmlns:r="http://schemas.openxmlformats.org/officeDocument/2006/relationships" xmlns:p="http://schemas.openxmlformats.org/presentationml/2006/main">
+  <p:cSld>
+    <p:spTree>
+      <p:nvGrpSpPr>
+        <p:cNvPr id="1" name=""/>
+        <p:cNvGrpSpPr/>
+        <p:nvPr/>
+      </p:nvGrpSpPr>
+      <p:grpSpPr>
+        <a:xfrm>
+          <a:off x="0" y="0"/>
+          <a:ext cx="0" cy="0"/>
+          <a:chOff x="0" y="0"/>
+          <a:chExt cx="0" cy="0"/>
+        </a:xfrm>
+      </p:grpSpPr>
+      <p:sp>
+        <p:nvSpPr>
+          <p:cNvPr id="2" name="Title 1">
+            <a:extLst>
+              <a:ext uri="{FF2B5EF4-FFF2-40B4-BE49-F238E27FC236}">
+                <a16:creationId xmlns:a16="http://schemas.microsoft.com/office/drawing/2014/main" id="{343A6A5F-696D-CD1C-0947-C59AEB5AEF0A}"/>
+              </a:ext>
+            </a:extLst>
+          </p:cNvPr>
+          <p:cNvSpPr>
+            <a:spLocks noGrp="1"/>
+          </p:cNvSpPr>
+          <p:nvPr>
+            <p:ph type="title"/>
+          </p:nvPr>
+        </p:nvSpPr>
+        <p:spPr/>
+        <p:txBody>
+          <a:bodyPr/>
+          <a:lstStyle/>
+          <a:p>
+            <a:r>
+              <a:rPr lang="en-US" dirty="0"/>
+              <a:t>Overview</a:t>
+            </a:r>
+          </a:p>
+        </p:txBody>
+      </p:sp>
+      <p:sp>
+        <p:nvSpPr>
+          <p:cNvPr id="3" name="Content Placeholder 2">
+            <a:extLst>
+              <a:ext uri="{FF2B5EF4-FFF2-40B4-BE49-F238E27FC236}">
+                <a16:creationId xmlns:a16="http://schemas.microsoft.com/office/drawing/2014/main" id="{029F19D2-69DB-9D47-1A74-8BA84E143849}"/>
+              </a:ext>
+            </a:extLst>
+          </p:cNvPr>
+          <p:cNvSpPr>
+            <a:spLocks noGrp="1"/>
+          </p:cNvSpPr>
+          <p:nvPr>
+            <p:ph idx="1"/>
+          </p:nvPr>
+        </p:nvSpPr>
+        <p:spPr/>
+        <p:txBody>
+          <a:bodyPr>
+            <a:normAutofit/>
+          </a:bodyPr>
+          <a:lstStyle/>
+          <a:p>
+            <a:pPr>
+              <a:buFont typeface="Wingdings" pitchFamily="2" charset="2"/>
+              <a:buChar char="q"/>
+            </a:pPr>
+            <a:r>
+              <a:rPr lang="en-US" dirty="0"/>
+              <a:t>Objectives</a:t>
+            </a:r>
+          </a:p>
+          <a:p>
+            <a:pPr>
+              <a:buFont typeface="Wingdings" pitchFamily="2" charset="2"/>
+              <a:buChar char="q"/>
+            </a:pPr>
+            <a:r>
+              <a:rPr lang="en-US" dirty="0"/>
+              <a:t>Data Source</a:t>
+            </a:r>
+          </a:p>
+          <a:p>
+            <a:pPr>
+              <a:buFont typeface="Wingdings" pitchFamily="2" charset="2"/>
+              <a:buChar char="q"/>
+            </a:pPr>
+            <a:r>
+              <a:rPr lang="en-US" dirty="0"/>
+              <a:t>Feature Engineering</a:t>
+            </a:r>
+          </a:p>
+          <a:p>
+            <a:pPr>
+              <a:buFont typeface="Wingdings" pitchFamily="2" charset="2"/>
+              <a:buChar char="q"/>
+            </a:pPr>
+            <a:r>
+              <a:rPr lang="en-US" dirty="0"/>
+              <a:t>Machine Learning Methods: </a:t>
+            </a:r>
+            <a:r>
+              <a:rPr lang="en-US" dirty="0" err="1"/>
+              <a:t>KMeans</a:t>
+            </a:r>
+            <a:r>
+              <a:rPr lang="en-US" dirty="0"/>
+              <a:t> Clustering, PCA analysis and </a:t>
+            </a:r>
+            <a:r>
+              <a:rPr lang="en-US" dirty="0" err="1"/>
+              <a:t>XGboost</a:t>
+            </a:r>
+            <a:r>
+              <a:rPr lang="en-US" dirty="0"/>
+              <a:t> </a:t>
+            </a:r>
+          </a:p>
+          <a:p>
+            <a:pPr>
+              <a:buFont typeface="Wingdings" pitchFamily="2" charset="2"/>
+              <a:buChar char="q"/>
+            </a:pPr>
+            <a:r>
+              <a:rPr lang="en-US" dirty="0"/>
+              <a:t>Methodology Analysis </a:t>
+            </a:r>
+          </a:p>
+          <a:p>
+            <a:pPr>
+              <a:buFont typeface="Wingdings" pitchFamily="2" charset="2"/>
+              <a:buChar char="q"/>
+            </a:pPr>
+            <a:r>
+              <a:rPr lang="en-US" dirty="0"/>
+              <a:t>Results and Business Insights</a:t>
+            </a:r>
+          </a:p>
+          <a:p>
+            <a:pPr>
+              <a:buFont typeface="Wingdings" pitchFamily="2" charset="2"/>
+              <a:buChar char="q"/>
+            </a:pPr>
+            <a:r>
+              <a:rPr lang="en-US" dirty="0"/>
+              <a:t> Q&amp;A session</a:t>
+            </a:r>
+          </a:p>
+        </p:txBody>
+      </p:sp>
+    </p:spTree>
+    <p:extLst>
+      <p:ext uri="{BB962C8B-B14F-4D97-AF65-F5344CB8AC3E}">
+        <p14:creationId xmlns:p14="http://schemas.microsoft.com/office/powerpoint/2010/main" val="1043071764"/>
+      </p:ext>
+    </p:extLst>
+  </p:cSld>
+  <p:clrMapOvr>
+    <a:masterClrMapping/>
+  </p:clrMapOvr>
+</p:sld>
+</file>
+
+<file path=ppt/slides/slide3.xml><?xml version="1.0" encoding="utf-8"?>
+<p:sld xmlns:a="http://schemas.openxmlformats.org/drawingml/2006/main" xmlns:r="http://schemas.openxmlformats.org/officeDocument/2006/relationships" xmlns:p="http://schemas.openxmlformats.org/presentationml/2006/main">
+  <p:cSld>
+    <p:spTree>
+      <p:nvGrpSpPr>
+        <p:cNvPr id="1" name=""/>
+        <p:cNvGrpSpPr/>
+        <p:nvPr/>
+      </p:nvGrpSpPr>
+      <p:grpSpPr>
+        <a:xfrm>
+          <a:off x="0" y="0"/>
+          <a:ext cx="0" cy="0"/>
+          <a:chOff x="0" y="0"/>
+          <a:chExt cx="0" cy="0"/>
+        </a:xfrm>
+      </p:grpSpPr>
+      <p:sp>
+        <p:nvSpPr>
+          <p:cNvPr id="2" name="Title 1">
+            <a:extLst>
+              <a:ext uri="{FF2B5EF4-FFF2-40B4-BE49-F238E27FC236}">
+                <a16:creationId xmlns:a16="http://schemas.microsoft.com/office/drawing/2014/main" id="{2E92CC32-6F2F-7665-4622-793A0AAA43C1}"/>
+              </a:ext>
+            </a:extLst>
+          </p:cNvPr>
+          <p:cNvSpPr>
+            <a:spLocks noGrp="1"/>
+          </p:cNvSpPr>
+          <p:nvPr>
+            <p:ph type="title"/>
+          </p:nvPr>
+        </p:nvSpPr>
+        <p:spPr/>
+        <p:txBody>
+          <a:bodyPr/>
+          <a:lstStyle/>
+          <a:p>
+            <a:r>
+              <a:rPr lang="en-US" dirty="0"/>
+              <a:t>Objectives</a:t>
+            </a:r>
+          </a:p>
+        </p:txBody>
+      </p:sp>
+      <p:sp>
+        <p:nvSpPr>
+          <p:cNvPr id="3" name="Content Placeholder 2">
+            <a:extLst>
+              <a:ext uri="{FF2B5EF4-FFF2-40B4-BE49-F238E27FC236}">
+                <a16:creationId xmlns:a16="http://schemas.microsoft.com/office/drawing/2014/main" id="{70BBA8E7-01F4-74E7-E5A2-119468BB417E}"/>
+              </a:ext>
+            </a:extLst>
+          </p:cNvPr>
+          <p:cNvSpPr>
+            <a:spLocks noGrp="1"/>
+          </p:cNvSpPr>
+          <p:nvPr>
+            <p:ph idx="1"/>
+          </p:nvPr>
+        </p:nvSpPr>
+        <p:spPr>
+          <a:xfrm>
+            <a:off x="1451579" y="2015732"/>
+            <a:ext cx="9603275" cy="3259653"/>
+          </a:xfrm>
+        </p:spPr>
+        <p:txBody>
+          <a:bodyPr>
+            <a:normAutofit/>
+          </a:bodyPr>
+          <a:lstStyle/>
+          <a:p>
+            <a:pPr>
+              <a:buFont typeface="Wingdings" pitchFamily="2" charset="2"/>
+              <a:buChar char="q"/>
+            </a:pPr>
+            <a:r>
+              <a:rPr lang="en-US" dirty="0"/>
+              <a:t>Understand the US apartment rental market to uncover rental segments and their features.</a:t>
+            </a:r>
+          </a:p>
+          <a:p>
+            <a:pPr>
+              <a:buFont typeface="Wingdings" pitchFamily="2" charset="2"/>
+              <a:buChar char="q"/>
+            </a:pPr>
+            <a:r>
+              <a:rPr lang="en-US" dirty="0"/>
+              <a:t>Provide insights to real estate developers and investors about:</a:t>
+            </a:r>
+          </a:p>
+          <a:p>
+            <a:pPr lvl="1">
+              <a:buFont typeface="Courier New" panose="02070309020205020404" pitchFamily="49" charset="0"/>
+              <a:buChar char="o"/>
+            </a:pPr>
+            <a:r>
+              <a:rPr lang="en-US" dirty="0"/>
+              <a:t>Consumer demands (i.e. desired price and amenities)</a:t>
+            </a:r>
+          </a:p>
+          <a:p>
+            <a:pPr lvl="1">
+              <a:buFont typeface="Courier New" panose="02070309020205020404" pitchFamily="49" charset="0"/>
+              <a:buChar char="o"/>
+            </a:pPr>
+            <a:r>
+              <a:rPr lang="en-US" dirty="0"/>
+              <a:t>Future investments for each segment ( i.e. new constructions, existing modifications)</a:t>
+            </a:r>
+          </a:p>
+          <a:p>
+            <a:pPr marL="457200" lvl="1" indent="0">
+              <a:buNone/>
+            </a:pPr>
+            <a:endParaRPr lang="en-US" dirty="0"/>
+          </a:p>
+        </p:txBody>
+      </p:sp>
+    </p:spTree>
+    <p:extLst>
+      <p:ext uri="{BB962C8B-B14F-4D97-AF65-F5344CB8AC3E}">
+        <p14:creationId xmlns:p14="http://schemas.microsoft.com/office/powerpoint/2010/main" val="2291594329"/>
+      </p:ext>
+    </p:extLst>
+  </p:cSld>
+  <p:clrMapOvr>
+    <a:masterClrMapping/>
+  </p:clrMapOvr>
+</p:sld>
+</file>
+
+<file path=ppt/slides/slide4.xml><?xml version="1.0" encoding="utf-8"?>
+<p:sld xmlns:a="http://schemas.openxmlformats.org/drawingml/2006/main" xmlns:r="http://schemas.openxmlformats.org/officeDocument/2006/relationships" xmlns:p="http://schemas.openxmlformats.org/presentationml/2006/main">
+  <p:cSld>
+    <p:spTree>
+      <p:nvGrpSpPr>
+        <p:cNvPr id="1" name=""/>
+        <p:cNvGrpSpPr/>
+        <p:nvPr/>
+      </p:nvGrpSpPr>
+      <p:grpSpPr>
+        <a:xfrm>
+          <a:off x="0" y="0"/>
+          <a:ext cx="0" cy="0"/>
+          <a:chOff x="0" y="0"/>
+          <a:chExt cx="0" cy="0"/>
+        </a:xfrm>
+      </p:grpSpPr>
+      <p:sp>
+        <p:nvSpPr>
+          <p:cNvPr id="2" name="Title 1">
+            <a:extLst>
+              <a:ext uri="{FF2B5EF4-FFF2-40B4-BE49-F238E27FC236}">
+                <a16:creationId xmlns:a16="http://schemas.microsoft.com/office/drawing/2014/main" id="{F0896559-9ACD-04C2-7A19-18089A06485A}"/>
+              </a:ext>
+            </a:extLst>
+          </p:cNvPr>
+          <p:cNvSpPr>
+            <a:spLocks noGrp="1"/>
+          </p:cNvSpPr>
+          <p:nvPr>
+            <p:ph type="title"/>
+          </p:nvPr>
+        </p:nvSpPr>
+        <p:spPr/>
+        <p:txBody>
+          <a:bodyPr/>
+          <a:lstStyle/>
+          <a:p>
+            <a:r>
+              <a:rPr lang="en-US" dirty="0"/>
+              <a:t>Data Source </a:t>
+            </a:r>
+          </a:p>
+        </p:txBody>
+      </p:sp>
+      <p:sp>
+        <p:nvSpPr>
+          <p:cNvPr id="3" name="Content Placeholder 2">
+            <a:extLst>
+              <a:ext uri="{FF2B5EF4-FFF2-40B4-BE49-F238E27FC236}">
+                <a16:creationId xmlns:a16="http://schemas.microsoft.com/office/drawing/2014/main" id="{CDB00038-D520-D607-A176-E1761607FB9A}"/>
+              </a:ext>
+            </a:extLst>
+          </p:cNvPr>
+          <p:cNvSpPr>
+            <a:spLocks noGrp="1"/>
+          </p:cNvSpPr>
+          <p:nvPr>
+            <p:ph idx="1"/>
+          </p:nvPr>
+        </p:nvSpPr>
+        <p:spPr/>
+        <p:txBody>
+          <a:bodyPr/>
+          <a:lstStyle/>
+          <a:p>
+            <a:pPr>
+              <a:buFont typeface="Wingdings" pitchFamily="2" charset="2"/>
+              <a:buChar char="q"/>
+            </a:pPr>
+            <a:r>
+              <a:rPr lang="en-US" dirty="0"/>
+              <a:t>University of Irvine, Machine Learning repository.</a:t>
+            </a:r>
+          </a:p>
+          <a:p>
+            <a:pPr>
+              <a:buFont typeface="Wingdings" pitchFamily="2" charset="2"/>
+              <a:buChar char="q"/>
+            </a:pPr>
+            <a:r>
+              <a:rPr lang="en-US" dirty="0"/>
+              <a:t>The dataset consists of a listing of apartments for rent in the United States in Pre-Pandemic era(i.e. as of 12/25/2019)</a:t>
+            </a:r>
+          </a:p>
+          <a:p>
+            <a:pPr marL="0" indent="0">
+              <a:buNone/>
+            </a:pPr>
+            <a:endParaRPr lang="en-US" dirty="0"/>
+          </a:p>
+          <a:p>
+            <a:pPr marL="0" indent="0">
+              <a:buNone/>
+            </a:pPr>
+            <a:endParaRPr lang="en-US" dirty="0"/>
+          </a:p>
+          <a:p>
+            <a:pPr marL="0" indent="0">
+              <a:buNone/>
+            </a:pPr>
+            <a:r>
+              <a:rPr lang="en-US" dirty="0">
+                <a:solidFill>
+                  <a:srgbClr val="0432FF"/>
+                </a:solidFill>
+              </a:rPr>
+              <a:t>Source</a:t>
+            </a:r>
+            <a:r>
+              <a:rPr lang="en-US" dirty="0"/>
+              <a:t>: https://</a:t>
+            </a:r>
+            <a:r>
+              <a:rPr lang="en-US" dirty="0" err="1"/>
+              <a:t>archive.ics.uci.edu</a:t>
+            </a:r>
+            <a:r>
+              <a:rPr lang="en-US" dirty="0"/>
+              <a:t>/dataset/555/</a:t>
+            </a:r>
+            <a:r>
+              <a:rPr lang="en-US" dirty="0" err="1"/>
+              <a:t>apartment+for+rent+classified</a:t>
+            </a:r>
+            <a:endParaRPr lang="en-US" dirty="0"/>
+          </a:p>
+        </p:txBody>
+      </p:sp>
+    </p:spTree>
+    <p:extLst>
+      <p:ext uri="{BB962C8B-B14F-4D97-AF65-F5344CB8AC3E}">
+        <p14:creationId xmlns:p14="http://schemas.microsoft.com/office/powerpoint/2010/main" val="4081790504"/>
+      </p:ext>
+    </p:extLst>
+  </p:cSld>
+  <p:clrMapOvr>
+    <a:masterClrMapping/>
+  </p:clrMapOvr>
+</p:sld>
+</file>
+
+<file path=ppt/slides/slide5.xml><?xml version="1.0" encoding="utf-8"?>
+<p:sld xmlns:a="http://schemas.openxmlformats.org/drawingml/2006/main" xmlns:r="http://schemas.openxmlformats.org/officeDocument/2006/relationships" xmlns:p="http://schemas.openxmlformats.org/presentationml/2006/main">
+  <p:cSld>
+    <p:bg>
+      <p:bgRef idx="1003">
+        <a:schemeClr val="bg2"/>
+      </p:bgRef>
+    </p:bg>
+    <p:spTree>
+      <p:nvGrpSpPr>
+        <p:cNvPr id="1" name=""/>
+        <p:cNvGrpSpPr/>
+        <p:nvPr/>
+      </p:nvGrpSpPr>
+      <p:grpSpPr>
+        <a:xfrm>
+          <a:off x="0" y="0"/>
+          <a:ext cx="0" cy="0"/>
+          <a:chOff x="0" y="0"/>
+          <a:chExt cx="0" cy="0"/>
+        </a:xfrm>
+      </p:grpSpPr>
+      <p:sp>
+        <p:nvSpPr>
+          <p:cNvPr id="2" name="Title 1">
+            <a:extLst>
+              <a:ext uri="{FF2B5EF4-FFF2-40B4-BE49-F238E27FC236}">
+                <a16:creationId xmlns:a16="http://schemas.microsoft.com/office/drawing/2014/main" id="{BA379FF7-D0DA-F23E-59D4-EFE9996320D9}"/>
+              </a:ext>
+            </a:extLst>
+          </p:cNvPr>
+          <p:cNvSpPr>
+            <a:spLocks noGrp="1"/>
+          </p:cNvSpPr>
+          <p:nvPr>
+            <p:ph type="title"/>
+          </p:nvPr>
+        </p:nvSpPr>
+        <p:spPr/>
+        <p:txBody>
+          <a:bodyPr>
+            <a:normAutofit/>
+          </a:bodyPr>
+          <a:lstStyle/>
+          <a:p>
+            <a:r>
+              <a:rPr lang="en-US" dirty="0"/>
+              <a:t>Feature Engineering</a:t>
+            </a:r>
+          </a:p>
+        </p:txBody>
+      </p:sp>
+      <p:sp>
+        <p:nvSpPr>
+          <p:cNvPr id="3" name="Content Placeholder 2">
+            <a:extLst>
+              <a:ext uri="{FF2B5EF4-FFF2-40B4-BE49-F238E27FC236}">
+                <a16:creationId xmlns:a16="http://schemas.microsoft.com/office/drawing/2014/main" id="{B60BB32F-9978-1EFD-A8BE-33A333C9C2F0}"/>
+              </a:ext>
+            </a:extLst>
+          </p:cNvPr>
+          <p:cNvSpPr>
+            <a:spLocks noGrp="1"/>
+          </p:cNvSpPr>
+          <p:nvPr>
+            <p:ph sz="half" idx="2"/>
+          </p:nvPr>
+        </p:nvSpPr>
+        <p:spPr>
+          <a:xfrm>
+            <a:off x="6413771" y="2017342"/>
+            <a:ext cx="4645152" cy="3654587"/>
+          </a:xfrm>
+        </p:spPr>
+        <p:txBody>
+          <a:bodyPr>
+            <a:normAutofit fontScale="92500" lnSpcReduction="20000"/>
+          </a:bodyPr>
+          <a:lstStyle/>
+          <a:p>
+            <a:r>
+              <a:rPr lang="en-US" dirty="0"/>
+              <a:t>Used encoding techniques to transform Boolean data such as “has Photo” or “has fee</a:t>
+            </a:r>
+          </a:p>
+          <a:p>
+            <a:r>
+              <a:rPr lang="en-US" dirty="0"/>
+              <a:t>Used “Get dummies” technique to transform apartment category column.  The dataset generated 60 distinctive apartment categories.</a:t>
+            </a:r>
+          </a:p>
+          <a:p>
+            <a:r>
+              <a:rPr lang="en-US" dirty="0"/>
+              <a:t>Used </a:t>
+            </a:r>
+            <a:r>
+              <a:rPr lang="en-US" dirty="0" err="1"/>
+              <a:t>StandardScaler</a:t>
+            </a:r>
+            <a:r>
+              <a:rPr lang="en-US" dirty="0"/>
+              <a:t> method to scale numerical columns such as price, square feet, latitude and longitude</a:t>
+            </a:r>
+          </a:p>
+          <a:p>
+            <a:endParaRPr lang="en-US" dirty="0"/>
+          </a:p>
+          <a:p>
+            <a:endParaRPr lang="en-US" dirty="0"/>
+          </a:p>
+          <a:p>
+            <a:endParaRPr lang="en-US" dirty="0"/>
+          </a:p>
+          <a:p>
+            <a:endParaRPr lang="en-US" dirty="0"/>
+          </a:p>
+        </p:txBody>
+      </p:sp>
+      <p:sp>
+        <p:nvSpPr>
+          <p:cNvPr id="6" name="Content Placeholder 5">
+            <a:extLst>
+              <a:ext uri="{FF2B5EF4-FFF2-40B4-BE49-F238E27FC236}">
+                <a16:creationId xmlns:a16="http://schemas.microsoft.com/office/drawing/2014/main" id="{FAA46287-FF89-5935-22CF-81268608D6A1}"/>
+              </a:ext>
+            </a:extLst>
+          </p:cNvPr>
+          <p:cNvSpPr>
+            <a:spLocks noGrp="1"/>
+          </p:cNvSpPr>
+          <p:nvPr>
+            <p:ph sz="half" idx="1"/>
+          </p:nvPr>
+        </p:nvSpPr>
+        <p:spPr/>
+        <p:txBody>
+          <a:bodyPr>
+            <a:normAutofit fontScale="92500" lnSpcReduction="20000"/>
+          </a:bodyPr>
+          <a:lstStyle/>
+          <a:p>
+            <a:r>
+              <a:rPr lang="en-US" dirty="0"/>
+              <a:t>Created categories of apartments for rent  based on the number of bedroom and bathroom for each unit.</a:t>
+            </a:r>
+          </a:p>
+          <a:p>
+            <a:r>
+              <a:rPr lang="en-US" dirty="0"/>
+              <a:t>Broke down the amenities column into 4 distinct categories of amenities based on the number of occurrence (i.e. outdoor, sports, luxury, convenience ) and added 4 new column to the dataset.</a:t>
+            </a:r>
+          </a:p>
+          <a:p>
+            <a:r>
+              <a:rPr lang="en-US" dirty="0"/>
+              <a:t>Normalized the price column (converted weekly listings into monthly rental prices)</a:t>
+            </a:r>
+          </a:p>
+          <a:p>
+            <a:endParaRPr lang="en-US" dirty="0"/>
+          </a:p>
+          <a:p>
+            <a:endParaRPr lang="en-US" dirty="0"/>
+          </a:p>
+        </p:txBody>
+      </p:sp>
+    </p:spTree>
+    <p:extLst>
+      <p:ext uri="{BB962C8B-B14F-4D97-AF65-F5344CB8AC3E}">
+        <p14:creationId xmlns:p14="http://schemas.microsoft.com/office/powerpoint/2010/main" val="2160180033"/>
+      </p:ext>
+    </p:extLst>
+  </p:cSld>
+  <p:clrMapOvr>
+    <a:overrideClrMapping bg1="lt1" tx1="dk1" bg2="lt2" tx2="dk2" accent1="accent1" accent2="accent2" accent3="accent3" accent4="accent4" accent5="accent5" accent6="accent6" hlink="hlink" folHlink="folHlink"/>
+  </p:clrMapOvr>
+</p:sld>
+</file>
+
+<file path=ppt/slides/slide6.xml><?xml version="1.0" encoding="utf-8"?>
+<p:sld xmlns:a="http://schemas.openxmlformats.org/drawingml/2006/main" xmlns:r="http://schemas.openxmlformats.org/officeDocument/2006/relationships" xmlns:p="http://schemas.openxmlformats.org/presentationml/2006/main">
+  <p:cSld>
+    <p:bg>
+      <p:bgPr>
+        <a:gradFill rotWithShape="1">
+          <a:gsLst>
+            <a:gs pos="0">
+              <a:schemeClr val="bg2">
+                <a:tint val="94000"/>
+                <a:satMod val="80000"/>
+                <a:lumMod val="106000"/>
+              </a:schemeClr>
+            </a:gs>
+            <a:gs pos="100000">
+              <a:schemeClr val="bg2">
+                <a:shade val="80000"/>
+              </a:schemeClr>
+            </a:gs>
+          </a:gsLst>
+          <a:path path="circle">
+            <a:fillToRect l="43000" r="43000" b="100000"/>
+          </a:path>
+        </a:gradFill>
+        <a:effectLst/>
+      </p:bgPr>
+    </p:bg>
+    <p:spTree>
+      <p:nvGrpSpPr>
+        <p:cNvPr id="1" name=""/>
+        <p:cNvGrpSpPr/>
+        <p:nvPr/>
+      </p:nvGrpSpPr>
+      <p:grpSpPr>
+        <a:xfrm>
+          <a:off x="0" y="0"/>
+          <a:ext cx="0" cy="0"/>
+          <a:chOff x="0" y="0"/>
+          <a:chExt cx="0" cy="0"/>
+        </a:xfrm>
+      </p:grpSpPr>
       <p:sp>
         <p:nvSpPr>
           <p:cNvPr id="2" name="Title 1">
@@ -11195,15 +8871,7 @@
             </a:r>
             <a:r>
               <a:rPr lang="en-US" dirty="0"/>
-              <a:t> </a:t>
-            </a:r>
-            <a:r>
-              <a:rPr lang="en-US" dirty="0" err="1"/>
-              <a:t>Clsutering</a:t>
-            </a:r>
-            <a:r>
-              <a:rPr lang="en-US" dirty="0"/>
-              <a:t> : 2 clusters identified</a:t>
+              <a:t> Clustering : 2 clusters identified</a:t>
             </a:r>
           </a:p>
           <a:p>
@@ -11312,7 +8980,7 @@
 </p:sld>
 </file>
 
-<file path=ppt/slides/slide8.xml><?xml version="1.0" encoding="utf-8"?>
+<file path=ppt/slides/slide7.xml><?xml version="1.0" encoding="utf-8"?>
 <p:sld xmlns:a="http://schemas.openxmlformats.org/drawingml/2006/main" xmlns:r="http://schemas.openxmlformats.org/officeDocument/2006/relationships" xmlns:p="http://schemas.openxmlformats.org/presentationml/2006/main">
   <p:cSld>
     <p:spTree>
@@ -11487,7 +9155,7 @@
 </p:sld>
 </file>
 
-<file path=ppt/slides/slide9.xml><?xml version="1.0" encoding="utf-8"?>
+<file path=ppt/slides/slide8.xml><?xml version="1.0" encoding="utf-8"?>
 <p:sld xmlns:a="http://schemas.openxmlformats.org/drawingml/2006/main" xmlns:r="http://schemas.openxmlformats.org/officeDocument/2006/relationships" xmlns:p="http://schemas.openxmlformats.org/presentationml/2006/main">
   <p:cSld>
     <p:spTree>
@@ -11656,6 +9324,158 @@
     <p:extLst>
       <p:ext uri="{BB962C8B-B14F-4D97-AF65-F5344CB8AC3E}">
         <p14:creationId xmlns:p14="http://schemas.microsoft.com/office/powerpoint/2010/main" val="4172051043"/>
+      </p:ext>
+    </p:extLst>
+  </p:cSld>
+  <p:clrMapOvr>
+    <a:masterClrMapping/>
+  </p:clrMapOvr>
+</p:sld>
+</file>
+
+<file path=ppt/slides/slide9.xml><?xml version="1.0" encoding="utf-8"?>
+<p:sld xmlns:a="http://schemas.openxmlformats.org/drawingml/2006/main" xmlns:r="http://schemas.openxmlformats.org/officeDocument/2006/relationships" xmlns:p="http://schemas.openxmlformats.org/presentationml/2006/main">
+  <p:cSld>
+    <p:spTree>
+      <p:nvGrpSpPr>
+        <p:cNvPr id="1" name=""/>
+        <p:cNvGrpSpPr/>
+        <p:nvPr/>
+      </p:nvGrpSpPr>
+      <p:grpSpPr>
+        <a:xfrm>
+          <a:off x="0" y="0"/>
+          <a:ext cx="0" cy="0"/>
+          <a:chOff x="0" y="0"/>
+          <a:chExt cx="0" cy="0"/>
+        </a:xfrm>
+      </p:grpSpPr>
+      <p:sp>
+        <p:nvSpPr>
+          <p:cNvPr id="2" name="Title 1">
+            <a:extLst>
+              <a:ext uri="{FF2B5EF4-FFF2-40B4-BE49-F238E27FC236}">
+                <a16:creationId xmlns:a16="http://schemas.microsoft.com/office/drawing/2014/main" id="{21D7AA9A-B7BD-E032-BB45-9DC322BA06FE}"/>
+              </a:ext>
+            </a:extLst>
+          </p:cNvPr>
+          <p:cNvSpPr>
+            <a:spLocks noGrp="1"/>
+          </p:cNvSpPr>
+          <p:nvPr>
+            <p:ph type="title"/>
+          </p:nvPr>
+        </p:nvSpPr>
+        <p:spPr/>
+        <p:txBody>
+          <a:bodyPr/>
+          <a:lstStyle/>
+          <a:p>
+            <a:r>
+              <a:rPr lang="en-US" dirty="0"/>
+              <a:t>Machine Learning Methods </a:t>
+            </a:r>
+            <a:r>
+              <a:rPr lang="en-US" sz="2000" dirty="0"/>
+              <a:t>cont’d</a:t>
+            </a:r>
+            <a:endParaRPr lang="en-US" dirty="0"/>
+          </a:p>
+        </p:txBody>
+      </p:sp>
+      <p:sp>
+        <p:nvSpPr>
+          <p:cNvPr id="6" name="Content Placeholder 5">
+            <a:extLst>
+              <a:ext uri="{FF2B5EF4-FFF2-40B4-BE49-F238E27FC236}">
+                <a16:creationId xmlns:a16="http://schemas.microsoft.com/office/drawing/2014/main" id="{834062A3-61C7-8A0A-FEA6-CD8ABB5DCE16}"/>
+              </a:ext>
+            </a:extLst>
+          </p:cNvPr>
+          <p:cNvSpPr>
+            <a:spLocks noGrp="1"/>
+          </p:cNvSpPr>
+          <p:nvPr>
+            <p:ph idx="1"/>
+          </p:nvPr>
+        </p:nvSpPr>
+        <p:spPr/>
+        <p:txBody>
+          <a:bodyPr/>
+          <a:lstStyle/>
+          <a:p>
+            <a:pPr>
+              <a:buFont typeface="Wingdings" pitchFamily="2" charset="2"/>
+              <a:buChar char="q"/>
+            </a:pPr>
+            <a:r>
+              <a:rPr lang="en-US" dirty="0" err="1"/>
+              <a:t>Pycaret</a:t>
+            </a:r>
+            <a:r>
+              <a:rPr lang="en-US" dirty="0"/>
+              <a:t> and </a:t>
+            </a:r>
+            <a:r>
+              <a:rPr lang="en-US" dirty="0" err="1"/>
+              <a:t>XgBoost</a:t>
+            </a:r>
+            <a:r>
+              <a:rPr lang="en-US" dirty="0"/>
+              <a:t> to determine feature importance on </a:t>
+            </a:r>
+            <a:r>
+              <a:rPr lang="en-US" dirty="0" err="1"/>
+              <a:t>KMeans</a:t>
+            </a:r>
+            <a:r>
+              <a:rPr lang="en-US" dirty="0"/>
+              <a:t> method</a:t>
+            </a:r>
+          </a:p>
+          <a:p>
+            <a:pPr>
+              <a:buFont typeface="Wingdings" pitchFamily="2" charset="2"/>
+              <a:buChar char="q"/>
+            </a:pPr>
+            <a:endParaRPr lang="en-US" dirty="0"/>
+          </a:p>
+        </p:txBody>
+      </p:sp>
+      <p:pic>
+        <p:nvPicPr>
+          <p:cNvPr id="7" name="Picture 6">
+            <a:extLst>
+              <a:ext uri="{FF2B5EF4-FFF2-40B4-BE49-F238E27FC236}">
+                <a16:creationId xmlns:a16="http://schemas.microsoft.com/office/drawing/2014/main" id="{361ED1AA-8F47-E204-99DF-A48F0F96AED9}"/>
+              </a:ext>
+            </a:extLst>
+          </p:cNvPr>
+          <p:cNvPicPr>
+            <a:picLocks noChangeAspect="1"/>
+          </p:cNvPicPr>
+          <p:nvPr/>
+        </p:nvPicPr>
+        <p:blipFill>
+          <a:blip r:embed="rId2"/>
+          <a:stretch>
+            <a:fillRect/>
+          </a:stretch>
+        </p:blipFill>
+        <p:spPr>
+          <a:xfrm>
+            <a:off x="2367016" y="2346751"/>
+            <a:ext cx="8012660" cy="3706730"/>
+          </a:xfrm>
+          <a:prstGeom prst="rect">
+            <a:avLst/>
+          </a:prstGeom>
+        </p:spPr>
+      </p:pic>
+    </p:spTree>
+    <p:extLst>
+      <p:ext uri="{BB962C8B-B14F-4D97-AF65-F5344CB8AC3E}">
+        <p14:creationId xmlns:p14="http://schemas.microsoft.com/office/powerpoint/2010/main" val="2908751785"/>
       </p:ext>
     </p:extLst>
   </p:cSld>
